--- a/Module_8/Module_8.pptx
+++ b/Module_8/Module_8.pptx
@@ -5,20 +5,24 @@
     <p:sldMasterId id="2147483648" r:id="rId1"/>
   </p:sldMasterIdLst>
   <p:notesMasterIdLst>
-    <p:notesMasterId r:id="rId13"/>
+    <p:notesMasterId r:id="rId17"/>
   </p:notesMasterIdLst>
   <p:sldIdLst>
     <p:sldId id="258" r:id="rId2"/>
     <p:sldId id="307" r:id="rId3"/>
     <p:sldId id="308" r:id="rId4"/>
     <p:sldId id="349" r:id="rId5"/>
-    <p:sldId id="354" r:id="rId6"/>
-    <p:sldId id="355" r:id="rId7"/>
-    <p:sldId id="356" r:id="rId8"/>
-    <p:sldId id="351" r:id="rId9"/>
-    <p:sldId id="352" r:id="rId10"/>
-    <p:sldId id="353" r:id="rId11"/>
-    <p:sldId id="358" r:id="rId12"/>
+    <p:sldId id="361" r:id="rId6"/>
+    <p:sldId id="354" r:id="rId7"/>
+    <p:sldId id="362" r:id="rId8"/>
+    <p:sldId id="356" r:id="rId9"/>
+    <p:sldId id="355" r:id="rId10"/>
+    <p:sldId id="351" r:id="rId11"/>
+    <p:sldId id="352" r:id="rId12"/>
+    <p:sldId id="353" r:id="rId13"/>
+    <p:sldId id="358" r:id="rId14"/>
+    <p:sldId id="360" r:id="rId15"/>
+    <p:sldId id="359" r:id="rId16"/>
   </p:sldIdLst>
   <p:sldSz cx="12192000" cy="6858000"/>
   <p:notesSz cx="6858000" cy="9144000"/>
@@ -207,7 +211,7 @@
           <a:p>
             <a:fld id="{BCA6FE24-293A-1A47-B7B1-1D97180844A5}" type="datetimeFigureOut">
               <a:rPr lang="en-US" smtClean="0"/>
-              <a:t>7/26/21</a:t>
+              <a:t>7/27/21</a:t>
             </a:fld>
             <a:endParaRPr lang="en-US"/>
           </a:p>
@@ -558,6 +562,174 @@
 </p:notes>
 </file>
 
+<file path=ppt/notesSlides/notesSlide10.xml><?xml version="1.0" encoding="utf-8"?>
+<p:notes xmlns:a="http://schemas.openxmlformats.org/drawingml/2006/main" xmlns:r="http://schemas.openxmlformats.org/officeDocument/2006/relationships" xmlns:p="http://schemas.openxmlformats.org/presentationml/2006/main">
+  <p:cSld>
+    <p:spTree>
+      <p:nvGrpSpPr>
+        <p:cNvPr id="1" name=""/>
+        <p:cNvGrpSpPr/>
+        <p:nvPr/>
+      </p:nvGrpSpPr>
+      <p:grpSpPr>
+        <a:xfrm>
+          <a:off x="0" y="0"/>
+          <a:ext cx="0" cy="0"/>
+          <a:chOff x="0" y="0"/>
+          <a:chExt cx="0" cy="0"/>
+        </a:xfrm>
+      </p:grpSpPr>
+      <p:sp>
+        <p:nvSpPr>
+          <p:cNvPr id="2" name="Slide Image Placeholder 1"/>
+          <p:cNvSpPr>
+            <a:spLocks noGrp="1" noRot="1" noChangeAspect="1"/>
+          </p:cNvSpPr>
+          <p:nvPr>
+            <p:ph type="sldImg"/>
+          </p:nvPr>
+        </p:nvSpPr>
+        <p:spPr/>
+      </p:sp>
+      <p:sp>
+        <p:nvSpPr>
+          <p:cNvPr id="3" name="Notes Placeholder 2"/>
+          <p:cNvSpPr>
+            <a:spLocks noGrp="1"/>
+          </p:cNvSpPr>
+          <p:nvPr>
+            <p:ph type="body" idx="1"/>
+          </p:nvPr>
+        </p:nvSpPr>
+        <p:spPr/>
+        <p:txBody>
+          <a:bodyPr/>
+          <a:lstStyle/>
+          <a:p>
+            <a:endParaRPr lang="en-US" dirty="0"/>
+          </a:p>
+        </p:txBody>
+      </p:sp>
+      <p:sp>
+        <p:nvSpPr>
+          <p:cNvPr id="4" name="Slide Number Placeholder 3"/>
+          <p:cNvSpPr>
+            <a:spLocks noGrp="1"/>
+          </p:cNvSpPr>
+          <p:nvPr>
+            <p:ph type="sldNum" sz="quarter" idx="5"/>
+          </p:nvPr>
+        </p:nvSpPr>
+        <p:spPr/>
+        <p:txBody>
+          <a:bodyPr/>
+          <a:lstStyle/>
+          <a:p>
+            <a:fld id="{7270EC1F-AE40-A54E-8C8A-D6A2A800CEF8}" type="slidenum">
+              <a:rPr lang="en-US" smtClean="0"/>
+              <a:t>14</a:t>
+            </a:fld>
+            <a:endParaRPr lang="en-US"/>
+          </a:p>
+        </p:txBody>
+      </p:sp>
+    </p:spTree>
+    <p:extLst>
+      <p:ext uri="{BB962C8B-B14F-4D97-AF65-F5344CB8AC3E}">
+        <p14:creationId xmlns:p14="http://schemas.microsoft.com/office/powerpoint/2010/main" val="3970386308"/>
+      </p:ext>
+    </p:extLst>
+  </p:cSld>
+  <p:clrMapOvr>
+    <a:masterClrMapping/>
+  </p:clrMapOvr>
+</p:notes>
+</file>
+
+<file path=ppt/notesSlides/notesSlide11.xml><?xml version="1.0" encoding="utf-8"?>
+<p:notes xmlns:a="http://schemas.openxmlformats.org/drawingml/2006/main" xmlns:r="http://schemas.openxmlformats.org/officeDocument/2006/relationships" xmlns:p="http://schemas.openxmlformats.org/presentationml/2006/main">
+  <p:cSld>
+    <p:spTree>
+      <p:nvGrpSpPr>
+        <p:cNvPr id="1" name=""/>
+        <p:cNvGrpSpPr/>
+        <p:nvPr/>
+      </p:nvGrpSpPr>
+      <p:grpSpPr>
+        <a:xfrm>
+          <a:off x="0" y="0"/>
+          <a:ext cx="0" cy="0"/>
+          <a:chOff x="0" y="0"/>
+          <a:chExt cx="0" cy="0"/>
+        </a:xfrm>
+      </p:grpSpPr>
+      <p:sp>
+        <p:nvSpPr>
+          <p:cNvPr id="2" name="Slide Image Placeholder 1"/>
+          <p:cNvSpPr>
+            <a:spLocks noGrp="1" noRot="1" noChangeAspect="1"/>
+          </p:cNvSpPr>
+          <p:nvPr>
+            <p:ph type="sldImg"/>
+          </p:nvPr>
+        </p:nvSpPr>
+        <p:spPr/>
+      </p:sp>
+      <p:sp>
+        <p:nvSpPr>
+          <p:cNvPr id="3" name="Notes Placeholder 2"/>
+          <p:cNvSpPr>
+            <a:spLocks noGrp="1"/>
+          </p:cNvSpPr>
+          <p:nvPr>
+            <p:ph type="body" idx="1"/>
+          </p:nvPr>
+        </p:nvSpPr>
+        <p:spPr/>
+        <p:txBody>
+          <a:bodyPr/>
+          <a:lstStyle/>
+          <a:p>
+            <a:endParaRPr lang="en-US" dirty="0"/>
+          </a:p>
+        </p:txBody>
+      </p:sp>
+      <p:sp>
+        <p:nvSpPr>
+          <p:cNvPr id="4" name="Slide Number Placeholder 3"/>
+          <p:cNvSpPr>
+            <a:spLocks noGrp="1"/>
+          </p:cNvSpPr>
+          <p:nvPr>
+            <p:ph type="sldNum" sz="quarter" idx="5"/>
+          </p:nvPr>
+        </p:nvSpPr>
+        <p:spPr/>
+        <p:txBody>
+          <a:bodyPr/>
+          <a:lstStyle/>
+          <a:p>
+            <a:fld id="{7270EC1F-AE40-A54E-8C8A-D6A2A800CEF8}" type="slidenum">
+              <a:rPr lang="en-US" smtClean="0"/>
+              <a:t>15</a:t>
+            </a:fld>
+            <a:endParaRPr lang="en-US"/>
+          </a:p>
+        </p:txBody>
+      </p:sp>
+    </p:spTree>
+    <p:extLst>
+      <p:ext uri="{BB962C8B-B14F-4D97-AF65-F5344CB8AC3E}">
+        <p14:creationId xmlns:p14="http://schemas.microsoft.com/office/powerpoint/2010/main" val="1231906519"/>
+      </p:ext>
+    </p:extLst>
+  </p:cSld>
+  <p:clrMapOvr>
+    <a:masterClrMapping/>
+  </p:clrMapOvr>
+</p:notes>
+</file>
+
 <file path=ppt/notesSlides/notesSlide2.xml><?xml version="1.0" encoding="utf-8"?>
 <p:notes xmlns:a="http://schemas.openxmlformats.org/drawingml/2006/main" xmlns:r="http://schemas.openxmlformats.org/officeDocument/2006/relationships" xmlns:p="http://schemas.openxmlformats.org/presentationml/2006/main">
   <p:cSld>
@@ -633,6 +805,594 @@
     <p:extLst>
       <p:ext uri="{BB962C8B-B14F-4D97-AF65-F5344CB8AC3E}">
         <p14:creationId xmlns:p14="http://schemas.microsoft.com/office/powerpoint/2010/main" val="698010156"/>
+      </p:ext>
+    </p:extLst>
+  </p:cSld>
+  <p:clrMapOvr>
+    <a:masterClrMapping/>
+  </p:clrMapOvr>
+</p:notes>
+</file>
+
+<file path=ppt/notesSlides/notesSlide3.xml><?xml version="1.0" encoding="utf-8"?>
+<p:notes xmlns:a="http://schemas.openxmlformats.org/drawingml/2006/main" xmlns:r="http://schemas.openxmlformats.org/officeDocument/2006/relationships" xmlns:p="http://schemas.openxmlformats.org/presentationml/2006/main">
+  <p:cSld>
+    <p:spTree>
+      <p:nvGrpSpPr>
+        <p:cNvPr id="1" name=""/>
+        <p:cNvGrpSpPr/>
+        <p:nvPr/>
+      </p:nvGrpSpPr>
+      <p:grpSpPr>
+        <a:xfrm>
+          <a:off x="0" y="0"/>
+          <a:ext cx="0" cy="0"/>
+          <a:chOff x="0" y="0"/>
+          <a:chExt cx="0" cy="0"/>
+        </a:xfrm>
+      </p:grpSpPr>
+      <p:sp>
+        <p:nvSpPr>
+          <p:cNvPr id="2" name="Slide Image Placeholder 1"/>
+          <p:cNvSpPr>
+            <a:spLocks noGrp="1" noRot="1" noChangeAspect="1"/>
+          </p:cNvSpPr>
+          <p:nvPr>
+            <p:ph type="sldImg"/>
+          </p:nvPr>
+        </p:nvSpPr>
+        <p:spPr/>
+      </p:sp>
+      <p:sp>
+        <p:nvSpPr>
+          <p:cNvPr id="3" name="Notes Placeholder 2"/>
+          <p:cNvSpPr>
+            <a:spLocks noGrp="1"/>
+          </p:cNvSpPr>
+          <p:nvPr>
+            <p:ph type="body" idx="1"/>
+          </p:nvPr>
+        </p:nvSpPr>
+        <p:spPr/>
+        <p:txBody>
+          <a:bodyPr/>
+          <a:lstStyle/>
+          <a:p>
+            <a:endParaRPr lang="en-US" dirty="0"/>
+          </a:p>
+        </p:txBody>
+      </p:sp>
+      <p:sp>
+        <p:nvSpPr>
+          <p:cNvPr id="4" name="Slide Number Placeholder 3"/>
+          <p:cNvSpPr>
+            <a:spLocks noGrp="1"/>
+          </p:cNvSpPr>
+          <p:nvPr>
+            <p:ph type="sldNum" sz="quarter" idx="5"/>
+          </p:nvPr>
+        </p:nvSpPr>
+        <p:spPr/>
+        <p:txBody>
+          <a:bodyPr/>
+          <a:lstStyle/>
+          <a:p>
+            <a:fld id="{7270EC1F-AE40-A54E-8C8A-D6A2A800CEF8}" type="slidenum">
+              <a:rPr lang="en-US" smtClean="0"/>
+              <a:t>5</a:t>
+            </a:fld>
+            <a:endParaRPr lang="en-US"/>
+          </a:p>
+        </p:txBody>
+      </p:sp>
+    </p:spTree>
+    <p:extLst>
+      <p:ext uri="{BB962C8B-B14F-4D97-AF65-F5344CB8AC3E}">
+        <p14:creationId xmlns:p14="http://schemas.microsoft.com/office/powerpoint/2010/main" val="1378610416"/>
+      </p:ext>
+    </p:extLst>
+  </p:cSld>
+  <p:clrMapOvr>
+    <a:masterClrMapping/>
+  </p:clrMapOvr>
+</p:notes>
+</file>
+
+<file path=ppt/notesSlides/notesSlide4.xml><?xml version="1.0" encoding="utf-8"?>
+<p:notes xmlns:a="http://schemas.openxmlformats.org/drawingml/2006/main" xmlns:r="http://schemas.openxmlformats.org/officeDocument/2006/relationships" xmlns:p="http://schemas.openxmlformats.org/presentationml/2006/main">
+  <p:cSld>
+    <p:spTree>
+      <p:nvGrpSpPr>
+        <p:cNvPr id="1" name=""/>
+        <p:cNvGrpSpPr/>
+        <p:nvPr/>
+      </p:nvGrpSpPr>
+      <p:grpSpPr>
+        <a:xfrm>
+          <a:off x="0" y="0"/>
+          <a:ext cx="0" cy="0"/>
+          <a:chOff x="0" y="0"/>
+          <a:chExt cx="0" cy="0"/>
+        </a:xfrm>
+      </p:grpSpPr>
+      <p:sp>
+        <p:nvSpPr>
+          <p:cNvPr id="2" name="Slide Image Placeholder 1"/>
+          <p:cNvSpPr>
+            <a:spLocks noGrp="1" noRot="1" noChangeAspect="1"/>
+          </p:cNvSpPr>
+          <p:nvPr>
+            <p:ph type="sldImg"/>
+          </p:nvPr>
+        </p:nvSpPr>
+        <p:spPr/>
+      </p:sp>
+      <p:sp>
+        <p:nvSpPr>
+          <p:cNvPr id="3" name="Notes Placeholder 2"/>
+          <p:cNvSpPr>
+            <a:spLocks noGrp="1"/>
+          </p:cNvSpPr>
+          <p:nvPr>
+            <p:ph type="body" idx="1"/>
+          </p:nvPr>
+        </p:nvSpPr>
+        <p:spPr/>
+        <p:txBody>
+          <a:bodyPr/>
+          <a:lstStyle/>
+          <a:p>
+            <a:endParaRPr lang="en-US" dirty="0"/>
+          </a:p>
+        </p:txBody>
+      </p:sp>
+      <p:sp>
+        <p:nvSpPr>
+          <p:cNvPr id="4" name="Slide Number Placeholder 3"/>
+          <p:cNvSpPr>
+            <a:spLocks noGrp="1"/>
+          </p:cNvSpPr>
+          <p:nvPr>
+            <p:ph type="sldNum" sz="quarter" idx="5"/>
+          </p:nvPr>
+        </p:nvSpPr>
+        <p:spPr/>
+        <p:txBody>
+          <a:bodyPr/>
+          <a:lstStyle/>
+          <a:p>
+            <a:fld id="{7270EC1F-AE40-A54E-8C8A-D6A2A800CEF8}" type="slidenum">
+              <a:rPr lang="en-US" smtClean="0"/>
+              <a:t>6</a:t>
+            </a:fld>
+            <a:endParaRPr lang="en-US"/>
+          </a:p>
+        </p:txBody>
+      </p:sp>
+    </p:spTree>
+    <p:extLst>
+      <p:ext uri="{BB962C8B-B14F-4D97-AF65-F5344CB8AC3E}">
+        <p14:creationId xmlns:p14="http://schemas.microsoft.com/office/powerpoint/2010/main" val="1636290779"/>
+      </p:ext>
+    </p:extLst>
+  </p:cSld>
+  <p:clrMapOvr>
+    <a:masterClrMapping/>
+  </p:clrMapOvr>
+</p:notes>
+</file>
+
+<file path=ppt/notesSlides/notesSlide5.xml><?xml version="1.0" encoding="utf-8"?>
+<p:notes xmlns:a="http://schemas.openxmlformats.org/drawingml/2006/main" xmlns:r="http://schemas.openxmlformats.org/officeDocument/2006/relationships" xmlns:p="http://schemas.openxmlformats.org/presentationml/2006/main">
+  <p:cSld>
+    <p:spTree>
+      <p:nvGrpSpPr>
+        <p:cNvPr id="1" name=""/>
+        <p:cNvGrpSpPr/>
+        <p:nvPr/>
+      </p:nvGrpSpPr>
+      <p:grpSpPr>
+        <a:xfrm>
+          <a:off x="0" y="0"/>
+          <a:ext cx="0" cy="0"/>
+          <a:chOff x="0" y="0"/>
+          <a:chExt cx="0" cy="0"/>
+        </a:xfrm>
+      </p:grpSpPr>
+      <p:sp>
+        <p:nvSpPr>
+          <p:cNvPr id="2" name="Slide Image Placeholder 1"/>
+          <p:cNvSpPr>
+            <a:spLocks noGrp="1" noRot="1" noChangeAspect="1"/>
+          </p:cNvSpPr>
+          <p:nvPr>
+            <p:ph type="sldImg"/>
+          </p:nvPr>
+        </p:nvSpPr>
+        <p:spPr/>
+      </p:sp>
+      <p:sp>
+        <p:nvSpPr>
+          <p:cNvPr id="3" name="Notes Placeholder 2"/>
+          <p:cNvSpPr>
+            <a:spLocks noGrp="1"/>
+          </p:cNvSpPr>
+          <p:nvPr>
+            <p:ph type="body" idx="1"/>
+          </p:nvPr>
+        </p:nvSpPr>
+        <p:spPr/>
+        <p:txBody>
+          <a:bodyPr/>
+          <a:lstStyle/>
+          <a:p>
+            <a:endParaRPr lang="en-US" dirty="0"/>
+          </a:p>
+        </p:txBody>
+      </p:sp>
+      <p:sp>
+        <p:nvSpPr>
+          <p:cNvPr id="4" name="Slide Number Placeholder 3"/>
+          <p:cNvSpPr>
+            <a:spLocks noGrp="1"/>
+          </p:cNvSpPr>
+          <p:nvPr>
+            <p:ph type="sldNum" sz="quarter" idx="5"/>
+          </p:nvPr>
+        </p:nvSpPr>
+        <p:spPr/>
+        <p:txBody>
+          <a:bodyPr/>
+          <a:lstStyle/>
+          <a:p>
+            <a:fld id="{7270EC1F-AE40-A54E-8C8A-D6A2A800CEF8}" type="slidenum">
+              <a:rPr lang="en-US" smtClean="0"/>
+              <a:t>8</a:t>
+            </a:fld>
+            <a:endParaRPr lang="en-US"/>
+          </a:p>
+        </p:txBody>
+      </p:sp>
+    </p:spTree>
+    <p:extLst>
+      <p:ext uri="{BB962C8B-B14F-4D97-AF65-F5344CB8AC3E}">
+        <p14:creationId xmlns:p14="http://schemas.microsoft.com/office/powerpoint/2010/main" val="2969897635"/>
+      </p:ext>
+    </p:extLst>
+  </p:cSld>
+  <p:clrMapOvr>
+    <a:masterClrMapping/>
+  </p:clrMapOvr>
+</p:notes>
+</file>
+
+<file path=ppt/notesSlides/notesSlide6.xml><?xml version="1.0" encoding="utf-8"?>
+<p:notes xmlns:a="http://schemas.openxmlformats.org/drawingml/2006/main" xmlns:r="http://schemas.openxmlformats.org/officeDocument/2006/relationships" xmlns:p="http://schemas.openxmlformats.org/presentationml/2006/main">
+  <p:cSld>
+    <p:spTree>
+      <p:nvGrpSpPr>
+        <p:cNvPr id="1" name=""/>
+        <p:cNvGrpSpPr/>
+        <p:nvPr/>
+      </p:nvGrpSpPr>
+      <p:grpSpPr>
+        <a:xfrm>
+          <a:off x="0" y="0"/>
+          <a:ext cx="0" cy="0"/>
+          <a:chOff x="0" y="0"/>
+          <a:chExt cx="0" cy="0"/>
+        </a:xfrm>
+      </p:grpSpPr>
+      <p:sp>
+        <p:nvSpPr>
+          <p:cNvPr id="2" name="Slide Image Placeholder 1"/>
+          <p:cNvSpPr>
+            <a:spLocks noGrp="1" noRot="1" noChangeAspect="1"/>
+          </p:cNvSpPr>
+          <p:nvPr>
+            <p:ph type="sldImg"/>
+          </p:nvPr>
+        </p:nvSpPr>
+        <p:spPr/>
+      </p:sp>
+      <p:sp>
+        <p:nvSpPr>
+          <p:cNvPr id="3" name="Notes Placeholder 2"/>
+          <p:cNvSpPr>
+            <a:spLocks noGrp="1"/>
+          </p:cNvSpPr>
+          <p:nvPr>
+            <p:ph type="body" idx="1"/>
+          </p:nvPr>
+        </p:nvSpPr>
+        <p:spPr/>
+        <p:txBody>
+          <a:bodyPr/>
+          <a:lstStyle/>
+          <a:p>
+            <a:endParaRPr lang="en-US" dirty="0"/>
+          </a:p>
+        </p:txBody>
+      </p:sp>
+      <p:sp>
+        <p:nvSpPr>
+          <p:cNvPr id="4" name="Slide Number Placeholder 3"/>
+          <p:cNvSpPr>
+            <a:spLocks noGrp="1"/>
+          </p:cNvSpPr>
+          <p:nvPr>
+            <p:ph type="sldNum" sz="quarter" idx="5"/>
+          </p:nvPr>
+        </p:nvSpPr>
+        <p:spPr/>
+        <p:txBody>
+          <a:bodyPr/>
+          <a:lstStyle/>
+          <a:p>
+            <a:fld id="{7270EC1F-AE40-A54E-8C8A-D6A2A800CEF8}" type="slidenum">
+              <a:rPr lang="en-US" smtClean="0"/>
+              <a:t>9</a:t>
+            </a:fld>
+            <a:endParaRPr lang="en-US"/>
+          </a:p>
+        </p:txBody>
+      </p:sp>
+    </p:spTree>
+    <p:extLst>
+      <p:ext uri="{BB962C8B-B14F-4D97-AF65-F5344CB8AC3E}">
+        <p14:creationId xmlns:p14="http://schemas.microsoft.com/office/powerpoint/2010/main" val="1621239843"/>
+      </p:ext>
+    </p:extLst>
+  </p:cSld>
+  <p:clrMapOvr>
+    <a:masterClrMapping/>
+  </p:clrMapOvr>
+</p:notes>
+</file>
+
+<file path=ppt/notesSlides/notesSlide7.xml><?xml version="1.0" encoding="utf-8"?>
+<p:notes xmlns:a="http://schemas.openxmlformats.org/drawingml/2006/main" xmlns:r="http://schemas.openxmlformats.org/officeDocument/2006/relationships" xmlns:p="http://schemas.openxmlformats.org/presentationml/2006/main">
+  <p:cSld>
+    <p:spTree>
+      <p:nvGrpSpPr>
+        <p:cNvPr id="1" name=""/>
+        <p:cNvGrpSpPr/>
+        <p:nvPr/>
+      </p:nvGrpSpPr>
+      <p:grpSpPr>
+        <a:xfrm>
+          <a:off x="0" y="0"/>
+          <a:ext cx="0" cy="0"/>
+          <a:chOff x="0" y="0"/>
+          <a:chExt cx="0" cy="0"/>
+        </a:xfrm>
+      </p:grpSpPr>
+      <p:sp>
+        <p:nvSpPr>
+          <p:cNvPr id="2" name="Slide Image Placeholder 1"/>
+          <p:cNvSpPr>
+            <a:spLocks noGrp="1" noRot="1" noChangeAspect="1"/>
+          </p:cNvSpPr>
+          <p:nvPr>
+            <p:ph type="sldImg"/>
+          </p:nvPr>
+        </p:nvSpPr>
+        <p:spPr/>
+      </p:sp>
+      <p:sp>
+        <p:nvSpPr>
+          <p:cNvPr id="3" name="Notes Placeholder 2"/>
+          <p:cNvSpPr>
+            <a:spLocks noGrp="1"/>
+          </p:cNvSpPr>
+          <p:nvPr>
+            <p:ph type="body" idx="1"/>
+          </p:nvPr>
+        </p:nvSpPr>
+        <p:spPr/>
+        <p:txBody>
+          <a:bodyPr/>
+          <a:lstStyle/>
+          <a:p>
+            <a:endParaRPr lang="en-US" dirty="0"/>
+          </a:p>
+        </p:txBody>
+      </p:sp>
+      <p:sp>
+        <p:nvSpPr>
+          <p:cNvPr id="4" name="Slide Number Placeholder 3"/>
+          <p:cNvSpPr>
+            <a:spLocks noGrp="1"/>
+          </p:cNvSpPr>
+          <p:nvPr>
+            <p:ph type="sldNum" sz="quarter" idx="5"/>
+          </p:nvPr>
+        </p:nvSpPr>
+        <p:spPr/>
+        <p:txBody>
+          <a:bodyPr/>
+          <a:lstStyle/>
+          <a:p>
+            <a:fld id="{7270EC1F-AE40-A54E-8C8A-D6A2A800CEF8}" type="slidenum">
+              <a:rPr lang="en-US" smtClean="0"/>
+              <a:t>10</a:t>
+            </a:fld>
+            <a:endParaRPr lang="en-US"/>
+          </a:p>
+        </p:txBody>
+      </p:sp>
+    </p:spTree>
+    <p:extLst>
+      <p:ext uri="{BB962C8B-B14F-4D97-AF65-F5344CB8AC3E}">
+        <p14:creationId xmlns:p14="http://schemas.microsoft.com/office/powerpoint/2010/main" val="3806100071"/>
+      </p:ext>
+    </p:extLst>
+  </p:cSld>
+  <p:clrMapOvr>
+    <a:masterClrMapping/>
+  </p:clrMapOvr>
+</p:notes>
+</file>
+
+<file path=ppt/notesSlides/notesSlide8.xml><?xml version="1.0" encoding="utf-8"?>
+<p:notes xmlns:a="http://schemas.openxmlformats.org/drawingml/2006/main" xmlns:r="http://schemas.openxmlformats.org/officeDocument/2006/relationships" xmlns:p="http://schemas.openxmlformats.org/presentationml/2006/main">
+  <p:cSld>
+    <p:spTree>
+      <p:nvGrpSpPr>
+        <p:cNvPr id="1" name=""/>
+        <p:cNvGrpSpPr/>
+        <p:nvPr/>
+      </p:nvGrpSpPr>
+      <p:grpSpPr>
+        <a:xfrm>
+          <a:off x="0" y="0"/>
+          <a:ext cx="0" cy="0"/>
+          <a:chOff x="0" y="0"/>
+          <a:chExt cx="0" cy="0"/>
+        </a:xfrm>
+      </p:grpSpPr>
+      <p:sp>
+        <p:nvSpPr>
+          <p:cNvPr id="2" name="Slide Image Placeholder 1"/>
+          <p:cNvSpPr>
+            <a:spLocks noGrp="1" noRot="1" noChangeAspect="1"/>
+          </p:cNvSpPr>
+          <p:nvPr>
+            <p:ph type="sldImg"/>
+          </p:nvPr>
+        </p:nvSpPr>
+        <p:spPr/>
+      </p:sp>
+      <p:sp>
+        <p:nvSpPr>
+          <p:cNvPr id="3" name="Notes Placeholder 2"/>
+          <p:cNvSpPr>
+            <a:spLocks noGrp="1"/>
+          </p:cNvSpPr>
+          <p:nvPr>
+            <p:ph type="body" idx="1"/>
+          </p:nvPr>
+        </p:nvSpPr>
+        <p:spPr/>
+        <p:txBody>
+          <a:bodyPr/>
+          <a:lstStyle/>
+          <a:p>
+            <a:endParaRPr lang="en-US" dirty="0"/>
+          </a:p>
+        </p:txBody>
+      </p:sp>
+      <p:sp>
+        <p:nvSpPr>
+          <p:cNvPr id="4" name="Slide Number Placeholder 3"/>
+          <p:cNvSpPr>
+            <a:spLocks noGrp="1"/>
+          </p:cNvSpPr>
+          <p:nvPr>
+            <p:ph type="sldNum" sz="quarter" idx="5"/>
+          </p:nvPr>
+        </p:nvSpPr>
+        <p:spPr/>
+        <p:txBody>
+          <a:bodyPr/>
+          <a:lstStyle/>
+          <a:p>
+            <a:fld id="{7270EC1F-AE40-A54E-8C8A-D6A2A800CEF8}" type="slidenum">
+              <a:rPr lang="en-US" smtClean="0"/>
+              <a:t>11</a:t>
+            </a:fld>
+            <a:endParaRPr lang="en-US"/>
+          </a:p>
+        </p:txBody>
+      </p:sp>
+    </p:spTree>
+    <p:extLst>
+      <p:ext uri="{BB962C8B-B14F-4D97-AF65-F5344CB8AC3E}">
+        <p14:creationId xmlns:p14="http://schemas.microsoft.com/office/powerpoint/2010/main" val="146319840"/>
+      </p:ext>
+    </p:extLst>
+  </p:cSld>
+  <p:clrMapOvr>
+    <a:masterClrMapping/>
+  </p:clrMapOvr>
+</p:notes>
+</file>
+
+<file path=ppt/notesSlides/notesSlide9.xml><?xml version="1.0" encoding="utf-8"?>
+<p:notes xmlns:a="http://schemas.openxmlformats.org/drawingml/2006/main" xmlns:r="http://schemas.openxmlformats.org/officeDocument/2006/relationships" xmlns:p="http://schemas.openxmlformats.org/presentationml/2006/main">
+  <p:cSld>
+    <p:spTree>
+      <p:nvGrpSpPr>
+        <p:cNvPr id="1" name=""/>
+        <p:cNvGrpSpPr/>
+        <p:nvPr/>
+      </p:nvGrpSpPr>
+      <p:grpSpPr>
+        <a:xfrm>
+          <a:off x="0" y="0"/>
+          <a:ext cx="0" cy="0"/>
+          <a:chOff x="0" y="0"/>
+          <a:chExt cx="0" cy="0"/>
+        </a:xfrm>
+      </p:grpSpPr>
+      <p:sp>
+        <p:nvSpPr>
+          <p:cNvPr id="2" name="Slide Image Placeholder 1"/>
+          <p:cNvSpPr>
+            <a:spLocks noGrp="1" noRot="1" noChangeAspect="1"/>
+          </p:cNvSpPr>
+          <p:nvPr>
+            <p:ph type="sldImg"/>
+          </p:nvPr>
+        </p:nvSpPr>
+        <p:spPr/>
+      </p:sp>
+      <p:sp>
+        <p:nvSpPr>
+          <p:cNvPr id="3" name="Notes Placeholder 2"/>
+          <p:cNvSpPr>
+            <a:spLocks noGrp="1"/>
+          </p:cNvSpPr>
+          <p:nvPr>
+            <p:ph type="body" idx="1"/>
+          </p:nvPr>
+        </p:nvSpPr>
+        <p:spPr/>
+        <p:txBody>
+          <a:bodyPr/>
+          <a:lstStyle/>
+          <a:p>
+            <a:endParaRPr lang="en-US" dirty="0"/>
+          </a:p>
+        </p:txBody>
+      </p:sp>
+      <p:sp>
+        <p:nvSpPr>
+          <p:cNvPr id="4" name="Slide Number Placeholder 3"/>
+          <p:cNvSpPr>
+            <a:spLocks noGrp="1"/>
+          </p:cNvSpPr>
+          <p:nvPr>
+            <p:ph type="sldNum" sz="quarter" idx="5"/>
+          </p:nvPr>
+        </p:nvSpPr>
+        <p:spPr/>
+        <p:txBody>
+          <a:bodyPr/>
+          <a:lstStyle/>
+          <a:p>
+            <a:fld id="{7270EC1F-AE40-A54E-8C8A-D6A2A800CEF8}" type="slidenum">
+              <a:rPr lang="en-US" smtClean="0"/>
+              <a:t>12</a:t>
+            </a:fld>
+            <a:endParaRPr lang="en-US"/>
+          </a:p>
+        </p:txBody>
+      </p:sp>
+    </p:spTree>
+    <p:extLst>
+      <p:ext uri="{BB962C8B-B14F-4D97-AF65-F5344CB8AC3E}">
+        <p14:creationId xmlns:p14="http://schemas.microsoft.com/office/powerpoint/2010/main" val="736462008"/>
       </p:ext>
     </p:extLst>
   </p:cSld>
@@ -789,7 +1549,7 @@
           <a:p>
             <a:fld id="{408C7764-FFD6-CA49-A27D-008EEAE024F2}" type="datetimeFigureOut">
               <a:rPr lang="en-US" smtClean="0"/>
-              <a:t>7/26/21</a:t>
+              <a:t>7/27/21</a:t>
             </a:fld>
             <a:endParaRPr lang="en-US"/>
           </a:p>
@@ -987,7 +1747,7 @@
           <a:p>
             <a:fld id="{408C7764-FFD6-CA49-A27D-008EEAE024F2}" type="datetimeFigureOut">
               <a:rPr lang="en-US" smtClean="0"/>
-              <a:t>7/26/21</a:t>
+              <a:t>7/27/21</a:t>
             </a:fld>
             <a:endParaRPr lang="en-US"/>
           </a:p>
@@ -1195,7 +1955,7 @@
           <a:p>
             <a:fld id="{408C7764-FFD6-CA49-A27D-008EEAE024F2}" type="datetimeFigureOut">
               <a:rPr lang="en-US" smtClean="0"/>
-              <a:t>7/26/21</a:t>
+              <a:t>7/27/21</a:t>
             </a:fld>
             <a:endParaRPr lang="en-US"/>
           </a:p>
@@ -1393,7 +2153,7 @@
           <a:p>
             <a:fld id="{408C7764-FFD6-CA49-A27D-008EEAE024F2}" type="datetimeFigureOut">
               <a:rPr lang="en-US" smtClean="0"/>
-              <a:t>7/26/21</a:t>
+              <a:t>7/27/21</a:t>
             </a:fld>
             <a:endParaRPr lang="en-US"/>
           </a:p>
@@ -1668,7 +2428,7 @@
           <a:p>
             <a:fld id="{408C7764-FFD6-CA49-A27D-008EEAE024F2}" type="datetimeFigureOut">
               <a:rPr lang="en-US" smtClean="0"/>
-              <a:t>7/26/21</a:t>
+              <a:t>7/27/21</a:t>
             </a:fld>
             <a:endParaRPr lang="en-US"/>
           </a:p>
@@ -1933,7 +2693,7 @@
           <a:p>
             <a:fld id="{408C7764-FFD6-CA49-A27D-008EEAE024F2}" type="datetimeFigureOut">
               <a:rPr lang="en-US" smtClean="0"/>
-              <a:t>7/26/21</a:t>
+              <a:t>7/27/21</a:t>
             </a:fld>
             <a:endParaRPr lang="en-US"/>
           </a:p>
@@ -2345,7 +3105,7 @@
           <a:p>
             <a:fld id="{408C7764-FFD6-CA49-A27D-008EEAE024F2}" type="datetimeFigureOut">
               <a:rPr lang="en-US" smtClean="0"/>
-              <a:t>7/26/21</a:t>
+              <a:t>7/27/21</a:t>
             </a:fld>
             <a:endParaRPr lang="en-US"/>
           </a:p>
@@ -2486,7 +3246,7 @@
           <a:p>
             <a:fld id="{408C7764-FFD6-CA49-A27D-008EEAE024F2}" type="datetimeFigureOut">
               <a:rPr lang="en-US" smtClean="0"/>
-              <a:t>7/26/21</a:t>
+              <a:t>7/27/21</a:t>
             </a:fld>
             <a:endParaRPr lang="en-US"/>
           </a:p>
@@ -2599,7 +3359,7 @@
           <a:p>
             <a:fld id="{408C7764-FFD6-CA49-A27D-008EEAE024F2}" type="datetimeFigureOut">
               <a:rPr lang="en-US" smtClean="0"/>
-              <a:t>7/26/21</a:t>
+              <a:t>7/27/21</a:t>
             </a:fld>
             <a:endParaRPr lang="en-US"/>
           </a:p>
@@ -2910,7 +3670,7 @@
           <a:p>
             <a:fld id="{408C7764-FFD6-CA49-A27D-008EEAE024F2}" type="datetimeFigureOut">
               <a:rPr lang="en-US" smtClean="0"/>
-              <a:t>7/26/21</a:t>
+              <a:t>7/27/21</a:t>
             </a:fld>
             <a:endParaRPr lang="en-US"/>
           </a:p>
@@ -3198,7 +3958,7 @@
           <a:p>
             <a:fld id="{408C7764-FFD6-CA49-A27D-008EEAE024F2}" type="datetimeFigureOut">
               <a:rPr lang="en-US" smtClean="0"/>
-              <a:t>7/26/21</a:t>
+              <a:t>7/27/21</a:t>
             </a:fld>
             <a:endParaRPr lang="en-US"/>
           </a:p>
@@ -3439,7 +4199,7 @@
           <a:p>
             <a:fld id="{408C7764-FFD6-CA49-A27D-008EEAE024F2}" type="datetimeFigureOut">
               <a:rPr lang="en-US" smtClean="0"/>
-              <a:t>7/26/21</a:t>
+              <a:t>7/27/21</a:t>
             </a:fld>
             <a:endParaRPr lang="en-US"/>
           </a:p>
@@ -4005,6 +4765,461 @@
           <p:cNvPr id="2" name="Title 1">
             <a:extLst>
               <a:ext uri="{FF2B5EF4-FFF2-40B4-BE49-F238E27FC236}">
+                <a16:creationId xmlns:a16="http://schemas.microsoft.com/office/drawing/2014/main" id="{03571D6B-F590-0447-A415-ED7831F0625C}"/>
+              </a:ext>
+            </a:extLst>
+          </p:cNvPr>
+          <p:cNvSpPr>
+            <a:spLocks noGrp="1"/>
+          </p:cNvSpPr>
+          <p:nvPr>
+            <p:ph type="title"/>
+          </p:nvPr>
+        </p:nvSpPr>
+        <p:spPr/>
+        <p:txBody>
+          <a:bodyPr/>
+          <a:lstStyle/>
+          <a:p>
+            <a:r>
+              <a:rPr lang="en-US" dirty="0"/>
+              <a:t>Ridge Regression</a:t>
+            </a:r>
+          </a:p>
+        </p:txBody>
+      </p:sp>
+      <p:sp>
+        <p:nvSpPr>
+          <p:cNvPr id="3" name="Content Placeholder 2">
+            <a:extLst>
+              <a:ext uri="{FF2B5EF4-FFF2-40B4-BE49-F238E27FC236}">
+                <a16:creationId xmlns:a16="http://schemas.microsoft.com/office/drawing/2014/main" id="{CB2EB37B-243D-5148-9B8A-CF4F2ABB8DB9}"/>
+              </a:ext>
+            </a:extLst>
+          </p:cNvPr>
+          <p:cNvSpPr>
+            <a:spLocks noGrp="1"/>
+          </p:cNvSpPr>
+          <p:nvPr>
+            <p:ph idx="1"/>
+          </p:nvPr>
+        </p:nvSpPr>
+        <p:spPr>
+          <a:xfrm>
+            <a:off x="838200" y="1825625"/>
+            <a:ext cx="3516086" cy="4421063"/>
+          </a:xfrm>
+        </p:spPr>
+        <p:txBody>
+          <a:bodyPr>
+            <a:normAutofit fontScale="92500" lnSpcReduction="10000"/>
+          </a:bodyPr>
+          <a:lstStyle/>
+          <a:p>
+            <a:r>
+              <a:rPr lang="en-US" dirty="0"/>
+              <a:t>OLS with L2 normalization</a:t>
+            </a:r>
+          </a:p>
+          <a:p>
+            <a:endParaRPr lang="en-US" dirty="0"/>
+          </a:p>
+          <a:p>
+            <a:r>
+              <a:rPr lang="en-US" dirty="0"/>
+              <a:t>Overcomes issues with correlated inputs (collinearities)</a:t>
+            </a:r>
+          </a:p>
+          <a:p>
+            <a:endParaRPr lang="en-US" dirty="0"/>
+          </a:p>
+          <a:p>
+            <a:r>
+              <a:rPr lang="en-US" dirty="0"/>
+              <a:t>Ridge estimate is at the point where slope and regularization terms balance</a:t>
+            </a:r>
+          </a:p>
+        </p:txBody>
+      </p:sp>
+      <p:pic>
+        <p:nvPicPr>
+          <p:cNvPr id="7" name="Picture 6">
+            <a:extLst>
+              <a:ext uri="{FF2B5EF4-FFF2-40B4-BE49-F238E27FC236}">
+                <a16:creationId xmlns:a16="http://schemas.microsoft.com/office/drawing/2014/main" id="{AECB1315-95A9-F448-849A-13444A5B098A}"/>
+              </a:ext>
+            </a:extLst>
+          </p:cNvPr>
+          <p:cNvPicPr>
+            <a:picLocks noChangeAspect="1"/>
+          </p:cNvPicPr>
+          <p:nvPr/>
+        </p:nvPicPr>
+        <p:blipFill>
+          <a:blip r:embed="rId3"/>
+          <a:stretch>
+            <a:fillRect/>
+          </a:stretch>
+        </p:blipFill>
+        <p:spPr>
+          <a:xfrm>
+            <a:off x="3955127" y="611312"/>
+            <a:ext cx="7981571" cy="6511771"/>
+          </a:xfrm>
+          <a:prstGeom prst="rect">
+            <a:avLst/>
+          </a:prstGeom>
+        </p:spPr>
+      </p:pic>
+    </p:spTree>
+    <p:extLst>
+      <p:ext uri="{BB962C8B-B14F-4D97-AF65-F5344CB8AC3E}">
+        <p14:creationId xmlns:p14="http://schemas.microsoft.com/office/powerpoint/2010/main" val="1468358828"/>
+      </p:ext>
+    </p:extLst>
+  </p:cSld>
+  <p:clrMapOvr>
+    <a:masterClrMapping/>
+  </p:clrMapOvr>
+</p:sld>
+</file>
+
+<file path=ppt/slides/slide11.xml><?xml version="1.0" encoding="utf-8"?>
+<p:sld xmlns:a="http://schemas.openxmlformats.org/drawingml/2006/main" xmlns:r="http://schemas.openxmlformats.org/officeDocument/2006/relationships" xmlns:p="http://schemas.openxmlformats.org/presentationml/2006/main">
+  <p:cSld>
+    <p:spTree>
+      <p:nvGrpSpPr>
+        <p:cNvPr id="1" name=""/>
+        <p:cNvGrpSpPr/>
+        <p:nvPr/>
+      </p:nvGrpSpPr>
+      <p:grpSpPr>
+        <a:xfrm>
+          <a:off x="0" y="0"/>
+          <a:ext cx="0" cy="0"/>
+          <a:chOff x="0" y="0"/>
+          <a:chExt cx="0" cy="0"/>
+        </a:xfrm>
+      </p:grpSpPr>
+      <p:sp>
+        <p:nvSpPr>
+          <p:cNvPr id="2" name="Title 1">
+            <a:extLst>
+              <a:ext uri="{FF2B5EF4-FFF2-40B4-BE49-F238E27FC236}">
+                <a16:creationId xmlns:a16="http://schemas.microsoft.com/office/drawing/2014/main" id="{22991F42-367B-B948-AAED-2F0212B0F655}"/>
+              </a:ext>
+            </a:extLst>
+          </p:cNvPr>
+          <p:cNvSpPr>
+            <a:spLocks noGrp="1"/>
+          </p:cNvSpPr>
+          <p:nvPr>
+            <p:ph type="title"/>
+          </p:nvPr>
+        </p:nvSpPr>
+        <p:spPr/>
+        <p:txBody>
+          <a:bodyPr/>
+          <a:lstStyle/>
+          <a:p>
+            <a:r>
+              <a:rPr lang="en-US" dirty="0"/>
+              <a:t>LASSO</a:t>
+            </a:r>
+          </a:p>
+        </p:txBody>
+      </p:sp>
+      <p:sp>
+        <p:nvSpPr>
+          <p:cNvPr id="4" name="Content Placeholder 2">
+            <a:extLst>
+              <a:ext uri="{FF2B5EF4-FFF2-40B4-BE49-F238E27FC236}">
+                <a16:creationId xmlns:a16="http://schemas.microsoft.com/office/drawing/2014/main" id="{0D3998DF-3119-D345-BA00-18C933F03DFA}"/>
+              </a:ext>
+            </a:extLst>
+          </p:cNvPr>
+          <p:cNvSpPr txBox="1">
+            <a:spLocks/>
+          </p:cNvSpPr>
+          <p:nvPr/>
+        </p:nvSpPr>
+        <p:spPr>
+          <a:xfrm>
+            <a:off x="838200" y="1825625"/>
+            <a:ext cx="3281737" cy="4421063"/>
+          </a:xfrm>
+          <a:prstGeom prst="rect">
+            <a:avLst/>
+          </a:prstGeom>
+        </p:spPr>
+        <p:txBody>
+          <a:bodyPr vert="horz" lIns="91440" tIns="45720" rIns="91440" bIns="45720" rtlCol="0">
+            <a:normAutofit fontScale="85000" lnSpcReduction="20000"/>
+          </a:bodyPr>
+          <a:lstStyle>
+            <a:lvl1pPr marL="228600" indent="-228600" algn="l" defTabSz="914400" rtl="0" eaLnBrk="1" latinLnBrk="0" hangingPunct="1">
+              <a:lnSpc>
+                <a:spcPct val="90000"/>
+              </a:lnSpc>
+              <a:spcBef>
+                <a:spcPts val="1000"/>
+              </a:spcBef>
+              <a:buFont typeface="Arial" panose="020B0604020202020204" pitchFamily="34" charset="0"/>
+              <a:buChar char="•"/>
+              <a:defRPr sz="2800" kern="1200">
+                <a:solidFill>
+                  <a:schemeClr val="tx1"/>
+                </a:solidFill>
+                <a:latin typeface="+mn-lt"/>
+                <a:ea typeface="+mn-ea"/>
+                <a:cs typeface="+mn-cs"/>
+              </a:defRPr>
+            </a:lvl1pPr>
+            <a:lvl2pPr marL="685800" indent="-228600" algn="l" defTabSz="914400" rtl="0" eaLnBrk="1" latinLnBrk="0" hangingPunct="1">
+              <a:lnSpc>
+                <a:spcPct val="90000"/>
+              </a:lnSpc>
+              <a:spcBef>
+                <a:spcPts val="500"/>
+              </a:spcBef>
+              <a:buFont typeface="Arial" panose="020B0604020202020204" pitchFamily="34" charset="0"/>
+              <a:buChar char="•"/>
+              <a:defRPr sz="2400" kern="1200">
+                <a:solidFill>
+                  <a:schemeClr val="tx1"/>
+                </a:solidFill>
+                <a:latin typeface="+mn-lt"/>
+                <a:ea typeface="+mn-ea"/>
+                <a:cs typeface="+mn-cs"/>
+              </a:defRPr>
+            </a:lvl2pPr>
+            <a:lvl3pPr marL="1143000" indent="-228600" algn="l" defTabSz="914400" rtl="0" eaLnBrk="1" latinLnBrk="0" hangingPunct="1">
+              <a:lnSpc>
+                <a:spcPct val="90000"/>
+              </a:lnSpc>
+              <a:spcBef>
+                <a:spcPts val="500"/>
+              </a:spcBef>
+              <a:buFont typeface="Arial" panose="020B0604020202020204" pitchFamily="34" charset="0"/>
+              <a:buChar char="•"/>
+              <a:defRPr sz="2000" kern="1200">
+                <a:solidFill>
+                  <a:schemeClr val="tx1"/>
+                </a:solidFill>
+                <a:latin typeface="+mn-lt"/>
+                <a:ea typeface="+mn-ea"/>
+                <a:cs typeface="+mn-cs"/>
+              </a:defRPr>
+            </a:lvl3pPr>
+            <a:lvl4pPr marL="1600200" indent="-228600" algn="l" defTabSz="914400" rtl="0" eaLnBrk="1" latinLnBrk="0" hangingPunct="1">
+              <a:lnSpc>
+                <a:spcPct val="90000"/>
+              </a:lnSpc>
+              <a:spcBef>
+                <a:spcPts val="500"/>
+              </a:spcBef>
+              <a:buFont typeface="Arial" panose="020B0604020202020204" pitchFamily="34" charset="0"/>
+              <a:buChar char="•"/>
+              <a:defRPr sz="1800" kern="1200">
+                <a:solidFill>
+                  <a:schemeClr val="tx1"/>
+                </a:solidFill>
+                <a:latin typeface="+mn-lt"/>
+                <a:ea typeface="+mn-ea"/>
+                <a:cs typeface="+mn-cs"/>
+              </a:defRPr>
+            </a:lvl4pPr>
+            <a:lvl5pPr marL="2057400" indent="-228600" algn="l" defTabSz="914400" rtl="0" eaLnBrk="1" latinLnBrk="0" hangingPunct="1">
+              <a:lnSpc>
+                <a:spcPct val="90000"/>
+              </a:lnSpc>
+              <a:spcBef>
+                <a:spcPts val="500"/>
+              </a:spcBef>
+              <a:buFont typeface="Arial" panose="020B0604020202020204" pitchFamily="34" charset="0"/>
+              <a:buChar char="•"/>
+              <a:defRPr sz="1800" kern="1200">
+                <a:solidFill>
+                  <a:schemeClr val="tx1"/>
+                </a:solidFill>
+                <a:latin typeface="+mn-lt"/>
+                <a:ea typeface="+mn-ea"/>
+                <a:cs typeface="+mn-cs"/>
+              </a:defRPr>
+            </a:lvl5pPr>
+            <a:lvl6pPr marL="2514600" indent="-228600" algn="l" defTabSz="914400" rtl="0" eaLnBrk="1" latinLnBrk="0" hangingPunct="1">
+              <a:lnSpc>
+                <a:spcPct val="90000"/>
+              </a:lnSpc>
+              <a:spcBef>
+                <a:spcPts val="500"/>
+              </a:spcBef>
+              <a:buFont typeface="Arial" panose="020B0604020202020204" pitchFamily="34" charset="0"/>
+              <a:buChar char="•"/>
+              <a:defRPr sz="1800" kern="1200">
+                <a:solidFill>
+                  <a:schemeClr val="tx1"/>
+                </a:solidFill>
+                <a:latin typeface="+mn-lt"/>
+                <a:ea typeface="+mn-ea"/>
+                <a:cs typeface="+mn-cs"/>
+              </a:defRPr>
+            </a:lvl6pPr>
+            <a:lvl7pPr marL="2971800" indent="-228600" algn="l" defTabSz="914400" rtl="0" eaLnBrk="1" latinLnBrk="0" hangingPunct="1">
+              <a:lnSpc>
+                <a:spcPct val="90000"/>
+              </a:lnSpc>
+              <a:spcBef>
+                <a:spcPts val="500"/>
+              </a:spcBef>
+              <a:buFont typeface="Arial" panose="020B0604020202020204" pitchFamily="34" charset="0"/>
+              <a:buChar char="•"/>
+              <a:defRPr sz="1800" kern="1200">
+                <a:solidFill>
+                  <a:schemeClr val="tx1"/>
+                </a:solidFill>
+                <a:latin typeface="+mn-lt"/>
+                <a:ea typeface="+mn-ea"/>
+                <a:cs typeface="+mn-cs"/>
+              </a:defRPr>
+            </a:lvl7pPr>
+            <a:lvl8pPr marL="3429000" indent="-228600" algn="l" defTabSz="914400" rtl="0" eaLnBrk="1" latinLnBrk="0" hangingPunct="1">
+              <a:lnSpc>
+                <a:spcPct val="90000"/>
+              </a:lnSpc>
+              <a:spcBef>
+                <a:spcPts val="500"/>
+              </a:spcBef>
+              <a:buFont typeface="Arial" panose="020B0604020202020204" pitchFamily="34" charset="0"/>
+              <a:buChar char="•"/>
+              <a:defRPr sz="1800" kern="1200">
+                <a:solidFill>
+                  <a:schemeClr val="tx1"/>
+                </a:solidFill>
+                <a:latin typeface="+mn-lt"/>
+                <a:ea typeface="+mn-ea"/>
+                <a:cs typeface="+mn-cs"/>
+              </a:defRPr>
+            </a:lvl8pPr>
+            <a:lvl9pPr marL="3886200" indent="-228600" algn="l" defTabSz="914400" rtl="0" eaLnBrk="1" latinLnBrk="0" hangingPunct="1">
+              <a:lnSpc>
+                <a:spcPct val="90000"/>
+              </a:lnSpc>
+              <a:spcBef>
+                <a:spcPts val="500"/>
+              </a:spcBef>
+              <a:buFont typeface="Arial" panose="020B0604020202020204" pitchFamily="34" charset="0"/>
+              <a:buChar char="•"/>
+              <a:defRPr sz="1800" kern="1200">
+                <a:solidFill>
+                  <a:schemeClr val="tx1"/>
+                </a:solidFill>
+                <a:latin typeface="+mn-lt"/>
+                <a:ea typeface="+mn-ea"/>
+                <a:cs typeface="+mn-cs"/>
+              </a:defRPr>
+            </a:lvl9pPr>
+          </a:lstStyle>
+          <a:p>
+            <a:r>
+              <a:rPr lang="en-US" dirty="0"/>
+              <a:t>Least absolute shrinkage &amp; selection operator</a:t>
+            </a:r>
+          </a:p>
+          <a:p>
+            <a:endParaRPr lang="en-US" dirty="0"/>
+          </a:p>
+          <a:p>
+            <a:r>
+              <a:rPr lang="en-US" dirty="0"/>
+              <a:t>OLS with L1 normalization</a:t>
+            </a:r>
+          </a:p>
+          <a:p>
+            <a:endParaRPr lang="en-US" dirty="0"/>
+          </a:p>
+          <a:p>
+            <a:r>
+              <a:rPr lang="en-US" dirty="0"/>
+              <a:t>Tends to collapse coefficients to zero</a:t>
+            </a:r>
+          </a:p>
+          <a:p>
+            <a:endParaRPr lang="en-US" dirty="0"/>
+          </a:p>
+          <a:p>
+            <a:r>
+              <a:rPr lang="en-US" dirty="0"/>
+              <a:t>Will select one feature when predictors are correlated </a:t>
+            </a:r>
+          </a:p>
+        </p:txBody>
+      </p:sp>
+      <p:pic>
+        <p:nvPicPr>
+          <p:cNvPr id="8" name="Picture 7">
+            <a:extLst>
+              <a:ext uri="{FF2B5EF4-FFF2-40B4-BE49-F238E27FC236}">
+                <a16:creationId xmlns:a16="http://schemas.microsoft.com/office/drawing/2014/main" id="{E757A10E-9575-BB4B-843E-29BF32BD175B}"/>
+              </a:ext>
+            </a:extLst>
+          </p:cNvPr>
+          <p:cNvPicPr>
+            <a:picLocks noChangeAspect="1"/>
+          </p:cNvPicPr>
+          <p:nvPr/>
+        </p:nvPicPr>
+        <p:blipFill>
+          <a:blip r:embed="rId3"/>
+          <a:stretch>
+            <a:fillRect/>
+          </a:stretch>
+        </p:blipFill>
+        <p:spPr>
+          <a:xfrm>
+            <a:off x="4009860" y="0"/>
+            <a:ext cx="8405232" cy="6858000"/>
+          </a:xfrm>
+          <a:prstGeom prst="rect">
+            <a:avLst/>
+          </a:prstGeom>
+        </p:spPr>
+      </p:pic>
+    </p:spTree>
+    <p:extLst>
+      <p:ext uri="{BB962C8B-B14F-4D97-AF65-F5344CB8AC3E}">
+        <p14:creationId xmlns:p14="http://schemas.microsoft.com/office/powerpoint/2010/main" val="1834582708"/>
+      </p:ext>
+    </p:extLst>
+  </p:cSld>
+  <p:clrMapOvr>
+    <a:masterClrMapping/>
+  </p:clrMapOvr>
+</p:sld>
+</file>
+
+<file path=ppt/slides/slide12.xml><?xml version="1.0" encoding="utf-8"?>
+<p:sld xmlns:a="http://schemas.openxmlformats.org/drawingml/2006/main" xmlns:r="http://schemas.openxmlformats.org/officeDocument/2006/relationships" xmlns:p="http://schemas.openxmlformats.org/presentationml/2006/main">
+  <p:cSld>
+    <p:spTree>
+      <p:nvGrpSpPr>
+        <p:cNvPr id="1" name=""/>
+        <p:cNvGrpSpPr/>
+        <p:nvPr/>
+      </p:nvGrpSpPr>
+      <p:grpSpPr>
+        <a:xfrm>
+          <a:off x="0" y="0"/>
+          <a:ext cx="0" cy="0"/>
+          <a:chOff x="0" y="0"/>
+          <a:chExt cx="0" cy="0"/>
+        </a:xfrm>
+      </p:grpSpPr>
+      <p:sp>
+        <p:nvSpPr>
+          <p:cNvPr id="2" name="Title 1">
+            <a:extLst>
+              <a:ext uri="{FF2B5EF4-FFF2-40B4-BE49-F238E27FC236}">
                 <a16:creationId xmlns:a16="http://schemas.microsoft.com/office/drawing/2014/main" id="{6880CA63-72B4-D44E-B54F-1995F1E2D687}"/>
               </a:ext>
             </a:extLst>
@@ -4280,7 +5495,7 @@
           <p:nvPr/>
         </p:nvPicPr>
         <p:blipFill>
-          <a:blip r:embed="rId2"/>
+          <a:blip r:embed="rId3"/>
           <a:stretch>
             <a:fillRect/>
           </a:stretch>
@@ -4310,7 +5525,7 @@
           <p:nvPr/>
         </p:nvPicPr>
         <p:blipFill rotWithShape="1">
-          <a:blip r:embed="rId3">
+          <a:blip r:embed="rId4">
             <a:extLst>
               <a:ext uri="{28A0092B-C50C-407E-A947-70E740481C1C}">
                 <a14:useLocalDpi xmlns:a14="http://schemas.microsoft.com/office/drawing/2010/main" val="0"/>
@@ -4353,7 +5568,7 @@
 </p:sld>
 </file>
 
-<file path=ppt/slides/slide11.xml><?xml version="1.0" encoding="utf-8"?>
+<file path=ppt/slides/slide13.xml><?xml version="1.0" encoding="utf-8"?>
 <p:sld xmlns:a="http://schemas.openxmlformats.org/drawingml/2006/main" xmlns:r="http://schemas.openxmlformats.org/officeDocument/2006/relationships" xmlns:p="http://schemas.openxmlformats.org/presentationml/2006/main">
   <p:cSld>
     <p:spTree>
@@ -4694,8 +5909,8 @@
         </p:nvSpPr>
         <p:spPr>
           <a:xfrm>
-            <a:off x="4822371" y="2048079"/>
-            <a:ext cx="6955971" cy="2862322"/>
+            <a:off x="5459559" y="2212995"/>
+            <a:ext cx="6262388" cy="2308324"/>
           </a:xfrm>
           <a:prstGeom prst="rect">
             <a:avLst/>
@@ -4708,11 +5923,11 @@
           <a:lstStyle/>
           <a:p>
             <a:r>
-              <a:rPr lang="en-US" b="1" dirty="0" err="1"/>
+              <a:rPr lang="en-US" sz="2400" b="1" dirty="0" err="1"/>
               <a:t>sklearn.linear_model.ElasticNetCV</a:t>
             </a:r>
             <a:r>
-              <a:rPr lang="en-US" dirty="0">
+              <a:rPr lang="en-US" sz="2400" dirty="0">
                 <a:solidFill>
                   <a:srgbClr val="212529"/>
                 </a:solidFill>
@@ -4720,7 +5935,7 @@
               </a:rPr>
               <a:t>(</a:t>
             </a:r>
-            <a:endParaRPr lang="en-US" i="1" dirty="0">
+            <a:endParaRPr lang="en-US" sz="2400" i="1" dirty="0">
               <a:solidFill>
                 <a:srgbClr val="212529"/>
               </a:solidFill>
@@ -4729,7 +5944,7 @@
           </a:p>
           <a:p>
             <a:r>
-              <a:rPr lang="en-US" i="1" dirty="0">
+              <a:rPr lang="en-US" sz="2400" i="1" dirty="0">
                 <a:solidFill>
                   <a:srgbClr val="212529"/>
                 </a:solidFill>
@@ -4738,7 +5953,7 @@
               <a:t>l1_ratio= </a:t>
             </a:r>
             <a:r>
-              <a:rPr lang="en-US" b="1" i="1" dirty="0">
+              <a:rPr lang="en-US" sz="2400" b="1" i="1" dirty="0">
                 <a:solidFill>
                   <a:srgbClr val="212529"/>
                 </a:solidFill>
@@ -4747,7 +5962,7 @@
               <a:t>{number or list of ratios} </a:t>
             </a:r>
             <a:r>
-              <a:rPr lang="en-US" dirty="0">
+              <a:rPr lang="en-US" sz="2400" dirty="0">
                 <a:solidFill>
                   <a:srgbClr val="212529"/>
                 </a:solidFill>
@@ -4758,7 +5973,7 @@
           </a:p>
           <a:p>
             <a:r>
-              <a:rPr lang="en-US" i="1" dirty="0">
+              <a:rPr lang="en-US" sz="2400" i="1" dirty="0">
                 <a:solidFill>
                   <a:srgbClr val="212529"/>
                 </a:solidFill>
@@ -4767,7 +5982,7 @@
               <a:t>eps=</a:t>
             </a:r>
             <a:r>
-              <a:rPr lang="en-US" b="1" i="1" dirty="0">
+              <a:rPr lang="en-US" sz="2400" b="1" i="1" dirty="0">
                 <a:solidFill>
                   <a:srgbClr val="212529"/>
                 </a:solidFill>
@@ -4776,7 +5991,7 @@
               <a:t>{alpha step size}</a:t>
             </a:r>
             <a:r>
-              <a:rPr lang="en-US" dirty="0">
+              <a:rPr lang="en-US" sz="2400" dirty="0">
                 <a:solidFill>
                   <a:srgbClr val="212529"/>
                 </a:solidFill>
@@ -4787,7 +6002,7 @@
           </a:p>
           <a:p>
             <a:r>
-              <a:rPr lang="en-US" i="1" dirty="0" err="1">
+              <a:rPr lang="en-US" sz="2400" i="1" dirty="0" err="1">
                 <a:solidFill>
                   <a:srgbClr val="212529"/>
                 </a:solidFill>
@@ -4796,7 +6011,7 @@
               <a:t>n_alphas</a:t>
             </a:r>
             <a:r>
-              <a:rPr lang="en-US" b="1" i="1" dirty="0">
+              <a:rPr lang="en-US" sz="2400" b="1" i="1" dirty="0">
                 <a:solidFill>
                   <a:srgbClr val="212529"/>
                 </a:solidFill>
@@ -4805,7 +6020,7 @@
               <a:t>={number of alphas for each L1 ratio}</a:t>
             </a:r>
             <a:r>
-              <a:rPr lang="en-US" b="1" dirty="0">
+              <a:rPr lang="en-US" sz="2400" b="1" dirty="0">
                 <a:solidFill>
                   <a:srgbClr val="212529"/>
                 </a:solidFill>
@@ -4814,7 +6029,7 @@
               <a:t>,</a:t>
             </a:r>
             <a:r>
-              <a:rPr lang="en-US" dirty="0">
+              <a:rPr lang="en-US" sz="2400" dirty="0">
                 <a:solidFill>
                   <a:srgbClr val="212529"/>
                 </a:solidFill>
@@ -4825,76 +6040,7 @@
           </a:p>
           <a:p>
             <a:r>
-              <a:rPr lang="en-US" i="1" dirty="0">
-                <a:solidFill>
-                  <a:srgbClr val="212529"/>
-                </a:solidFill>
-                <a:latin typeface="-apple-system"/>
-              </a:rPr>
-              <a:t>alphas=None</a:t>
-            </a:r>
-            <a:r>
-              <a:rPr lang="en-US" dirty="0">
-                <a:solidFill>
-                  <a:srgbClr val="212529"/>
-                </a:solidFill>
-                <a:latin typeface="-apple-system"/>
-              </a:rPr>
-              <a:t>, </a:t>
-            </a:r>
-          </a:p>
-          <a:p>
-            <a:r>
-              <a:rPr lang="en-US" i="1" dirty="0" err="1">
-                <a:solidFill>
-                  <a:srgbClr val="212529"/>
-                </a:solidFill>
-                <a:latin typeface="-apple-system"/>
-              </a:rPr>
-              <a:t>fit_intercept</a:t>
-            </a:r>
-            <a:r>
-              <a:rPr lang="en-US" i="1" dirty="0">
-                <a:solidFill>
-                  <a:srgbClr val="212529"/>
-                </a:solidFill>
-                <a:latin typeface="-apple-system"/>
-              </a:rPr>
-              <a:t>=True</a:t>
-            </a:r>
-            <a:r>
-              <a:rPr lang="en-US" dirty="0">
-                <a:solidFill>
-                  <a:srgbClr val="212529"/>
-                </a:solidFill>
-                <a:latin typeface="-apple-system"/>
-              </a:rPr>
-              <a:t>, </a:t>
-            </a:r>
-          </a:p>
-          <a:p>
-            <a:r>
-              <a:rPr lang="en-US" i="1" dirty="0">
-                <a:solidFill>
-                  <a:srgbClr val="212529"/>
-                </a:solidFill>
-                <a:latin typeface="-apple-system"/>
-              </a:rPr>
-              <a:t>normalize=False</a:t>
-            </a:r>
-            <a:r>
-              <a:rPr lang="en-US" dirty="0">
-                <a:solidFill>
-                  <a:srgbClr val="212529"/>
-                </a:solidFill>
-                <a:latin typeface="-apple-system"/>
-              </a:rPr>
-              <a:t>,</a:t>
-            </a:r>
-          </a:p>
-          <a:p>
-            <a:r>
-              <a:rPr lang="en-US" dirty="0">
+              <a:rPr lang="en-US" sz="2400" dirty="0">
                 <a:solidFill>
                   <a:srgbClr val="212529"/>
                 </a:solidFill>
@@ -4903,7 +6049,7 @@
               <a:t>cv= </a:t>
             </a:r>
             <a:r>
-              <a:rPr lang="en-US" b="1" dirty="0">
+              <a:rPr lang="en-US" sz="2400" b="1" dirty="0">
                 <a:solidFill>
                   <a:srgbClr val="212529"/>
                 </a:solidFill>
@@ -4914,36 +6060,7 @@
           </a:p>
           <a:p>
             <a:r>
-              <a:rPr lang="en-US" i="1" dirty="0" err="1">
-                <a:solidFill>
-                  <a:srgbClr val="212529"/>
-                </a:solidFill>
-                <a:latin typeface="-apple-system"/>
-              </a:rPr>
-              <a:t>random_state</a:t>
-            </a:r>
-            <a:r>
-              <a:rPr lang="en-US" i="1" dirty="0">
-                <a:solidFill>
-                  <a:srgbClr val="212529"/>
-                </a:solidFill>
-                <a:latin typeface="-apple-system"/>
-              </a:rPr>
-              <a:t>=None</a:t>
-            </a:r>
-            <a:r>
-              <a:rPr lang="en-US" dirty="0">
-                <a:solidFill>
-                  <a:srgbClr val="212529"/>
-                </a:solidFill>
-                <a:latin typeface="-apple-system"/>
-              </a:rPr>
-              <a:t>, </a:t>
-            </a:r>
-          </a:p>
-          <a:p>
-            <a:r>
-              <a:rPr lang="en-US" i="1" dirty="0">
+              <a:rPr lang="en-US" sz="2400" i="1" dirty="0">
                 <a:solidFill>
                   <a:srgbClr val="212529"/>
                 </a:solidFill>
@@ -4952,7 +6069,7 @@
               <a:t>selection</a:t>
             </a:r>
             <a:r>
-              <a:rPr lang="en-US" b="1" i="1" dirty="0">
+              <a:rPr lang="en-US" sz="2400" b="1" i="1" dirty="0">
                 <a:solidFill>
                   <a:srgbClr val="212529"/>
                 </a:solidFill>
@@ -4960,7 +6077,7 @@
               </a:rPr>
               <a:t>={‘cyclic’ or ‘random’}</a:t>
             </a:r>
-            <a:endParaRPr lang="en-US" b="1" dirty="0"/>
+            <a:endParaRPr lang="en-US" sz="2400" b="1" dirty="0"/>
           </a:p>
         </p:txBody>
       </p:sp>
@@ -4977,1756 +6094,7 @@
 </p:sld>
 </file>
 
-<file path=ppt/slides/slide2.xml><?xml version="1.0" encoding="utf-8"?>
-<p:sld xmlns:a="http://schemas.openxmlformats.org/drawingml/2006/main" xmlns:r="http://schemas.openxmlformats.org/officeDocument/2006/relationships" xmlns:p="http://schemas.openxmlformats.org/presentationml/2006/main">
-  <p:cSld>
-    <p:bg>
-      <p:bgPr>
-        <a:solidFill>
-          <a:schemeClr val="bg1"/>
-        </a:solidFill>
-        <a:effectLst/>
-      </p:bgPr>
-    </p:bg>
-    <p:spTree>
-      <p:nvGrpSpPr>
-        <p:cNvPr id="1" name=""/>
-        <p:cNvGrpSpPr/>
-        <p:nvPr/>
-      </p:nvGrpSpPr>
-      <p:grpSpPr>
-        <a:xfrm>
-          <a:off x="0" y="0"/>
-          <a:ext cx="0" cy="0"/>
-          <a:chOff x="0" y="0"/>
-          <a:chExt cx="0" cy="0"/>
-        </a:xfrm>
-      </p:grpSpPr>
-      <p:sp useBgFill="1">
-        <p:nvSpPr>
-          <p:cNvPr id="8" name="Rectangle 7">
-            <a:extLst>
-              <a:ext uri="{FF2B5EF4-FFF2-40B4-BE49-F238E27FC236}">
-                <a16:creationId xmlns:a16="http://schemas.microsoft.com/office/drawing/2014/main" id="{09588DA8-065E-4F6F-8EFD-43104AB2E0CF}"/>
-              </a:ext>
-              <a:ext uri="{C183D7F6-B498-43B3-948B-1728B52AA6E4}">
-                <adec:decorative xmlns:adec="http://schemas.microsoft.com/office/drawing/2017/decorative" val="1"/>
-              </a:ext>
-            </a:extLst>
-          </p:cNvPr>
-          <p:cNvSpPr>
-            <a:spLocks noGrp="1" noRot="1" noChangeAspect="1" noMove="1" noResize="1" noEditPoints="1" noAdjustHandles="1" noChangeArrowheads="1" noChangeShapeType="1" noTextEdit="1"/>
-          </p:cNvSpPr>
-          <p:nvPr>
-            <p:extLst>
-              <p:ext uri="{386F3935-93C4-4BCD-93E2-E3B085C9AB24}">
-                <p16:designElem xmlns:p16="http://schemas.microsoft.com/office/powerpoint/2015/main" val="1"/>
-              </p:ext>
-            </p:extLst>
-          </p:nvPr>
-        </p:nvSpPr>
-        <p:spPr>
-          <a:xfrm>
-            <a:off x="0" y="0"/>
-            <a:ext cx="12192000" cy="6858000"/>
-          </a:xfrm>
-          <a:prstGeom prst="rect">
-            <a:avLst/>
-          </a:prstGeom>
-          <a:ln w="12700" cap="flat" cmpd="sng" algn="ctr">
-            <a:noFill/>
-            <a:prstDash val="solid"/>
-            <a:miter lim="800000"/>
-          </a:ln>
-          <a:effectLst/>
-          <a:extLst>
-            <a:ext uri="{91240B29-F687-4F45-9708-019B960494DF}">
-              <a14:hiddenLine xmlns:a14="http://schemas.microsoft.com/office/drawing/2010/main" w="12700" cap="flat" cmpd="sng" algn="ctr">
-                <a:solidFill>
-                  <a:schemeClr val="accent1">
-                    <a:shade val="50000"/>
-                  </a:schemeClr>
-                </a:solidFill>
-                <a:prstDash val="solid"/>
-                <a:miter lim="800000"/>
-              </a14:hiddenLine>
-            </a:ext>
-          </a:extLst>
-        </p:spPr>
-        <p:style>
-          <a:lnRef idx="2">
-            <a:schemeClr val="accent1">
-              <a:shade val="50000"/>
-            </a:schemeClr>
-          </a:lnRef>
-          <a:fillRef idx="1">
-            <a:schemeClr val="accent1"/>
-          </a:fillRef>
-          <a:effectRef idx="0">
-            <a:schemeClr val="accent1"/>
-          </a:effectRef>
-          <a:fontRef idx="minor">
-            <a:schemeClr val="lt1"/>
-          </a:fontRef>
-        </p:style>
-        <p:txBody>
-          <a:bodyPr rtlCol="0" anchor="ctr"/>
-          <a:lstStyle/>
-          <a:p>
-            <a:pPr algn="ctr"/>
-            <a:endParaRPr lang="en-US"/>
-          </a:p>
-        </p:txBody>
-      </p:sp>
-      <p:sp useBgFill="1">
-        <p:nvSpPr>
-          <p:cNvPr id="10" name="Rectangle 9">
-            <a:extLst>
-              <a:ext uri="{FF2B5EF4-FFF2-40B4-BE49-F238E27FC236}">
-                <a16:creationId xmlns:a16="http://schemas.microsoft.com/office/drawing/2014/main" id="{C4285719-470E-454C-AF62-8323075F1F5B}"/>
-              </a:ext>
-              <a:ext uri="{C183D7F6-B498-43B3-948B-1728B52AA6E4}">
-                <adec:decorative xmlns:adec="http://schemas.microsoft.com/office/drawing/2017/decorative" val="1"/>
-              </a:ext>
-            </a:extLst>
-          </p:cNvPr>
-          <p:cNvSpPr>
-            <a:spLocks noGrp="1" noRot="1" noChangeAspect="1" noMove="1" noResize="1" noEditPoints="1" noAdjustHandles="1" noChangeArrowheads="1" noChangeShapeType="1" noTextEdit="1"/>
-          </p:cNvSpPr>
-          <p:nvPr>
-            <p:extLst>
-              <p:ext uri="{386F3935-93C4-4BCD-93E2-E3B085C9AB24}">
-                <p16:designElem xmlns:p16="http://schemas.microsoft.com/office/powerpoint/2015/main" val="1"/>
-              </p:ext>
-            </p:extLst>
-          </p:nvPr>
-        </p:nvSpPr>
-        <p:spPr>
-          <a:xfrm>
-            <a:off x="0" y="0"/>
-            <a:ext cx="12188952" cy="6858000"/>
-          </a:xfrm>
-          <a:prstGeom prst="rect">
-            <a:avLst/>
-          </a:prstGeom>
-          <a:ln w="12700" cap="flat" cmpd="sng" algn="ctr">
-            <a:noFill/>
-            <a:prstDash val="solid"/>
-            <a:miter lim="800000"/>
-          </a:ln>
-          <a:effectLst/>
-          <a:extLst>
-            <a:ext uri="{91240B29-F687-4F45-9708-019B960494DF}">
-              <a14:hiddenLine xmlns:a14="http://schemas.microsoft.com/office/drawing/2010/main" w="12700" cap="flat" cmpd="sng" algn="ctr">
-                <a:solidFill>
-                  <a:schemeClr val="accent1">
-                    <a:shade val="50000"/>
-                  </a:schemeClr>
-                </a:solidFill>
-                <a:prstDash val="solid"/>
-                <a:miter lim="800000"/>
-              </a14:hiddenLine>
-            </a:ext>
-          </a:extLst>
-        </p:spPr>
-        <p:style>
-          <a:lnRef idx="2">
-            <a:schemeClr val="accent1">
-              <a:shade val="50000"/>
-            </a:schemeClr>
-          </a:lnRef>
-          <a:fillRef idx="1">
-            <a:schemeClr val="accent1"/>
-          </a:fillRef>
-          <a:effectRef idx="0">
-            <a:schemeClr val="accent1"/>
-          </a:effectRef>
-          <a:fontRef idx="minor">
-            <a:schemeClr val="lt1"/>
-          </a:fontRef>
-        </p:style>
-        <p:txBody>
-          <a:bodyPr rtlCol="0" anchor="ctr"/>
-          <a:lstStyle/>
-          <a:p>
-            <a:pPr algn="ctr"/>
-            <a:endParaRPr lang="en-US"/>
-          </a:p>
-        </p:txBody>
-      </p:sp>
-      <p:sp>
-        <p:nvSpPr>
-          <p:cNvPr id="12" name="Rectangle 11">
-            <a:extLst>
-              <a:ext uri="{FF2B5EF4-FFF2-40B4-BE49-F238E27FC236}">
-                <a16:creationId xmlns:a16="http://schemas.microsoft.com/office/drawing/2014/main" id="{CD9FE4EF-C4D8-49A0-B2FF-81D8DB7D8A24}"/>
-              </a:ext>
-              <a:ext uri="{C183D7F6-B498-43B3-948B-1728B52AA6E4}">
-                <adec:decorative xmlns:adec="http://schemas.microsoft.com/office/drawing/2017/decorative" val="1"/>
-              </a:ext>
-            </a:extLst>
-          </p:cNvPr>
-          <p:cNvSpPr>
-            <a:spLocks noGrp="1" noRot="1" noChangeAspect="1" noMove="1" noResize="1" noEditPoints="1" noAdjustHandles="1" noChangeArrowheads="1" noChangeShapeType="1" noTextEdit="1"/>
-          </p:cNvSpPr>
-          <p:nvPr>
-            <p:extLst>
-              <p:ext uri="{386F3935-93C4-4BCD-93E2-E3B085C9AB24}">
-                <p16:designElem xmlns:p16="http://schemas.microsoft.com/office/powerpoint/2015/main" val="1"/>
-              </p:ext>
-            </p:extLst>
-          </p:nvPr>
-        </p:nvSpPr>
-        <p:spPr>
-          <a:xfrm rot="5400000" flipH="1">
-            <a:off x="-1410084" y="1410082"/>
-            <a:ext cx="6858000" cy="4037836"/>
-          </a:xfrm>
-          <a:prstGeom prst="rect">
-            <a:avLst/>
-          </a:prstGeom>
-          <a:gradFill>
-            <a:gsLst>
-              <a:gs pos="8000">
-                <a:srgbClr val="000000"/>
-              </a:gs>
-              <a:gs pos="100000">
-                <a:schemeClr val="accent1">
-                  <a:lumMod val="75000"/>
-                </a:schemeClr>
-              </a:gs>
-            </a:gsLst>
-            <a:lin ang="3000000" scaled="0"/>
-          </a:gradFill>
-          <a:ln>
-            <a:noFill/>
-          </a:ln>
-        </p:spPr>
-        <p:style>
-          <a:lnRef idx="2">
-            <a:schemeClr val="accent1">
-              <a:shade val="50000"/>
-            </a:schemeClr>
-          </a:lnRef>
-          <a:fillRef idx="1">
-            <a:schemeClr val="accent1"/>
-          </a:fillRef>
-          <a:effectRef idx="0">
-            <a:schemeClr val="accent1"/>
-          </a:effectRef>
-          <a:fontRef idx="minor">
-            <a:schemeClr val="lt1"/>
-          </a:fontRef>
-        </p:style>
-        <p:txBody>
-          <a:bodyPr rtlCol="0" anchor="ctr"/>
-          <a:lstStyle/>
-          <a:p>
-            <a:pPr algn="ctr"/>
-            <a:endParaRPr lang="en-US"/>
-          </a:p>
-        </p:txBody>
-      </p:sp>
-      <p:sp>
-        <p:nvSpPr>
-          <p:cNvPr id="14" name="Rectangle 13">
-            <a:extLst>
-              <a:ext uri="{FF2B5EF4-FFF2-40B4-BE49-F238E27FC236}">
-                <a16:creationId xmlns:a16="http://schemas.microsoft.com/office/drawing/2014/main" id="{4300840D-0A0B-4512-BACA-B439D5B9C57C}"/>
-              </a:ext>
-              <a:ext uri="{C183D7F6-B498-43B3-948B-1728B52AA6E4}">
-                <adec:decorative xmlns:adec="http://schemas.microsoft.com/office/drawing/2017/decorative" val="1"/>
-              </a:ext>
-            </a:extLst>
-          </p:cNvPr>
-          <p:cNvSpPr>
-            <a:spLocks noGrp="1" noRot="1" noChangeAspect="1" noMove="1" noResize="1" noEditPoints="1" noAdjustHandles="1" noChangeArrowheads="1" noChangeShapeType="1" noTextEdit="1"/>
-          </p:cNvSpPr>
-          <p:nvPr>
-            <p:extLst>
-              <p:ext uri="{386F3935-93C4-4BCD-93E2-E3B085C9AB24}">
-                <p16:designElem xmlns:p16="http://schemas.microsoft.com/office/powerpoint/2015/main" val="1"/>
-              </p:ext>
-            </p:extLst>
-          </p:nvPr>
-        </p:nvSpPr>
-        <p:spPr>
-          <a:xfrm rot="5400000" flipH="1">
-            <a:off x="-1410085" y="1420219"/>
-            <a:ext cx="6857999" cy="4037839"/>
-          </a:xfrm>
-          <a:prstGeom prst="rect">
-            <a:avLst/>
-          </a:prstGeom>
-          <a:gradFill>
-            <a:gsLst>
-              <a:gs pos="0">
-                <a:srgbClr val="000000">
-                  <a:alpha val="0"/>
-                </a:srgbClr>
-              </a:gs>
-              <a:gs pos="99000">
-                <a:schemeClr val="accent1">
-                  <a:alpha val="46000"/>
-                </a:schemeClr>
-              </a:gs>
-            </a:gsLst>
-            <a:lin ang="1800000" scaled="0"/>
-          </a:gradFill>
-          <a:ln>
-            <a:noFill/>
-          </a:ln>
-        </p:spPr>
-        <p:style>
-          <a:lnRef idx="2">
-            <a:schemeClr val="accent1">
-              <a:shade val="50000"/>
-            </a:schemeClr>
-          </a:lnRef>
-          <a:fillRef idx="1">
-            <a:schemeClr val="accent1"/>
-          </a:fillRef>
-          <a:effectRef idx="0">
-            <a:schemeClr val="accent1"/>
-          </a:effectRef>
-          <a:fontRef idx="minor">
-            <a:schemeClr val="lt1"/>
-          </a:fontRef>
-        </p:style>
-        <p:txBody>
-          <a:bodyPr rtlCol="0" anchor="ctr"/>
-          <a:lstStyle/>
-          <a:p>
-            <a:pPr algn="ctr"/>
-            <a:endParaRPr lang="en-US"/>
-          </a:p>
-        </p:txBody>
-      </p:sp>
-      <p:sp>
-        <p:nvSpPr>
-          <p:cNvPr id="16" name="Rectangle 15">
-            <a:extLst>
-              <a:ext uri="{FF2B5EF4-FFF2-40B4-BE49-F238E27FC236}">
-                <a16:creationId xmlns:a16="http://schemas.microsoft.com/office/drawing/2014/main" id="{D2B78728-A580-49A7-84F9-6EF6F583ADE0}"/>
-              </a:ext>
-              <a:ext uri="{C183D7F6-B498-43B3-948B-1728B52AA6E4}">
-                <adec:decorative xmlns:adec="http://schemas.microsoft.com/office/drawing/2017/decorative" val="1"/>
-              </a:ext>
-            </a:extLst>
-          </p:cNvPr>
-          <p:cNvSpPr>
-            <a:spLocks noGrp="1" noRot="1" noChangeAspect="1" noMove="1" noResize="1" noEditPoints="1" noAdjustHandles="1" noChangeArrowheads="1" noChangeShapeType="1" noTextEdit="1"/>
-          </p:cNvSpPr>
-          <p:nvPr>
-            <p:extLst>
-              <p:ext uri="{386F3935-93C4-4BCD-93E2-E3B085C9AB24}">
-                <p16:designElem xmlns:p16="http://schemas.microsoft.com/office/powerpoint/2015/main" val="1"/>
-              </p:ext>
-            </p:extLst>
-          </p:nvPr>
-        </p:nvSpPr>
-        <p:spPr>
-          <a:xfrm rot="5400000" flipH="1">
-            <a:off x="767923" y="3588085"/>
-            <a:ext cx="2501979" cy="4037841"/>
-          </a:xfrm>
-          <a:prstGeom prst="rect">
-            <a:avLst/>
-          </a:prstGeom>
-          <a:gradFill>
-            <a:gsLst>
-              <a:gs pos="2000">
-                <a:schemeClr val="accent1">
-                  <a:alpha val="29000"/>
-                </a:schemeClr>
-              </a:gs>
-              <a:gs pos="100000">
-                <a:srgbClr val="000000">
-                  <a:alpha val="30000"/>
-                </a:srgbClr>
-              </a:gs>
-            </a:gsLst>
-            <a:lin ang="7800000" scaled="0"/>
-          </a:gradFill>
-          <a:ln>
-            <a:noFill/>
-          </a:ln>
-        </p:spPr>
-        <p:style>
-          <a:lnRef idx="2">
-            <a:schemeClr val="accent1">
-              <a:shade val="50000"/>
-            </a:schemeClr>
-          </a:lnRef>
-          <a:fillRef idx="1">
-            <a:schemeClr val="accent1"/>
-          </a:fillRef>
-          <a:effectRef idx="0">
-            <a:schemeClr val="accent1"/>
-          </a:effectRef>
-          <a:fontRef idx="minor">
-            <a:schemeClr val="lt1"/>
-          </a:fontRef>
-        </p:style>
-        <p:txBody>
-          <a:bodyPr rtlCol="0" anchor="ctr"/>
-          <a:lstStyle/>
-          <a:p>
-            <a:pPr algn="ctr"/>
-            <a:endParaRPr lang="en-US" dirty="0"/>
-          </a:p>
-        </p:txBody>
-      </p:sp>
-      <p:sp>
-        <p:nvSpPr>
-          <p:cNvPr id="18" name="Freeform: Shape 17">
-            <a:extLst>
-              <a:ext uri="{FF2B5EF4-FFF2-40B4-BE49-F238E27FC236}">
-                <a16:creationId xmlns:a16="http://schemas.microsoft.com/office/drawing/2014/main" id="{38FAA1A1-D861-433F-88FA-1E9D6FD31D11}"/>
-              </a:ext>
-              <a:ext uri="{C183D7F6-B498-43B3-948B-1728B52AA6E4}">
-                <adec:decorative xmlns:adec="http://schemas.microsoft.com/office/drawing/2017/decorative" val="1"/>
-              </a:ext>
-            </a:extLst>
-          </p:cNvPr>
-          <p:cNvSpPr>
-            <a:spLocks noGrp="1" noRot="1" noChangeAspect="1" noMove="1" noResize="1" noEditPoints="1" noAdjustHandles="1" noChangeArrowheads="1" noChangeShapeType="1" noTextEdit="1"/>
-          </p:cNvSpPr>
-          <p:nvPr>
-            <p:extLst>
-              <p:ext uri="{386F3935-93C4-4BCD-93E2-E3B085C9AB24}">
-                <p16:designElem xmlns:p16="http://schemas.microsoft.com/office/powerpoint/2015/main" val="1"/>
-              </p:ext>
-            </p:extLst>
-          </p:nvPr>
-        </p:nvSpPr>
-        <p:spPr>
-          <a:xfrm rot="20635413">
-            <a:off x="-501737" y="969718"/>
-            <a:ext cx="3900357" cy="4178958"/>
-          </a:xfrm>
-          <a:custGeom>
-            <a:avLst/>
-            <a:gdLst>
-              <a:gd name="connsiteX0" fmla="*/ 2432225 w 3900357"/>
-              <a:gd name="connsiteY0" fmla="*/ 93939 h 4178958"/>
-              <a:gd name="connsiteX1" fmla="*/ 3900357 w 3900357"/>
-              <a:gd name="connsiteY1" fmla="*/ 2089479 h 4178958"/>
-              <a:gd name="connsiteX2" fmla="*/ 1810878 w 3900357"/>
-              <a:gd name="connsiteY2" fmla="*/ 4178958 h 4178958"/>
-              <a:gd name="connsiteX3" fmla="*/ 78249 w 3900357"/>
-              <a:gd name="connsiteY3" fmla="*/ 3257727 h 4178958"/>
-              <a:gd name="connsiteX4" fmla="*/ 0 w 3900357"/>
-              <a:gd name="connsiteY4" fmla="*/ 3128923 h 4178958"/>
-              <a:gd name="connsiteX5" fmla="*/ 831324 w 3900357"/>
-              <a:gd name="connsiteY5" fmla="*/ 244281 h 4178958"/>
-              <a:gd name="connsiteX6" fmla="*/ 997559 w 3900357"/>
-              <a:gd name="connsiteY6" fmla="*/ 164202 h 4178958"/>
-              <a:gd name="connsiteX7" fmla="*/ 1810878 w 3900357"/>
-              <a:gd name="connsiteY7" fmla="*/ 0 h 4178958"/>
-              <a:gd name="connsiteX8" fmla="*/ 2432225 w 3900357"/>
-              <a:gd name="connsiteY8" fmla="*/ 93939 h 4178958"/>
-            </a:gdLst>
-            <a:ahLst/>
-            <a:cxnLst>
-              <a:cxn ang="0">
-                <a:pos x="connsiteX0" y="connsiteY0"/>
-              </a:cxn>
-              <a:cxn ang="0">
-                <a:pos x="connsiteX1" y="connsiteY1"/>
-              </a:cxn>
-              <a:cxn ang="0">
-                <a:pos x="connsiteX2" y="connsiteY2"/>
-              </a:cxn>
-              <a:cxn ang="0">
-                <a:pos x="connsiteX3" y="connsiteY3"/>
-              </a:cxn>
-              <a:cxn ang="0">
-                <a:pos x="connsiteX4" y="connsiteY4"/>
-              </a:cxn>
-              <a:cxn ang="0">
-                <a:pos x="connsiteX5" y="connsiteY5"/>
-              </a:cxn>
-              <a:cxn ang="0">
-                <a:pos x="connsiteX6" y="connsiteY6"/>
-              </a:cxn>
-              <a:cxn ang="0">
-                <a:pos x="connsiteX7" y="connsiteY7"/>
-              </a:cxn>
-              <a:cxn ang="0">
-                <a:pos x="connsiteX8" y="connsiteY8"/>
-              </a:cxn>
-            </a:cxnLst>
-            <a:rect l="l" t="t" r="r" b="b"/>
-            <a:pathLst>
-              <a:path w="3900357" h="4178958">
-                <a:moveTo>
-                  <a:pt x="2432225" y="93939"/>
-                </a:moveTo>
-                <a:cubicBezTo>
-                  <a:pt x="3282786" y="358491"/>
-                  <a:pt x="3900357" y="1151865"/>
-                  <a:pt x="3900357" y="2089479"/>
-                </a:cubicBezTo>
-                <a:cubicBezTo>
-                  <a:pt x="3900357" y="3243466"/>
-                  <a:pt x="2964865" y="4178958"/>
-                  <a:pt x="1810878" y="4178958"/>
-                </a:cubicBezTo>
-                <a:cubicBezTo>
-                  <a:pt x="1089636" y="4178958"/>
-                  <a:pt x="453744" y="3813531"/>
-                  <a:pt x="78249" y="3257727"/>
-                </a:cubicBezTo>
-                <a:lnTo>
-                  <a:pt x="0" y="3128923"/>
-                </a:lnTo>
-                <a:lnTo>
-                  <a:pt x="831324" y="244281"/>
-                </a:lnTo>
-                <a:lnTo>
-                  <a:pt x="997559" y="164202"/>
-                </a:lnTo>
-                <a:cubicBezTo>
-                  <a:pt x="1247540" y="58468"/>
-                  <a:pt x="1522381" y="0"/>
-                  <a:pt x="1810878" y="0"/>
-                </a:cubicBezTo>
-                <a:cubicBezTo>
-                  <a:pt x="2027251" y="0"/>
-                  <a:pt x="2235942" y="32888"/>
-                  <a:pt x="2432225" y="93939"/>
-                </a:cubicBezTo>
-                <a:close/>
-              </a:path>
-            </a:pathLst>
-          </a:custGeom>
-          <a:gradFill>
-            <a:gsLst>
-              <a:gs pos="29000">
-                <a:srgbClr val="000000">
-                  <a:alpha val="0"/>
-                </a:srgbClr>
-              </a:gs>
-              <a:gs pos="100000">
-                <a:schemeClr val="accent1">
-                  <a:alpha val="43000"/>
-                </a:schemeClr>
-              </a:gs>
-            </a:gsLst>
-            <a:lin ang="1800000" scaled="0"/>
-          </a:gradFill>
-          <a:ln>
-            <a:noFill/>
-          </a:ln>
-        </p:spPr>
-        <p:style>
-          <a:lnRef idx="2">
-            <a:schemeClr val="accent1">
-              <a:shade val="50000"/>
-            </a:schemeClr>
-          </a:lnRef>
-          <a:fillRef idx="1">
-            <a:schemeClr val="accent1"/>
-          </a:fillRef>
-          <a:effectRef idx="0">
-            <a:schemeClr val="accent1"/>
-          </a:effectRef>
-          <a:fontRef idx="minor">
-            <a:schemeClr val="lt1"/>
-          </a:fontRef>
-        </p:style>
-        <p:txBody>
-          <a:bodyPr wrap="square" rtlCol="0" anchor="ctr">
-            <a:noAutofit/>
-          </a:bodyPr>
-          <a:lstStyle/>
-          <a:p>
-            <a:pPr algn="ctr"/>
-            <a:endParaRPr lang="en-US" dirty="0"/>
-          </a:p>
-        </p:txBody>
-      </p:sp>
-      <p:sp>
-        <p:nvSpPr>
-          <p:cNvPr id="20" name="Rectangle 19">
-            <a:extLst>
-              <a:ext uri="{FF2B5EF4-FFF2-40B4-BE49-F238E27FC236}">
-                <a16:creationId xmlns:a16="http://schemas.microsoft.com/office/drawing/2014/main" id="{8D71EDA1-87BF-4D5D-AB79-F346FD19278A}"/>
-              </a:ext>
-              <a:ext uri="{C183D7F6-B498-43B3-948B-1728B52AA6E4}">
-                <adec:decorative xmlns:adec="http://schemas.microsoft.com/office/drawing/2017/decorative" val="1"/>
-              </a:ext>
-            </a:extLst>
-          </p:cNvPr>
-          <p:cNvSpPr>
-            <a:spLocks noGrp="1" noRot="1" noChangeAspect="1" noMove="1" noResize="1" noEditPoints="1" noAdjustHandles="1" noChangeArrowheads="1" noChangeShapeType="1" noTextEdit="1"/>
-          </p:cNvSpPr>
-          <p:nvPr>
-            <p:extLst>
-              <p:ext uri="{386F3935-93C4-4BCD-93E2-E3B085C9AB24}">
-                <p16:designElem xmlns:p16="http://schemas.microsoft.com/office/powerpoint/2015/main" val="1"/>
-              </p:ext>
-            </p:extLst>
-          </p:nvPr>
-        </p:nvSpPr>
-        <p:spPr>
-          <a:xfrm rot="5400000" flipH="1">
-            <a:off x="-1410093" y="1399943"/>
-            <a:ext cx="6858003" cy="4037835"/>
-          </a:xfrm>
-          <a:prstGeom prst="rect">
-            <a:avLst/>
-          </a:prstGeom>
-          <a:gradFill>
-            <a:gsLst>
-              <a:gs pos="0">
-                <a:srgbClr val="000000">
-                  <a:alpha val="0"/>
-                </a:srgbClr>
-              </a:gs>
-              <a:gs pos="99000">
-                <a:schemeClr val="accent1">
-                  <a:lumMod val="60000"/>
-                  <a:lumOff val="40000"/>
-                  <a:alpha val="11000"/>
-                </a:schemeClr>
-              </a:gs>
-            </a:gsLst>
-            <a:lin ang="7200000" scaled="0"/>
-          </a:gradFill>
-          <a:ln>
-            <a:noFill/>
-          </a:ln>
-        </p:spPr>
-        <p:style>
-          <a:lnRef idx="2">
-            <a:schemeClr val="accent1">
-              <a:shade val="50000"/>
-            </a:schemeClr>
-          </a:lnRef>
-          <a:fillRef idx="1">
-            <a:schemeClr val="accent1"/>
-          </a:fillRef>
-          <a:effectRef idx="0">
-            <a:schemeClr val="accent1"/>
-          </a:effectRef>
-          <a:fontRef idx="minor">
-            <a:schemeClr val="lt1"/>
-          </a:fontRef>
-        </p:style>
-        <p:txBody>
-          <a:bodyPr rtlCol="0" anchor="ctr"/>
-          <a:lstStyle/>
-          <a:p>
-            <a:pPr algn="ctr"/>
-            <a:endParaRPr lang="en-US"/>
-          </a:p>
-        </p:txBody>
-      </p:sp>
-      <p:sp>
-        <p:nvSpPr>
-          <p:cNvPr id="2" name="Title 1">
-            <a:extLst>
-              <a:ext uri="{FF2B5EF4-FFF2-40B4-BE49-F238E27FC236}">
-                <a16:creationId xmlns:a16="http://schemas.microsoft.com/office/drawing/2014/main" id="{8E02ED0F-BE4B-1D43-8929-39E3FA1EA04D}"/>
-              </a:ext>
-            </a:extLst>
-          </p:cNvPr>
-          <p:cNvSpPr>
-            <a:spLocks noGrp="1"/>
-          </p:cNvSpPr>
-          <p:nvPr>
-            <p:ph type="title"/>
-          </p:nvPr>
-        </p:nvSpPr>
-        <p:spPr>
-          <a:xfrm>
-            <a:off x="466722" y="586855"/>
-            <a:ext cx="3201366" cy="3387497"/>
-          </a:xfrm>
-        </p:spPr>
-        <p:txBody>
-          <a:bodyPr anchor="b">
-            <a:normAutofit/>
-          </a:bodyPr>
-          <a:lstStyle/>
-          <a:p>
-            <a:pPr algn="r"/>
-            <a:r>
-              <a:rPr lang="en-US" sz="4000">
-                <a:solidFill>
-                  <a:srgbClr val="FFFFFF"/>
-                </a:solidFill>
-              </a:rPr>
-              <a:t>Contact Info</a:t>
-            </a:r>
-          </a:p>
-        </p:txBody>
-      </p:sp>
-      <p:sp>
-        <p:nvSpPr>
-          <p:cNvPr id="3" name="Content Placeholder 2">
-            <a:extLst>
-              <a:ext uri="{FF2B5EF4-FFF2-40B4-BE49-F238E27FC236}">
-                <a16:creationId xmlns:a16="http://schemas.microsoft.com/office/drawing/2014/main" id="{A9105B17-4DD0-5642-891E-2B2EAC3D91E8}"/>
-              </a:ext>
-            </a:extLst>
-          </p:cNvPr>
-          <p:cNvSpPr>
-            <a:spLocks noGrp="1"/>
-          </p:cNvSpPr>
-          <p:nvPr>
-            <p:ph idx="1"/>
-          </p:nvPr>
-        </p:nvSpPr>
-        <p:spPr>
-          <a:xfrm>
-            <a:off x="4810259" y="649480"/>
-            <a:ext cx="6555347" cy="5546047"/>
-          </a:xfrm>
-        </p:spPr>
-        <p:txBody>
-          <a:bodyPr anchor="ctr">
-            <a:normAutofit/>
-          </a:bodyPr>
-          <a:lstStyle/>
-          <a:p>
-            <a:pPr marL="0" indent="0">
-              <a:buNone/>
-            </a:pPr>
-            <a:r>
-              <a:rPr lang="en-US" sz="2000"/>
-              <a:t>Daniel Montemayor Ph.D.</a:t>
-            </a:r>
-          </a:p>
-          <a:p>
-            <a:pPr marL="0" indent="0">
-              <a:buNone/>
-            </a:pPr>
-            <a:r>
-              <a:rPr lang="en-US" sz="2000"/>
-              <a:t>Assistant Professor / Research</a:t>
-            </a:r>
-          </a:p>
-          <a:p>
-            <a:pPr marL="0" indent="0">
-              <a:buNone/>
-            </a:pPr>
-            <a:r>
-              <a:rPr lang="en-US" sz="2000"/>
-              <a:t>Center for Renal Precision Medicine</a:t>
-            </a:r>
-          </a:p>
-          <a:p>
-            <a:pPr marL="0" indent="0">
-              <a:buNone/>
-            </a:pPr>
-            <a:r>
-              <a:rPr lang="en-US" sz="2000"/>
-              <a:t>Department of Medicine</a:t>
-            </a:r>
-          </a:p>
-          <a:p>
-            <a:pPr marL="0" indent="0">
-              <a:buNone/>
-            </a:pPr>
-            <a:r>
-              <a:rPr lang="en-US" sz="2000"/>
-              <a:t>UT Health San Antonio</a:t>
-            </a:r>
-          </a:p>
-          <a:p>
-            <a:pPr marL="0" indent="0">
-              <a:buNone/>
-            </a:pPr>
-            <a:endParaRPr lang="en-US" sz="2000" dirty="0"/>
-          </a:p>
-          <a:p>
-            <a:pPr marL="0" indent="0">
-              <a:buNone/>
-            </a:pPr>
-            <a:r>
-              <a:rPr lang="en-US" sz="2000" dirty="0">
-                <a:latin typeface="Arial" panose="020B0604020202020204" pitchFamily="34" charset="0"/>
-                <a:cs typeface="Arial" panose="020B0604020202020204" pitchFamily="34" charset="0"/>
-              </a:rPr>
-              <a:t>Email: </a:t>
-            </a:r>
-            <a:r>
-              <a:rPr lang="en-US" sz="2000" dirty="0">
-                <a:latin typeface="Arial" panose="020B0604020202020204" pitchFamily="34" charset="0"/>
-                <a:cs typeface="Arial" panose="020B0604020202020204" pitchFamily="34" charset="0"/>
-                <a:hlinkClick r:id="rId2"/>
-              </a:rPr>
-              <a:t>montemayord2@uthscsa.edu</a:t>
-            </a:r>
-            <a:endParaRPr lang="en-US" sz="2000" dirty="0">
-              <a:latin typeface="Arial" panose="020B0604020202020204" pitchFamily="34" charset="0"/>
-              <a:cs typeface="Arial" panose="020B0604020202020204" pitchFamily="34" charset="0"/>
-            </a:endParaRPr>
-          </a:p>
-          <a:p>
-            <a:pPr marL="0" indent="0">
-              <a:buNone/>
-            </a:pPr>
-            <a:r>
-              <a:rPr lang="en-US" sz="2000" dirty="0">
-                <a:latin typeface="Arial" panose="020B0604020202020204" pitchFamily="34" charset="0"/>
-                <a:cs typeface="Arial" panose="020B0604020202020204" pitchFamily="34" charset="0"/>
-              </a:rPr>
-              <a:t>Office hours: </a:t>
-            </a:r>
-            <a:r>
-              <a:rPr lang="en-US" sz="2000" b="1" dirty="0">
-                <a:latin typeface="Arial" panose="020B0604020202020204" pitchFamily="34" charset="0"/>
-                <a:ea typeface="Times New Roman" panose="02020603050405020304" pitchFamily="18" charset="0"/>
-                <a:cs typeface="Arial" panose="020B0604020202020204" pitchFamily="34" charset="0"/>
-              </a:rPr>
-              <a:t> </a:t>
-            </a:r>
-            <a:r>
-              <a:rPr lang="en-US" sz="2000" u="sng">
-                <a:latin typeface="Arial" panose="020B0604020202020204" pitchFamily="34" charset="0"/>
-                <a:ea typeface="Times New Roman" panose="02020603050405020304" pitchFamily="18" charset="0"/>
-                <a:cs typeface="Arial" panose="020B0604020202020204" pitchFamily="34" charset="0"/>
-                <a:hlinkClick r:id="rId3">
-                  <a:extLst>
-                    <a:ext uri="{A12FA001-AC4F-418D-AE19-62706E023703}">
-                      <ahyp:hlinkClr xmlns:ahyp="http://schemas.microsoft.com/office/drawing/2018/hyperlinkcolor" val="tx"/>
-                    </a:ext>
-                  </a:extLst>
-                </a:hlinkClick>
-              </a:rPr>
-              <a:t>https://calendly.com/daniel_montemayor/montemayor-office-hours</a:t>
-            </a:r>
-            <a:r>
-              <a:rPr lang="en-US" sz="2000" dirty="0">
-                <a:latin typeface="Arial" panose="020B0604020202020204" pitchFamily="34" charset="0"/>
-                <a:cs typeface="Arial" panose="020B0604020202020204" pitchFamily="34" charset="0"/>
-              </a:rPr>
-              <a:t> </a:t>
-            </a:r>
-          </a:p>
-        </p:txBody>
-      </p:sp>
-    </p:spTree>
-    <p:extLst>
-      <p:ext uri="{BB962C8B-B14F-4D97-AF65-F5344CB8AC3E}">
-        <p14:creationId xmlns:p14="http://schemas.microsoft.com/office/powerpoint/2010/main" val="784935358"/>
-      </p:ext>
-    </p:extLst>
-  </p:cSld>
-  <p:clrMapOvr>
-    <a:masterClrMapping/>
-  </p:clrMapOvr>
-</p:sld>
-</file>
-
-<file path=ppt/slides/slide3.xml><?xml version="1.0" encoding="utf-8"?>
-<p:sld xmlns:a="http://schemas.openxmlformats.org/drawingml/2006/main" xmlns:r="http://schemas.openxmlformats.org/officeDocument/2006/relationships" xmlns:p="http://schemas.openxmlformats.org/presentationml/2006/main">
-  <p:cSld>
-    <p:bg>
-      <p:bgPr>
-        <a:solidFill>
-          <a:schemeClr val="bg1"/>
-        </a:solidFill>
-        <a:effectLst/>
-      </p:bgPr>
-    </p:bg>
-    <p:spTree>
-      <p:nvGrpSpPr>
-        <p:cNvPr id="1" name=""/>
-        <p:cNvGrpSpPr/>
-        <p:nvPr/>
-      </p:nvGrpSpPr>
-      <p:grpSpPr>
-        <a:xfrm>
-          <a:off x="0" y="0"/>
-          <a:ext cx="0" cy="0"/>
-          <a:chOff x="0" y="0"/>
-          <a:chExt cx="0" cy="0"/>
-        </a:xfrm>
-      </p:grpSpPr>
-      <p:sp useBgFill="1">
-        <p:nvSpPr>
-          <p:cNvPr id="8" name="Rectangle 7">
-            <a:extLst>
-              <a:ext uri="{FF2B5EF4-FFF2-40B4-BE49-F238E27FC236}">
-                <a16:creationId xmlns:a16="http://schemas.microsoft.com/office/drawing/2014/main" id="{09588DA8-065E-4F6F-8EFD-43104AB2E0CF}"/>
-              </a:ext>
-              <a:ext uri="{C183D7F6-B498-43B3-948B-1728B52AA6E4}">
-                <adec:decorative xmlns:adec="http://schemas.microsoft.com/office/drawing/2017/decorative" val="1"/>
-              </a:ext>
-            </a:extLst>
-          </p:cNvPr>
-          <p:cNvSpPr>
-            <a:spLocks noGrp="1" noRot="1" noChangeAspect="1" noMove="1" noResize="1" noEditPoints="1" noAdjustHandles="1" noChangeArrowheads="1" noChangeShapeType="1" noTextEdit="1"/>
-          </p:cNvSpPr>
-          <p:nvPr>
-            <p:extLst>
-              <p:ext uri="{386F3935-93C4-4BCD-93E2-E3B085C9AB24}">
-                <p16:designElem xmlns:p16="http://schemas.microsoft.com/office/powerpoint/2015/main" val="1"/>
-              </p:ext>
-            </p:extLst>
-          </p:nvPr>
-        </p:nvSpPr>
-        <p:spPr>
-          <a:xfrm>
-            <a:off x="0" y="0"/>
-            <a:ext cx="12192000" cy="6858000"/>
-          </a:xfrm>
-          <a:prstGeom prst="rect">
-            <a:avLst/>
-          </a:prstGeom>
-          <a:ln w="12700" cap="flat" cmpd="sng" algn="ctr">
-            <a:noFill/>
-            <a:prstDash val="solid"/>
-            <a:miter lim="800000"/>
-          </a:ln>
-          <a:effectLst/>
-          <a:extLst>
-            <a:ext uri="{91240B29-F687-4F45-9708-019B960494DF}">
-              <a14:hiddenLine xmlns:a14="http://schemas.microsoft.com/office/drawing/2010/main" w="12700" cap="flat" cmpd="sng" algn="ctr">
-                <a:solidFill>
-                  <a:schemeClr val="accent1">
-                    <a:shade val="50000"/>
-                  </a:schemeClr>
-                </a:solidFill>
-                <a:prstDash val="solid"/>
-                <a:miter lim="800000"/>
-              </a14:hiddenLine>
-            </a:ext>
-          </a:extLst>
-        </p:spPr>
-        <p:style>
-          <a:lnRef idx="2">
-            <a:schemeClr val="accent1">
-              <a:shade val="50000"/>
-            </a:schemeClr>
-          </a:lnRef>
-          <a:fillRef idx="1">
-            <a:schemeClr val="accent1"/>
-          </a:fillRef>
-          <a:effectRef idx="0">
-            <a:schemeClr val="accent1"/>
-          </a:effectRef>
-          <a:fontRef idx="minor">
-            <a:schemeClr val="lt1"/>
-          </a:fontRef>
-        </p:style>
-        <p:txBody>
-          <a:bodyPr rtlCol="0" anchor="ctr"/>
-          <a:lstStyle/>
-          <a:p>
-            <a:pPr algn="ctr"/>
-            <a:endParaRPr lang="en-US"/>
-          </a:p>
-        </p:txBody>
-      </p:sp>
-      <p:sp useBgFill="1">
-        <p:nvSpPr>
-          <p:cNvPr id="10" name="Rectangle 9">
-            <a:extLst>
-              <a:ext uri="{FF2B5EF4-FFF2-40B4-BE49-F238E27FC236}">
-                <a16:creationId xmlns:a16="http://schemas.microsoft.com/office/drawing/2014/main" id="{C4285719-470E-454C-AF62-8323075F1F5B}"/>
-              </a:ext>
-              <a:ext uri="{C183D7F6-B498-43B3-948B-1728B52AA6E4}">
-                <adec:decorative xmlns:adec="http://schemas.microsoft.com/office/drawing/2017/decorative" val="1"/>
-              </a:ext>
-            </a:extLst>
-          </p:cNvPr>
-          <p:cNvSpPr>
-            <a:spLocks noGrp="1" noRot="1" noChangeAspect="1" noMove="1" noResize="1" noEditPoints="1" noAdjustHandles="1" noChangeArrowheads="1" noChangeShapeType="1" noTextEdit="1"/>
-          </p:cNvSpPr>
-          <p:nvPr>
-            <p:extLst>
-              <p:ext uri="{386F3935-93C4-4BCD-93E2-E3B085C9AB24}">
-                <p16:designElem xmlns:p16="http://schemas.microsoft.com/office/powerpoint/2015/main" val="1"/>
-              </p:ext>
-            </p:extLst>
-          </p:nvPr>
-        </p:nvSpPr>
-        <p:spPr>
-          <a:xfrm>
-            <a:off x="0" y="0"/>
-            <a:ext cx="12188952" cy="6858000"/>
-          </a:xfrm>
-          <a:prstGeom prst="rect">
-            <a:avLst/>
-          </a:prstGeom>
-          <a:ln w="12700" cap="flat" cmpd="sng" algn="ctr">
-            <a:noFill/>
-            <a:prstDash val="solid"/>
-            <a:miter lim="800000"/>
-          </a:ln>
-          <a:effectLst/>
-          <a:extLst>
-            <a:ext uri="{91240B29-F687-4F45-9708-019B960494DF}">
-              <a14:hiddenLine xmlns:a14="http://schemas.microsoft.com/office/drawing/2010/main" w="12700" cap="flat" cmpd="sng" algn="ctr">
-                <a:solidFill>
-                  <a:schemeClr val="accent1">
-                    <a:shade val="50000"/>
-                  </a:schemeClr>
-                </a:solidFill>
-                <a:prstDash val="solid"/>
-                <a:miter lim="800000"/>
-              </a14:hiddenLine>
-            </a:ext>
-          </a:extLst>
-        </p:spPr>
-        <p:style>
-          <a:lnRef idx="2">
-            <a:schemeClr val="accent1">
-              <a:shade val="50000"/>
-            </a:schemeClr>
-          </a:lnRef>
-          <a:fillRef idx="1">
-            <a:schemeClr val="accent1"/>
-          </a:fillRef>
-          <a:effectRef idx="0">
-            <a:schemeClr val="accent1"/>
-          </a:effectRef>
-          <a:fontRef idx="minor">
-            <a:schemeClr val="lt1"/>
-          </a:fontRef>
-        </p:style>
-        <p:txBody>
-          <a:bodyPr rtlCol="0" anchor="ctr"/>
-          <a:lstStyle/>
-          <a:p>
-            <a:pPr algn="ctr"/>
-            <a:endParaRPr lang="en-US"/>
-          </a:p>
-        </p:txBody>
-      </p:sp>
-      <p:sp>
-        <p:nvSpPr>
-          <p:cNvPr id="12" name="Rectangle 11">
-            <a:extLst>
-              <a:ext uri="{FF2B5EF4-FFF2-40B4-BE49-F238E27FC236}">
-                <a16:creationId xmlns:a16="http://schemas.microsoft.com/office/drawing/2014/main" id="{CD9FE4EF-C4D8-49A0-B2FF-81D8DB7D8A24}"/>
-              </a:ext>
-              <a:ext uri="{C183D7F6-B498-43B3-948B-1728B52AA6E4}">
-                <adec:decorative xmlns:adec="http://schemas.microsoft.com/office/drawing/2017/decorative" val="1"/>
-              </a:ext>
-            </a:extLst>
-          </p:cNvPr>
-          <p:cNvSpPr>
-            <a:spLocks noGrp="1" noRot="1" noChangeAspect="1" noMove="1" noResize="1" noEditPoints="1" noAdjustHandles="1" noChangeArrowheads="1" noChangeShapeType="1" noTextEdit="1"/>
-          </p:cNvSpPr>
-          <p:nvPr>
-            <p:extLst>
-              <p:ext uri="{386F3935-93C4-4BCD-93E2-E3B085C9AB24}">
-                <p16:designElem xmlns:p16="http://schemas.microsoft.com/office/powerpoint/2015/main" val="1"/>
-              </p:ext>
-            </p:extLst>
-          </p:nvPr>
-        </p:nvSpPr>
-        <p:spPr>
-          <a:xfrm rot="5400000" flipH="1">
-            <a:off x="-1410084" y="1410082"/>
-            <a:ext cx="6858000" cy="4037836"/>
-          </a:xfrm>
-          <a:prstGeom prst="rect">
-            <a:avLst/>
-          </a:prstGeom>
-          <a:gradFill>
-            <a:gsLst>
-              <a:gs pos="8000">
-                <a:srgbClr val="000000"/>
-              </a:gs>
-              <a:gs pos="100000">
-                <a:schemeClr val="accent1">
-                  <a:lumMod val="75000"/>
-                </a:schemeClr>
-              </a:gs>
-            </a:gsLst>
-            <a:lin ang="3000000" scaled="0"/>
-          </a:gradFill>
-          <a:ln>
-            <a:noFill/>
-          </a:ln>
-        </p:spPr>
-        <p:style>
-          <a:lnRef idx="2">
-            <a:schemeClr val="accent1">
-              <a:shade val="50000"/>
-            </a:schemeClr>
-          </a:lnRef>
-          <a:fillRef idx="1">
-            <a:schemeClr val="accent1"/>
-          </a:fillRef>
-          <a:effectRef idx="0">
-            <a:schemeClr val="accent1"/>
-          </a:effectRef>
-          <a:fontRef idx="minor">
-            <a:schemeClr val="lt1"/>
-          </a:fontRef>
-        </p:style>
-        <p:txBody>
-          <a:bodyPr rtlCol="0" anchor="ctr"/>
-          <a:lstStyle/>
-          <a:p>
-            <a:pPr algn="ctr"/>
-            <a:endParaRPr lang="en-US"/>
-          </a:p>
-        </p:txBody>
-      </p:sp>
-      <p:sp>
-        <p:nvSpPr>
-          <p:cNvPr id="14" name="Rectangle 13">
-            <a:extLst>
-              <a:ext uri="{FF2B5EF4-FFF2-40B4-BE49-F238E27FC236}">
-                <a16:creationId xmlns:a16="http://schemas.microsoft.com/office/drawing/2014/main" id="{4300840D-0A0B-4512-BACA-B439D5B9C57C}"/>
-              </a:ext>
-              <a:ext uri="{C183D7F6-B498-43B3-948B-1728B52AA6E4}">
-                <adec:decorative xmlns:adec="http://schemas.microsoft.com/office/drawing/2017/decorative" val="1"/>
-              </a:ext>
-            </a:extLst>
-          </p:cNvPr>
-          <p:cNvSpPr>
-            <a:spLocks noGrp="1" noRot="1" noChangeAspect="1" noMove="1" noResize="1" noEditPoints="1" noAdjustHandles="1" noChangeArrowheads="1" noChangeShapeType="1" noTextEdit="1"/>
-          </p:cNvSpPr>
-          <p:nvPr>
-            <p:extLst>
-              <p:ext uri="{386F3935-93C4-4BCD-93E2-E3B085C9AB24}">
-                <p16:designElem xmlns:p16="http://schemas.microsoft.com/office/powerpoint/2015/main" val="1"/>
-              </p:ext>
-            </p:extLst>
-          </p:nvPr>
-        </p:nvSpPr>
-        <p:spPr>
-          <a:xfrm rot="5400000" flipH="1">
-            <a:off x="-1410085" y="1420219"/>
-            <a:ext cx="6857999" cy="4037839"/>
-          </a:xfrm>
-          <a:prstGeom prst="rect">
-            <a:avLst/>
-          </a:prstGeom>
-          <a:gradFill>
-            <a:gsLst>
-              <a:gs pos="0">
-                <a:srgbClr val="000000">
-                  <a:alpha val="0"/>
-                </a:srgbClr>
-              </a:gs>
-              <a:gs pos="99000">
-                <a:schemeClr val="accent1">
-                  <a:alpha val="46000"/>
-                </a:schemeClr>
-              </a:gs>
-            </a:gsLst>
-            <a:lin ang="1800000" scaled="0"/>
-          </a:gradFill>
-          <a:ln>
-            <a:noFill/>
-          </a:ln>
-        </p:spPr>
-        <p:style>
-          <a:lnRef idx="2">
-            <a:schemeClr val="accent1">
-              <a:shade val="50000"/>
-            </a:schemeClr>
-          </a:lnRef>
-          <a:fillRef idx="1">
-            <a:schemeClr val="accent1"/>
-          </a:fillRef>
-          <a:effectRef idx="0">
-            <a:schemeClr val="accent1"/>
-          </a:effectRef>
-          <a:fontRef idx="minor">
-            <a:schemeClr val="lt1"/>
-          </a:fontRef>
-        </p:style>
-        <p:txBody>
-          <a:bodyPr rtlCol="0" anchor="ctr"/>
-          <a:lstStyle/>
-          <a:p>
-            <a:pPr algn="ctr"/>
-            <a:endParaRPr lang="en-US"/>
-          </a:p>
-        </p:txBody>
-      </p:sp>
-      <p:sp>
-        <p:nvSpPr>
-          <p:cNvPr id="16" name="Rectangle 15">
-            <a:extLst>
-              <a:ext uri="{FF2B5EF4-FFF2-40B4-BE49-F238E27FC236}">
-                <a16:creationId xmlns:a16="http://schemas.microsoft.com/office/drawing/2014/main" id="{D2B78728-A580-49A7-84F9-6EF6F583ADE0}"/>
-              </a:ext>
-              <a:ext uri="{C183D7F6-B498-43B3-948B-1728B52AA6E4}">
-                <adec:decorative xmlns:adec="http://schemas.microsoft.com/office/drawing/2017/decorative" val="1"/>
-              </a:ext>
-            </a:extLst>
-          </p:cNvPr>
-          <p:cNvSpPr>
-            <a:spLocks noGrp="1" noRot="1" noChangeAspect="1" noMove="1" noResize="1" noEditPoints="1" noAdjustHandles="1" noChangeArrowheads="1" noChangeShapeType="1" noTextEdit="1"/>
-          </p:cNvSpPr>
-          <p:nvPr>
-            <p:extLst>
-              <p:ext uri="{386F3935-93C4-4BCD-93E2-E3B085C9AB24}">
-                <p16:designElem xmlns:p16="http://schemas.microsoft.com/office/powerpoint/2015/main" val="1"/>
-              </p:ext>
-            </p:extLst>
-          </p:nvPr>
-        </p:nvSpPr>
-        <p:spPr>
-          <a:xfrm rot="5400000" flipH="1">
-            <a:off x="767923" y="3588085"/>
-            <a:ext cx="2501979" cy="4037841"/>
-          </a:xfrm>
-          <a:prstGeom prst="rect">
-            <a:avLst/>
-          </a:prstGeom>
-          <a:gradFill>
-            <a:gsLst>
-              <a:gs pos="2000">
-                <a:schemeClr val="accent1">
-                  <a:alpha val="29000"/>
-                </a:schemeClr>
-              </a:gs>
-              <a:gs pos="100000">
-                <a:srgbClr val="000000">
-                  <a:alpha val="30000"/>
-                </a:srgbClr>
-              </a:gs>
-            </a:gsLst>
-            <a:lin ang="7800000" scaled="0"/>
-          </a:gradFill>
-          <a:ln>
-            <a:noFill/>
-          </a:ln>
-        </p:spPr>
-        <p:style>
-          <a:lnRef idx="2">
-            <a:schemeClr val="accent1">
-              <a:shade val="50000"/>
-            </a:schemeClr>
-          </a:lnRef>
-          <a:fillRef idx="1">
-            <a:schemeClr val="accent1"/>
-          </a:fillRef>
-          <a:effectRef idx="0">
-            <a:schemeClr val="accent1"/>
-          </a:effectRef>
-          <a:fontRef idx="minor">
-            <a:schemeClr val="lt1"/>
-          </a:fontRef>
-        </p:style>
-        <p:txBody>
-          <a:bodyPr rtlCol="0" anchor="ctr"/>
-          <a:lstStyle/>
-          <a:p>
-            <a:pPr algn="ctr"/>
-            <a:endParaRPr lang="en-US" dirty="0"/>
-          </a:p>
-        </p:txBody>
-      </p:sp>
-      <p:sp>
-        <p:nvSpPr>
-          <p:cNvPr id="18" name="Freeform: Shape 17">
-            <a:extLst>
-              <a:ext uri="{FF2B5EF4-FFF2-40B4-BE49-F238E27FC236}">
-                <a16:creationId xmlns:a16="http://schemas.microsoft.com/office/drawing/2014/main" id="{38FAA1A1-D861-433F-88FA-1E9D6FD31D11}"/>
-              </a:ext>
-              <a:ext uri="{C183D7F6-B498-43B3-948B-1728B52AA6E4}">
-                <adec:decorative xmlns:adec="http://schemas.microsoft.com/office/drawing/2017/decorative" val="1"/>
-              </a:ext>
-            </a:extLst>
-          </p:cNvPr>
-          <p:cNvSpPr>
-            <a:spLocks noGrp="1" noRot="1" noChangeAspect="1" noMove="1" noResize="1" noEditPoints="1" noAdjustHandles="1" noChangeArrowheads="1" noChangeShapeType="1" noTextEdit="1"/>
-          </p:cNvSpPr>
-          <p:nvPr>
-            <p:extLst>
-              <p:ext uri="{386F3935-93C4-4BCD-93E2-E3B085C9AB24}">
-                <p16:designElem xmlns:p16="http://schemas.microsoft.com/office/powerpoint/2015/main" val="1"/>
-              </p:ext>
-            </p:extLst>
-          </p:nvPr>
-        </p:nvSpPr>
-        <p:spPr>
-          <a:xfrm rot="20635413">
-            <a:off x="-501737" y="969718"/>
-            <a:ext cx="3900357" cy="4178958"/>
-          </a:xfrm>
-          <a:custGeom>
-            <a:avLst/>
-            <a:gdLst>
-              <a:gd name="connsiteX0" fmla="*/ 2432225 w 3900357"/>
-              <a:gd name="connsiteY0" fmla="*/ 93939 h 4178958"/>
-              <a:gd name="connsiteX1" fmla="*/ 3900357 w 3900357"/>
-              <a:gd name="connsiteY1" fmla="*/ 2089479 h 4178958"/>
-              <a:gd name="connsiteX2" fmla="*/ 1810878 w 3900357"/>
-              <a:gd name="connsiteY2" fmla="*/ 4178958 h 4178958"/>
-              <a:gd name="connsiteX3" fmla="*/ 78249 w 3900357"/>
-              <a:gd name="connsiteY3" fmla="*/ 3257727 h 4178958"/>
-              <a:gd name="connsiteX4" fmla="*/ 0 w 3900357"/>
-              <a:gd name="connsiteY4" fmla="*/ 3128923 h 4178958"/>
-              <a:gd name="connsiteX5" fmla="*/ 831324 w 3900357"/>
-              <a:gd name="connsiteY5" fmla="*/ 244281 h 4178958"/>
-              <a:gd name="connsiteX6" fmla="*/ 997559 w 3900357"/>
-              <a:gd name="connsiteY6" fmla="*/ 164202 h 4178958"/>
-              <a:gd name="connsiteX7" fmla="*/ 1810878 w 3900357"/>
-              <a:gd name="connsiteY7" fmla="*/ 0 h 4178958"/>
-              <a:gd name="connsiteX8" fmla="*/ 2432225 w 3900357"/>
-              <a:gd name="connsiteY8" fmla="*/ 93939 h 4178958"/>
-            </a:gdLst>
-            <a:ahLst/>
-            <a:cxnLst>
-              <a:cxn ang="0">
-                <a:pos x="connsiteX0" y="connsiteY0"/>
-              </a:cxn>
-              <a:cxn ang="0">
-                <a:pos x="connsiteX1" y="connsiteY1"/>
-              </a:cxn>
-              <a:cxn ang="0">
-                <a:pos x="connsiteX2" y="connsiteY2"/>
-              </a:cxn>
-              <a:cxn ang="0">
-                <a:pos x="connsiteX3" y="connsiteY3"/>
-              </a:cxn>
-              <a:cxn ang="0">
-                <a:pos x="connsiteX4" y="connsiteY4"/>
-              </a:cxn>
-              <a:cxn ang="0">
-                <a:pos x="connsiteX5" y="connsiteY5"/>
-              </a:cxn>
-              <a:cxn ang="0">
-                <a:pos x="connsiteX6" y="connsiteY6"/>
-              </a:cxn>
-              <a:cxn ang="0">
-                <a:pos x="connsiteX7" y="connsiteY7"/>
-              </a:cxn>
-              <a:cxn ang="0">
-                <a:pos x="connsiteX8" y="connsiteY8"/>
-              </a:cxn>
-            </a:cxnLst>
-            <a:rect l="l" t="t" r="r" b="b"/>
-            <a:pathLst>
-              <a:path w="3900357" h="4178958">
-                <a:moveTo>
-                  <a:pt x="2432225" y="93939"/>
-                </a:moveTo>
-                <a:cubicBezTo>
-                  <a:pt x="3282786" y="358491"/>
-                  <a:pt x="3900357" y="1151865"/>
-                  <a:pt x="3900357" y="2089479"/>
-                </a:cubicBezTo>
-                <a:cubicBezTo>
-                  <a:pt x="3900357" y="3243466"/>
-                  <a:pt x="2964865" y="4178958"/>
-                  <a:pt x="1810878" y="4178958"/>
-                </a:cubicBezTo>
-                <a:cubicBezTo>
-                  <a:pt x="1089636" y="4178958"/>
-                  <a:pt x="453744" y="3813531"/>
-                  <a:pt x="78249" y="3257727"/>
-                </a:cubicBezTo>
-                <a:lnTo>
-                  <a:pt x="0" y="3128923"/>
-                </a:lnTo>
-                <a:lnTo>
-                  <a:pt x="831324" y="244281"/>
-                </a:lnTo>
-                <a:lnTo>
-                  <a:pt x="997559" y="164202"/>
-                </a:lnTo>
-                <a:cubicBezTo>
-                  <a:pt x="1247540" y="58468"/>
-                  <a:pt x="1522381" y="0"/>
-                  <a:pt x="1810878" y="0"/>
-                </a:cubicBezTo>
-                <a:cubicBezTo>
-                  <a:pt x="2027251" y="0"/>
-                  <a:pt x="2235942" y="32888"/>
-                  <a:pt x="2432225" y="93939"/>
-                </a:cubicBezTo>
-                <a:close/>
-              </a:path>
-            </a:pathLst>
-          </a:custGeom>
-          <a:gradFill>
-            <a:gsLst>
-              <a:gs pos="29000">
-                <a:srgbClr val="000000">
-                  <a:alpha val="0"/>
-                </a:srgbClr>
-              </a:gs>
-              <a:gs pos="100000">
-                <a:schemeClr val="accent1">
-                  <a:alpha val="43000"/>
-                </a:schemeClr>
-              </a:gs>
-            </a:gsLst>
-            <a:lin ang="1800000" scaled="0"/>
-          </a:gradFill>
-          <a:ln>
-            <a:noFill/>
-          </a:ln>
-        </p:spPr>
-        <p:style>
-          <a:lnRef idx="2">
-            <a:schemeClr val="accent1">
-              <a:shade val="50000"/>
-            </a:schemeClr>
-          </a:lnRef>
-          <a:fillRef idx="1">
-            <a:schemeClr val="accent1"/>
-          </a:fillRef>
-          <a:effectRef idx="0">
-            <a:schemeClr val="accent1"/>
-          </a:effectRef>
-          <a:fontRef idx="minor">
-            <a:schemeClr val="lt1"/>
-          </a:fontRef>
-        </p:style>
-        <p:txBody>
-          <a:bodyPr wrap="square" rtlCol="0" anchor="ctr">
-            <a:noAutofit/>
-          </a:bodyPr>
-          <a:lstStyle/>
-          <a:p>
-            <a:pPr algn="ctr"/>
-            <a:endParaRPr lang="en-US" dirty="0"/>
-          </a:p>
-        </p:txBody>
-      </p:sp>
-      <p:sp>
-        <p:nvSpPr>
-          <p:cNvPr id="20" name="Rectangle 19">
-            <a:extLst>
-              <a:ext uri="{FF2B5EF4-FFF2-40B4-BE49-F238E27FC236}">
-                <a16:creationId xmlns:a16="http://schemas.microsoft.com/office/drawing/2014/main" id="{8D71EDA1-87BF-4D5D-AB79-F346FD19278A}"/>
-              </a:ext>
-              <a:ext uri="{C183D7F6-B498-43B3-948B-1728B52AA6E4}">
-                <adec:decorative xmlns:adec="http://schemas.microsoft.com/office/drawing/2017/decorative" val="1"/>
-              </a:ext>
-            </a:extLst>
-          </p:cNvPr>
-          <p:cNvSpPr>
-            <a:spLocks noGrp="1" noRot="1" noChangeAspect="1" noMove="1" noResize="1" noEditPoints="1" noAdjustHandles="1" noChangeArrowheads="1" noChangeShapeType="1" noTextEdit="1"/>
-          </p:cNvSpPr>
-          <p:nvPr>
-            <p:extLst>
-              <p:ext uri="{386F3935-93C4-4BCD-93E2-E3B085C9AB24}">
-                <p16:designElem xmlns:p16="http://schemas.microsoft.com/office/powerpoint/2015/main" val="1"/>
-              </p:ext>
-            </p:extLst>
-          </p:nvPr>
-        </p:nvSpPr>
-        <p:spPr>
-          <a:xfrm rot="5400000" flipH="1">
-            <a:off x="-1410093" y="1399943"/>
-            <a:ext cx="6858003" cy="4037835"/>
-          </a:xfrm>
-          <a:prstGeom prst="rect">
-            <a:avLst/>
-          </a:prstGeom>
-          <a:gradFill>
-            <a:gsLst>
-              <a:gs pos="0">
-                <a:srgbClr val="000000">
-                  <a:alpha val="0"/>
-                </a:srgbClr>
-              </a:gs>
-              <a:gs pos="99000">
-                <a:schemeClr val="accent1">
-                  <a:lumMod val="60000"/>
-                  <a:lumOff val="40000"/>
-                  <a:alpha val="11000"/>
-                </a:schemeClr>
-              </a:gs>
-            </a:gsLst>
-            <a:lin ang="7200000" scaled="0"/>
-          </a:gradFill>
-          <a:ln>
-            <a:noFill/>
-          </a:ln>
-        </p:spPr>
-        <p:style>
-          <a:lnRef idx="2">
-            <a:schemeClr val="accent1">
-              <a:shade val="50000"/>
-            </a:schemeClr>
-          </a:lnRef>
-          <a:fillRef idx="1">
-            <a:schemeClr val="accent1"/>
-          </a:fillRef>
-          <a:effectRef idx="0">
-            <a:schemeClr val="accent1"/>
-          </a:effectRef>
-          <a:fontRef idx="minor">
-            <a:schemeClr val="lt1"/>
-          </a:fontRef>
-        </p:style>
-        <p:txBody>
-          <a:bodyPr rtlCol="0" anchor="ctr"/>
-          <a:lstStyle/>
-          <a:p>
-            <a:pPr algn="ctr"/>
-            <a:endParaRPr lang="en-US"/>
-          </a:p>
-        </p:txBody>
-      </p:sp>
-      <p:sp>
-        <p:nvSpPr>
-          <p:cNvPr id="2" name="Title 1">
-            <a:extLst>
-              <a:ext uri="{FF2B5EF4-FFF2-40B4-BE49-F238E27FC236}">
-                <a16:creationId xmlns:a16="http://schemas.microsoft.com/office/drawing/2014/main" id="{DBD66BFE-722E-AD40-9EC8-C76692D07218}"/>
-              </a:ext>
-            </a:extLst>
-          </p:cNvPr>
-          <p:cNvSpPr>
-            <a:spLocks noGrp="1"/>
-          </p:cNvSpPr>
-          <p:nvPr>
-            <p:ph type="title"/>
-          </p:nvPr>
-        </p:nvSpPr>
-        <p:spPr>
-          <a:xfrm>
-            <a:off x="466722" y="586855"/>
-            <a:ext cx="3201366" cy="3387497"/>
-          </a:xfrm>
-        </p:spPr>
-        <p:txBody>
-          <a:bodyPr anchor="b">
-            <a:normAutofit/>
-          </a:bodyPr>
-          <a:lstStyle/>
-          <a:p>
-            <a:pPr algn="r"/>
-            <a:r>
-              <a:rPr lang="en-US" sz="4000">
-                <a:solidFill>
-                  <a:srgbClr val="FFFFFF"/>
-                </a:solidFill>
-              </a:rPr>
-              <a:t>Part II : Overview</a:t>
-            </a:r>
-          </a:p>
-        </p:txBody>
-      </p:sp>
-      <p:sp>
-        <p:nvSpPr>
-          <p:cNvPr id="3" name="Content Placeholder 2">
-            <a:extLst>
-              <a:ext uri="{FF2B5EF4-FFF2-40B4-BE49-F238E27FC236}">
-                <a16:creationId xmlns:a16="http://schemas.microsoft.com/office/drawing/2014/main" id="{C7B9A115-CC85-E047-A412-9607D17502CD}"/>
-              </a:ext>
-            </a:extLst>
-          </p:cNvPr>
-          <p:cNvSpPr>
-            <a:spLocks noGrp="1"/>
-          </p:cNvSpPr>
-          <p:nvPr>
-            <p:ph idx="1"/>
-          </p:nvPr>
-        </p:nvSpPr>
-        <p:spPr>
-          <a:xfrm>
-            <a:off x="4810259" y="649480"/>
-            <a:ext cx="6555347" cy="5546047"/>
-          </a:xfrm>
-        </p:spPr>
-        <p:txBody>
-          <a:bodyPr anchor="ctr">
-            <a:normAutofit/>
-          </a:bodyPr>
-          <a:lstStyle/>
-          <a:p>
-            <a:pPr>
-              <a:buFont typeface="Wingdings" pitchFamily="2" charset="2"/>
-              <a:buChar char="v"/>
-            </a:pPr>
-            <a:r>
-              <a:rPr lang="en-US" sz="2000" dirty="0"/>
-              <a:t> Getting to know your data </a:t>
-            </a:r>
-          </a:p>
-          <a:p>
-            <a:pPr marL="457200" lvl="1" indent="0">
-              <a:spcAft>
-                <a:spcPts val="600"/>
-              </a:spcAft>
-              <a:buNone/>
-            </a:pPr>
-            <a:r>
-              <a:rPr lang="en-US" sz="2000" dirty="0"/>
-              <a:t>Formatting | Visualization | Partitioning | Normalization | Integrity</a:t>
-            </a:r>
-          </a:p>
-          <a:p>
-            <a:pPr>
-              <a:buFont typeface="Wingdings" pitchFamily="2" charset="2"/>
-              <a:buChar char="v"/>
-            </a:pPr>
-            <a:r>
-              <a:rPr lang="en-US" sz="2000" dirty="0"/>
-              <a:t> Feature Selection</a:t>
-            </a:r>
-          </a:p>
-          <a:p>
-            <a:pPr marL="457200" lvl="1" indent="0">
-              <a:spcAft>
-                <a:spcPts val="600"/>
-              </a:spcAft>
-              <a:buNone/>
-            </a:pPr>
-            <a:r>
-              <a:rPr lang="en-US" sz="2000" dirty="0"/>
-              <a:t>Parsimony | Dimension Reduction |  Supervised and Unsupervised Methods</a:t>
-            </a:r>
-          </a:p>
-          <a:p>
-            <a:pPr>
-              <a:buFont typeface="Wingdings" pitchFamily="2" charset="2"/>
-              <a:buChar char="v"/>
-            </a:pPr>
-            <a:r>
-              <a:rPr lang="en-US" sz="2000" dirty="0"/>
-              <a:t> Classification Models</a:t>
-            </a:r>
-          </a:p>
-          <a:p>
-            <a:pPr marL="457200" lvl="1" indent="0">
-              <a:spcAft>
-                <a:spcPts val="600"/>
-              </a:spcAft>
-              <a:buNone/>
-            </a:pPr>
-            <a:r>
-              <a:rPr lang="en-US" sz="2000" dirty="0"/>
-              <a:t>Cross-Entropy and other Error Metrics | Random Forest | Logistic Regression</a:t>
-            </a:r>
-          </a:p>
-          <a:p>
-            <a:pPr>
-              <a:buFont typeface="Wingdings" pitchFamily="2" charset="2"/>
-              <a:buChar char="v"/>
-            </a:pPr>
-            <a:r>
-              <a:rPr lang="en-US" sz="2000" dirty="0"/>
-              <a:t> Regression Models</a:t>
-            </a:r>
-          </a:p>
-          <a:p>
-            <a:pPr marL="457200" lvl="1" indent="0">
-              <a:spcAft>
-                <a:spcPts val="600"/>
-              </a:spcAft>
-              <a:buNone/>
-            </a:pPr>
-            <a:r>
-              <a:rPr lang="en-US" sz="2000" dirty="0"/>
-              <a:t>Linear Regression | Regularization | LASSO | Elastic-Net</a:t>
-            </a:r>
-          </a:p>
-          <a:p>
-            <a:pPr>
-              <a:buFont typeface="Wingdings" pitchFamily="2" charset="2"/>
-              <a:buChar char="v"/>
-            </a:pPr>
-            <a:r>
-              <a:rPr lang="en-US" sz="2000" dirty="0"/>
-              <a:t> End-to-End ML Workflow – Leukemia Project </a:t>
-            </a:r>
-            <a:r>
-              <a:rPr lang="en-US" sz="2000" b="1" dirty="0"/>
-              <a:t>(two weeks)</a:t>
-            </a:r>
-          </a:p>
-          <a:p>
-            <a:pPr>
-              <a:buFont typeface="Wingdings" pitchFamily="2" charset="2"/>
-              <a:buChar char="v"/>
-            </a:pPr>
-            <a:r>
-              <a:rPr lang="en-US" sz="2000" dirty="0"/>
-              <a:t> Convolutional Neural Networks – MRI Brain Tumor Project</a:t>
-            </a:r>
-          </a:p>
-          <a:p>
-            <a:pPr>
-              <a:buFont typeface="Wingdings" pitchFamily="2" charset="2"/>
-              <a:buChar char="v"/>
-            </a:pPr>
-            <a:r>
-              <a:rPr lang="en-US" sz="2000" dirty="0"/>
-              <a:t> Adv. Topics – Sequence. Models | Encoders |GANs | Reinforcement Learning</a:t>
-            </a:r>
-          </a:p>
-        </p:txBody>
-      </p:sp>
-      <p:sp>
-        <p:nvSpPr>
-          <p:cNvPr id="4" name="Rectangle 3">
-            <a:extLst>
-              <a:ext uri="{FF2B5EF4-FFF2-40B4-BE49-F238E27FC236}">
-                <a16:creationId xmlns:a16="http://schemas.microsoft.com/office/drawing/2014/main" id="{F1E01CD0-A057-9444-9E0D-5318820AB8A2}"/>
-              </a:ext>
-            </a:extLst>
-          </p:cNvPr>
-          <p:cNvSpPr/>
-          <p:nvPr/>
-        </p:nvSpPr>
-        <p:spPr>
-          <a:xfrm>
-            <a:off x="4615688" y="3864209"/>
-            <a:ext cx="6721687" cy="815448"/>
-          </a:xfrm>
-          <a:prstGeom prst="rect">
-            <a:avLst/>
-          </a:prstGeom>
-          <a:noFill/>
-          <a:ln w="38100">
-            <a:solidFill>
-              <a:srgbClr val="FF0000"/>
-            </a:solidFill>
-          </a:ln>
-        </p:spPr>
-        <p:style>
-          <a:lnRef idx="2">
-            <a:schemeClr val="accent1">
-              <a:shade val="50000"/>
-            </a:schemeClr>
-          </a:lnRef>
-          <a:fillRef idx="1">
-            <a:schemeClr val="accent1"/>
-          </a:fillRef>
-          <a:effectRef idx="0">
-            <a:schemeClr val="accent1"/>
-          </a:effectRef>
-          <a:fontRef idx="minor">
-            <a:schemeClr val="lt1"/>
-          </a:fontRef>
-        </p:style>
-        <p:txBody>
-          <a:bodyPr rtlCol="0" anchor="ctr"/>
-          <a:lstStyle/>
-          <a:p>
-            <a:pPr algn="ctr"/>
-            <a:endParaRPr lang="en-US"/>
-          </a:p>
-        </p:txBody>
-      </p:sp>
-    </p:spTree>
-    <p:extLst>
-      <p:ext uri="{BB962C8B-B14F-4D97-AF65-F5344CB8AC3E}">
-        <p14:creationId xmlns:p14="http://schemas.microsoft.com/office/powerpoint/2010/main" val="3373991"/>
-      </p:ext>
-    </p:extLst>
-  </p:cSld>
-  <p:clrMapOvr>
-    <a:masterClrMapping/>
-  </p:clrMapOvr>
-</p:sld>
-</file>
-
-<file path=ppt/slides/slide4.xml><?xml version="1.0" encoding="utf-8"?>
+<file path=ppt/slides/slide14.xml><?xml version="1.0" encoding="utf-8"?>
 <p:sld xmlns:a="http://schemas.openxmlformats.org/drawingml/2006/main" xmlns:r="http://schemas.openxmlformats.org/officeDocument/2006/relationships" xmlns:p="http://schemas.openxmlformats.org/presentationml/2006/main">
   <p:cSld>
     <p:spTree>
@@ -6748,7 +6116,7 @@
           <p:cNvPr id="2" name="Title 1">
             <a:extLst>
               <a:ext uri="{FF2B5EF4-FFF2-40B4-BE49-F238E27FC236}">
-                <a16:creationId xmlns:a16="http://schemas.microsoft.com/office/drawing/2014/main" id="{8CC98108-44DB-A649-ABCA-C265C9D2BF1F}"/>
+                <a16:creationId xmlns:a16="http://schemas.microsoft.com/office/drawing/2014/main" id="{37219FED-EAE3-C946-BBD0-9610D0330FB1}"/>
               </a:ext>
             </a:extLst>
           </p:cNvPr>
@@ -6766,955 +6134,37 @@
           <a:p>
             <a:r>
               <a:rPr lang="en-US" dirty="0"/>
-              <a:t>What is Regression</a:t>
-            </a:r>
-          </a:p>
-        </p:txBody>
-      </p:sp>
-      <p:sp>
-        <p:nvSpPr>
-          <p:cNvPr id="3" name="Content Placeholder 2">
-            <a:extLst>
-              <a:ext uri="{FF2B5EF4-FFF2-40B4-BE49-F238E27FC236}">
-                <a16:creationId xmlns:a16="http://schemas.microsoft.com/office/drawing/2014/main" id="{1861F30C-45DC-FD46-AACD-3F4F734FB3BD}"/>
-              </a:ext>
-            </a:extLst>
-          </p:cNvPr>
-          <p:cNvSpPr>
-            <a:spLocks noGrp="1"/>
-          </p:cNvSpPr>
-          <p:nvPr>
-            <p:ph idx="1"/>
-          </p:nvPr>
+              <a:t>Prerequisites – Model assumptions</a:t>
+            </a:r>
+          </a:p>
+        </p:txBody>
+      </p:sp>
+      <p:sp>
+        <p:nvSpPr>
+          <p:cNvPr id="4" name="Content Placeholder 2">
+            <a:extLst>
+              <a:ext uri="{FF2B5EF4-FFF2-40B4-BE49-F238E27FC236}">
+                <a16:creationId xmlns:a16="http://schemas.microsoft.com/office/drawing/2014/main" id="{EA51E9D1-4CFB-7C4E-A0B2-5315320D4E20}"/>
+              </a:ext>
+            </a:extLst>
+          </p:cNvPr>
+          <p:cNvSpPr txBox="1">
+            <a:spLocks/>
+          </p:cNvSpPr>
+          <p:nvPr/>
         </p:nvSpPr>
         <p:spPr>
           <a:xfrm>
-            <a:off x="554804" y="1825625"/>
-            <a:ext cx="6390526" cy="4482708"/>
-          </a:xfrm>
-        </p:spPr>
-        <p:txBody>
-          <a:bodyPr>
-            <a:normAutofit/>
-          </a:bodyPr>
-          <a:lstStyle/>
-          <a:p>
-            <a:r>
-              <a:rPr lang="en-US" dirty="0"/>
-              <a:t>Assumes a linear relationship between input (x) and output (y)</a:t>
-            </a:r>
-          </a:p>
-          <a:p>
-            <a:endParaRPr lang="en-US" dirty="0"/>
-          </a:p>
-          <a:p>
-            <a:r>
-              <a:rPr lang="en-US" dirty="0"/>
-              <a:t>Simple vs multiple linear regression Base Algorithm – Ordinary Least Squares (OLS)</a:t>
-            </a:r>
-          </a:p>
-          <a:p>
-            <a:endParaRPr lang="en-US" dirty="0"/>
-          </a:p>
-          <a:p>
-            <a:r>
-              <a:rPr lang="en-US" dirty="0"/>
-              <a:t>Task is to assign a scaling factor (</a:t>
-            </a:r>
-            <a:r>
-              <a:rPr lang="el-GR" dirty="0"/>
-              <a:t>β</a:t>
-            </a:r>
-            <a:r>
-              <a:rPr lang="en-US" dirty="0"/>
-              <a:t>) for each predictor that minimizes some kind of error metric.</a:t>
-            </a:r>
-          </a:p>
-          <a:p>
-            <a:pPr marL="0" indent="0">
-              <a:buNone/>
-            </a:pPr>
-            <a:endParaRPr lang="en-US" dirty="0"/>
-          </a:p>
-        </p:txBody>
-      </p:sp>
-      <p:pic>
-        <p:nvPicPr>
-          <p:cNvPr id="7" name="Picture 6">
-            <a:extLst>
-              <a:ext uri="{FF2B5EF4-FFF2-40B4-BE49-F238E27FC236}">
-                <a16:creationId xmlns:a16="http://schemas.microsoft.com/office/drawing/2014/main" id="{6A66B1B4-BFEA-B344-93E4-FEFA6E0AF95C}"/>
-              </a:ext>
-            </a:extLst>
-          </p:cNvPr>
-          <p:cNvPicPr>
-            <a:picLocks noChangeAspect="1"/>
-          </p:cNvPicPr>
-          <p:nvPr/>
-        </p:nvPicPr>
-        <p:blipFill>
-          <a:blip r:embed="rId3"/>
-          <a:stretch>
-            <a:fillRect/>
-          </a:stretch>
-        </p:blipFill>
-        <p:spPr>
-          <a:xfrm>
-            <a:off x="6749077" y="0"/>
-            <a:ext cx="5166565" cy="6858000"/>
+            <a:off x="838200" y="1825625"/>
+            <a:ext cx="3281737" cy="3649889"/>
           </a:xfrm>
           <a:prstGeom prst="rect">
             <a:avLst/>
           </a:prstGeom>
         </p:spPr>
-      </p:pic>
-    </p:spTree>
-    <p:extLst>
-      <p:ext uri="{BB962C8B-B14F-4D97-AF65-F5344CB8AC3E}">
-        <p14:creationId xmlns:p14="http://schemas.microsoft.com/office/powerpoint/2010/main" val="407241649"/>
-      </p:ext>
-    </p:extLst>
-  </p:cSld>
-  <p:clrMapOvr>
-    <a:masterClrMapping/>
-  </p:clrMapOvr>
-</p:sld>
-</file>
-
-<file path=ppt/slides/slide5.xml><?xml version="1.0" encoding="utf-8"?>
-<p:sld xmlns:a="http://schemas.openxmlformats.org/drawingml/2006/main" xmlns:r="http://schemas.openxmlformats.org/officeDocument/2006/relationships" xmlns:p="http://schemas.openxmlformats.org/presentationml/2006/main">
-  <p:cSld>
-    <p:spTree>
-      <p:nvGrpSpPr>
-        <p:cNvPr id="1" name=""/>
-        <p:cNvGrpSpPr/>
-        <p:nvPr/>
-      </p:nvGrpSpPr>
-      <p:grpSpPr>
-        <a:xfrm>
-          <a:off x="0" y="0"/>
-          <a:ext cx="0" cy="0"/>
-          <a:chOff x="0" y="0"/>
-          <a:chExt cx="0" cy="0"/>
-        </a:xfrm>
-      </p:grpSpPr>
-      <p:sp>
-        <p:nvSpPr>
-          <p:cNvPr id="2" name="Title 1">
-            <a:extLst>
-              <a:ext uri="{FF2B5EF4-FFF2-40B4-BE49-F238E27FC236}">
-                <a16:creationId xmlns:a16="http://schemas.microsoft.com/office/drawing/2014/main" id="{04C2D2AD-1050-3E41-B9C8-81D982AE1D16}"/>
-              </a:ext>
-            </a:extLst>
-          </p:cNvPr>
-          <p:cNvSpPr>
-            <a:spLocks noGrp="1"/>
-          </p:cNvSpPr>
-          <p:nvPr>
-            <p:ph type="title"/>
-          </p:nvPr>
-        </p:nvSpPr>
-        <p:spPr/>
-        <p:txBody>
-          <a:bodyPr/>
-          <a:lstStyle/>
-          <a:p>
-            <a:r>
-              <a:rPr lang="en-US" dirty="0"/>
-              <a:t>Ordinary Least Squares</a:t>
-            </a:r>
-          </a:p>
-        </p:txBody>
-      </p:sp>
-      <p:sp>
-        <p:nvSpPr>
-          <p:cNvPr id="3" name="Content Placeholder 2">
-            <a:extLst>
-              <a:ext uri="{FF2B5EF4-FFF2-40B4-BE49-F238E27FC236}">
-                <a16:creationId xmlns:a16="http://schemas.microsoft.com/office/drawing/2014/main" id="{ADB3F44F-8C50-3C40-8083-8CD25E8B8045}"/>
-              </a:ext>
-            </a:extLst>
-          </p:cNvPr>
-          <p:cNvSpPr>
-            <a:spLocks noGrp="1"/>
-          </p:cNvSpPr>
-          <p:nvPr>
-            <p:ph idx="1"/>
-          </p:nvPr>
-        </p:nvSpPr>
-        <p:spPr>
-          <a:xfrm>
-            <a:off x="838200" y="1825625"/>
-            <a:ext cx="2963238" cy="4351338"/>
-          </a:xfrm>
-        </p:spPr>
-        <p:txBody>
-          <a:bodyPr/>
-          <a:lstStyle/>
-          <a:p>
-            <a:r>
-              <a:rPr lang="en-US" dirty="0"/>
-              <a:t>Minimize sum of squared residuals</a:t>
-            </a:r>
-          </a:p>
-        </p:txBody>
-      </p:sp>
-      <p:pic>
-        <p:nvPicPr>
-          <p:cNvPr id="5" name="Picture 4">
-            <a:extLst>
-              <a:ext uri="{FF2B5EF4-FFF2-40B4-BE49-F238E27FC236}">
-                <a16:creationId xmlns:a16="http://schemas.microsoft.com/office/drawing/2014/main" id="{0003123C-4EDA-4D46-9CC5-3AA8396148B3}"/>
-              </a:ext>
-            </a:extLst>
-          </p:cNvPr>
-          <p:cNvPicPr>
-            <a:picLocks noChangeAspect="1"/>
-          </p:cNvPicPr>
-          <p:nvPr/>
-        </p:nvPicPr>
-        <p:blipFill>
-          <a:blip r:embed="rId2"/>
-          <a:stretch>
-            <a:fillRect/>
-          </a:stretch>
-        </p:blipFill>
-        <p:spPr>
-          <a:xfrm>
-            <a:off x="4818580" y="1269447"/>
-            <a:ext cx="6832314" cy="5149478"/>
-          </a:xfrm>
-          <a:prstGeom prst="rect">
-            <a:avLst/>
-          </a:prstGeom>
-        </p:spPr>
-      </p:pic>
-      <p:pic>
-        <p:nvPicPr>
-          <p:cNvPr id="7" name="Picture 6">
-            <a:extLst>
-              <a:ext uri="{FF2B5EF4-FFF2-40B4-BE49-F238E27FC236}">
-                <a16:creationId xmlns:a16="http://schemas.microsoft.com/office/drawing/2014/main" id="{7C0A6983-348B-C74E-8E9D-6D0A81F07EB5}"/>
-              </a:ext>
-            </a:extLst>
-          </p:cNvPr>
-          <p:cNvPicPr>
-            <a:picLocks noChangeAspect="1"/>
-          </p:cNvPicPr>
-          <p:nvPr/>
-        </p:nvPicPr>
-        <p:blipFill>
-          <a:blip r:embed="rId3"/>
-          <a:stretch>
-            <a:fillRect/>
-          </a:stretch>
-        </p:blipFill>
-        <p:spPr>
-          <a:xfrm>
-            <a:off x="925818" y="2905839"/>
-            <a:ext cx="4026754" cy="1046322"/>
-          </a:xfrm>
-          <a:prstGeom prst="rect">
-            <a:avLst/>
-          </a:prstGeom>
-        </p:spPr>
-      </p:pic>
-      <p:sp>
-        <p:nvSpPr>
-          <p:cNvPr id="8" name="Rectangle 7">
-            <a:extLst>
-              <a:ext uri="{FF2B5EF4-FFF2-40B4-BE49-F238E27FC236}">
-                <a16:creationId xmlns:a16="http://schemas.microsoft.com/office/drawing/2014/main" id="{7C6FE0A9-B53A-D048-8FC9-EAD7ABB2DE9F}"/>
-              </a:ext>
-            </a:extLst>
-          </p:cNvPr>
-          <p:cNvSpPr/>
-          <p:nvPr/>
-        </p:nvSpPr>
-        <p:spPr>
-          <a:xfrm>
-            <a:off x="838200" y="4222845"/>
-            <a:ext cx="4350249" cy="1477328"/>
-          </a:xfrm>
-          <a:prstGeom prst="rect">
-            <a:avLst/>
-          </a:prstGeom>
-        </p:spPr>
-        <p:txBody>
-          <a:bodyPr wrap="square">
-            <a:spAutoFit/>
-          </a:bodyPr>
-          <a:lstStyle/>
-          <a:p>
-            <a:r>
-              <a:rPr lang="en-US" b="1" dirty="0"/>
-              <a:t>Implemented in </a:t>
-            </a:r>
-            <a:r>
-              <a:rPr lang="en-US" b="1" dirty="0" err="1"/>
-              <a:t>sklearn</a:t>
-            </a:r>
-            <a:r>
-              <a:rPr lang="en-US" b="1" dirty="0"/>
-              <a:t> as </a:t>
-            </a:r>
-          </a:p>
-          <a:p>
-            <a:r>
-              <a:rPr lang="en-US" b="1" dirty="0" err="1"/>
-              <a:t>sklearn.linear_model.LinearRegression</a:t>
-            </a:r>
-            <a:r>
-              <a:rPr lang="en-US" dirty="0">
-                <a:solidFill>
-                  <a:srgbClr val="212529"/>
-                </a:solidFill>
-                <a:latin typeface="-apple-system"/>
-              </a:rPr>
-              <a:t>(</a:t>
-            </a:r>
-          </a:p>
-          <a:p>
-            <a:r>
-              <a:rPr lang="en-US" i="1" dirty="0" err="1">
-                <a:solidFill>
-                  <a:srgbClr val="212529"/>
-                </a:solidFill>
-                <a:latin typeface="-apple-system"/>
-              </a:rPr>
-              <a:t>fit_intercept</a:t>
-            </a:r>
-            <a:r>
-              <a:rPr lang="en-US" i="1" dirty="0">
-                <a:solidFill>
-                  <a:srgbClr val="212529"/>
-                </a:solidFill>
-                <a:latin typeface="-apple-system"/>
-              </a:rPr>
-              <a:t>=True</a:t>
-            </a:r>
-            <a:r>
-              <a:rPr lang="en-US" dirty="0">
-                <a:solidFill>
-                  <a:srgbClr val="212529"/>
-                </a:solidFill>
-                <a:latin typeface="-apple-system"/>
-              </a:rPr>
-              <a:t>, </a:t>
-            </a:r>
-            <a:r>
-              <a:rPr lang="en-US" i="1" dirty="0">
-                <a:solidFill>
-                  <a:srgbClr val="212529"/>
-                </a:solidFill>
-                <a:latin typeface="-apple-system"/>
-              </a:rPr>
-              <a:t>normalize=False</a:t>
-            </a:r>
-            <a:r>
-              <a:rPr lang="en-US" dirty="0">
-                <a:solidFill>
-                  <a:srgbClr val="212529"/>
-                </a:solidFill>
-                <a:latin typeface="-apple-system"/>
-              </a:rPr>
-              <a:t>)</a:t>
-            </a:r>
-            <a:br>
-              <a:rPr lang="en-US" dirty="0">
-                <a:solidFill>
-                  <a:srgbClr val="C60F0F"/>
-                </a:solidFill>
-                <a:latin typeface="-apple-system"/>
-                <a:hlinkClick r:id="rId4" tooltip="Permalink to this definition"/>
-              </a:rPr>
-            </a:br>
-            <a:endParaRPr lang="en-US" dirty="0">
-              <a:solidFill>
-                <a:srgbClr val="C60F0F"/>
-              </a:solidFill>
-              <a:latin typeface="-apple-system"/>
-            </a:endParaRPr>
-          </a:p>
-          <a:p>
-            <a:r>
-              <a:rPr lang="en-US" dirty="0">
-                <a:solidFill>
-                  <a:srgbClr val="C60F0F"/>
-                </a:solidFill>
-                <a:latin typeface="-apple-system"/>
-              </a:rPr>
-              <a:t>Normalization = mean center / L2norm</a:t>
-            </a:r>
-            <a:endParaRPr lang="en-US" dirty="0"/>
-          </a:p>
-        </p:txBody>
-      </p:sp>
-    </p:spTree>
-    <p:extLst>
-      <p:ext uri="{BB962C8B-B14F-4D97-AF65-F5344CB8AC3E}">
-        <p14:creationId xmlns:p14="http://schemas.microsoft.com/office/powerpoint/2010/main" val="1782645455"/>
-      </p:ext>
-    </p:extLst>
-  </p:cSld>
-  <p:clrMapOvr>
-    <a:masterClrMapping/>
-  </p:clrMapOvr>
-</p:sld>
-</file>
-
-<file path=ppt/slides/slide6.xml><?xml version="1.0" encoding="utf-8"?>
-<p:sld xmlns:a="http://schemas.openxmlformats.org/drawingml/2006/main" xmlns:r="http://schemas.openxmlformats.org/officeDocument/2006/relationships" xmlns:p="http://schemas.openxmlformats.org/presentationml/2006/main">
-  <p:cSld>
-    <p:spTree>
-      <p:nvGrpSpPr>
-        <p:cNvPr id="1" name=""/>
-        <p:cNvGrpSpPr/>
-        <p:nvPr/>
-      </p:nvGrpSpPr>
-      <p:grpSpPr>
-        <a:xfrm>
-          <a:off x="0" y="0"/>
-          <a:ext cx="0" cy="0"/>
-          <a:chOff x="0" y="0"/>
-          <a:chExt cx="0" cy="0"/>
-        </a:xfrm>
-      </p:grpSpPr>
-      <p:sp>
-        <p:nvSpPr>
-          <p:cNvPr id="2" name="Title 1">
-            <a:extLst>
-              <a:ext uri="{FF2B5EF4-FFF2-40B4-BE49-F238E27FC236}">
-                <a16:creationId xmlns:a16="http://schemas.microsoft.com/office/drawing/2014/main" id="{40A3A371-2C21-6542-92DE-70243B4E9A01}"/>
-              </a:ext>
-            </a:extLst>
-          </p:cNvPr>
-          <p:cNvSpPr>
-            <a:spLocks noGrp="1"/>
-          </p:cNvSpPr>
-          <p:nvPr>
-            <p:ph type="title"/>
-          </p:nvPr>
-        </p:nvSpPr>
-        <p:spPr/>
-        <p:txBody>
-          <a:bodyPr/>
-          <a:lstStyle/>
-          <a:p>
-            <a:r>
-              <a:rPr lang="en-US" dirty="0"/>
-              <a:t>L2 - Normalization</a:t>
-            </a:r>
-          </a:p>
-        </p:txBody>
-      </p:sp>
-      <p:sp>
-        <p:nvSpPr>
-          <p:cNvPr id="3" name="Content Placeholder 2">
-            <a:extLst>
-              <a:ext uri="{FF2B5EF4-FFF2-40B4-BE49-F238E27FC236}">
-                <a16:creationId xmlns:a16="http://schemas.microsoft.com/office/drawing/2014/main" id="{C33C2A0A-5413-D54A-A14A-6F4B3FCE1C15}"/>
-              </a:ext>
-            </a:extLst>
-          </p:cNvPr>
-          <p:cNvSpPr>
-            <a:spLocks noGrp="1"/>
-          </p:cNvSpPr>
-          <p:nvPr>
-            <p:ph idx="1"/>
-          </p:nvPr>
-        </p:nvSpPr>
-        <p:spPr/>
-        <p:txBody>
-          <a:bodyPr/>
-          <a:lstStyle/>
-          <a:p>
-            <a:r>
-              <a:rPr lang="en-US" dirty="0"/>
-              <a:t>From P normalization</a:t>
-            </a:r>
-          </a:p>
-          <a:p>
-            <a:pPr marL="0" indent="0">
-              <a:buNone/>
-            </a:pPr>
-            <a:endParaRPr lang="en-US" dirty="0"/>
-          </a:p>
-          <a:p>
-            <a:endParaRPr lang="en-US" dirty="0"/>
-          </a:p>
-          <a:p>
-            <a:endParaRPr lang="en-US" dirty="0"/>
-          </a:p>
-          <a:p>
-            <a:r>
-              <a:rPr lang="en-US" dirty="0"/>
-              <a:t>Where L2 (aka </a:t>
-            </a:r>
-            <a:r>
-              <a:rPr lang="en-US" dirty="0" err="1"/>
-              <a:t>Eucledian</a:t>
-            </a:r>
-            <a:r>
-              <a:rPr lang="en-US" dirty="0"/>
-              <a:t> normalization) is when p=2.</a:t>
-            </a:r>
-          </a:p>
-          <a:p>
-            <a:r>
-              <a:rPr lang="en-US" dirty="0"/>
-              <a:t>L1 normalization is when p=1</a:t>
-            </a:r>
-          </a:p>
-          <a:p>
-            <a:r>
-              <a:rPr lang="en-US" dirty="0"/>
-              <a:t>(Less common) - L0 is special case that counts number of nonzero x’s</a:t>
-            </a:r>
-          </a:p>
-        </p:txBody>
-      </p:sp>
-      <p:pic>
-        <p:nvPicPr>
-          <p:cNvPr id="5" name="Picture 4">
-            <a:extLst>
-              <a:ext uri="{FF2B5EF4-FFF2-40B4-BE49-F238E27FC236}">
-                <a16:creationId xmlns:a16="http://schemas.microsoft.com/office/drawing/2014/main" id="{2BEB9174-72D3-F543-82A2-BA55D51EC893}"/>
-              </a:ext>
-            </a:extLst>
-          </p:cNvPr>
-          <p:cNvPicPr>
-            <a:picLocks noChangeAspect="1"/>
-          </p:cNvPicPr>
-          <p:nvPr/>
-        </p:nvPicPr>
-        <p:blipFill>
-          <a:blip r:embed="rId2"/>
-          <a:stretch>
-            <a:fillRect/>
-          </a:stretch>
-        </p:blipFill>
-        <p:spPr>
-          <a:xfrm>
-            <a:off x="2705100" y="1943181"/>
-            <a:ext cx="6781800" cy="1993900"/>
-          </a:xfrm>
-          <a:prstGeom prst="rect">
-            <a:avLst/>
-          </a:prstGeom>
-        </p:spPr>
-      </p:pic>
-    </p:spTree>
-    <p:extLst>
-      <p:ext uri="{BB962C8B-B14F-4D97-AF65-F5344CB8AC3E}">
-        <p14:creationId xmlns:p14="http://schemas.microsoft.com/office/powerpoint/2010/main" val="1640922554"/>
-      </p:ext>
-    </p:extLst>
-  </p:cSld>
-  <p:clrMapOvr>
-    <a:masterClrMapping/>
-  </p:clrMapOvr>
-</p:sld>
-</file>
-
-<file path=ppt/slides/slide7.xml><?xml version="1.0" encoding="utf-8"?>
-<p:sld xmlns:a="http://schemas.openxmlformats.org/drawingml/2006/main" xmlns:r="http://schemas.openxmlformats.org/officeDocument/2006/relationships" xmlns:p="http://schemas.openxmlformats.org/presentationml/2006/main">
-  <p:cSld>
-    <p:spTree>
-      <p:nvGrpSpPr>
-        <p:cNvPr id="1" name=""/>
-        <p:cNvGrpSpPr/>
-        <p:nvPr/>
-      </p:nvGrpSpPr>
-      <p:grpSpPr>
-        <a:xfrm>
-          <a:off x="0" y="0"/>
-          <a:ext cx="0" cy="0"/>
-          <a:chOff x="0" y="0"/>
-          <a:chExt cx="0" cy="0"/>
-        </a:xfrm>
-      </p:grpSpPr>
-      <p:sp>
-        <p:nvSpPr>
-          <p:cNvPr id="2" name="Title 1">
-            <a:extLst>
-              <a:ext uri="{FF2B5EF4-FFF2-40B4-BE49-F238E27FC236}">
-                <a16:creationId xmlns:a16="http://schemas.microsoft.com/office/drawing/2014/main" id="{D91B2FAD-3089-8E4E-8085-BA06EBB7DC01}"/>
-              </a:ext>
-            </a:extLst>
-          </p:cNvPr>
-          <p:cNvSpPr>
-            <a:spLocks noGrp="1"/>
-          </p:cNvSpPr>
-          <p:nvPr>
-            <p:ph type="title"/>
-          </p:nvPr>
-        </p:nvSpPr>
-        <p:spPr/>
-        <p:txBody>
-          <a:bodyPr/>
-          <a:lstStyle/>
-          <a:p>
-            <a:r>
-              <a:rPr lang="en-US" dirty="0"/>
-              <a:t>Gradient Decent with regularization</a:t>
-            </a:r>
-          </a:p>
-        </p:txBody>
-      </p:sp>
-      <p:pic>
-        <p:nvPicPr>
-          <p:cNvPr id="5" name="Picture 4">
-            <a:extLst>
-              <a:ext uri="{FF2B5EF4-FFF2-40B4-BE49-F238E27FC236}">
-                <a16:creationId xmlns:a16="http://schemas.microsoft.com/office/drawing/2014/main" id="{C525E65E-5420-EE4C-BE2F-7DA9BEB668F4}"/>
-              </a:ext>
-            </a:extLst>
-          </p:cNvPr>
-          <p:cNvPicPr>
-            <a:picLocks noChangeAspect="1"/>
-          </p:cNvPicPr>
-          <p:nvPr/>
-        </p:nvPicPr>
-        <p:blipFill>
-          <a:blip r:embed="rId2"/>
-          <a:stretch>
-            <a:fillRect/>
-          </a:stretch>
-        </p:blipFill>
-        <p:spPr>
-          <a:xfrm>
-            <a:off x="4631733" y="2283431"/>
-            <a:ext cx="7560267" cy="4541178"/>
-          </a:xfrm>
-          <a:prstGeom prst="rect">
-            <a:avLst/>
-          </a:prstGeom>
-        </p:spPr>
-      </p:pic>
-      <p:sp>
-        <p:nvSpPr>
-          <p:cNvPr id="3" name="Content Placeholder 2">
-            <a:extLst>
-              <a:ext uri="{FF2B5EF4-FFF2-40B4-BE49-F238E27FC236}">
-                <a16:creationId xmlns:a16="http://schemas.microsoft.com/office/drawing/2014/main" id="{445CA731-9DC5-5443-A1D0-7D106EDE7ABA}"/>
-              </a:ext>
-            </a:extLst>
-          </p:cNvPr>
-          <p:cNvSpPr>
-            <a:spLocks noGrp="1"/>
-          </p:cNvSpPr>
-          <p:nvPr>
-            <p:ph idx="1"/>
-          </p:nvPr>
-        </p:nvSpPr>
-        <p:spPr>
-          <a:xfrm>
-            <a:off x="838200" y="1825625"/>
-            <a:ext cx="4329701" cy="4351338"/>
-          </a:xfrm>
-        </p:spPr>
-        <p:txBody>
-          <a:bodyPr/>
-          <a:lstStyle/>
-          <a:p>
-            <a:r>
-              <a:rPr lang="en-US" dirty="0"/>
-              <a:t>Iteratively minimize Error (SSR) from a random initial configuration</a:t>
-            </a:r>
-          </a:p>
-          <a:p>
-            <a:endParaRPr lang="en-US" dirty="0"/>
-          </a:p>
-          <a:p>
-            <a:r>
-              <a:rPr lang="el-GR" dirty="0"/>
-              <a:t>α </a:t>
-            </a:r>
-            <a:r>
-              <a:rPr lang="en-US" dirty="0"/>
-              <a:t>is the learning rate</a:t>
-            </a:r>
-            <a:endParaRPr lang="el-GR" dirty="0"/>
-          </a:p>
-          <a:p>
-            <a:r>
-              <a:rPr lang="el-GR" dirty="0"/>
-              <a:t>λ</a:t>
-            </a:r>
-            <a:r>
-              <a:rPr lang="en-US" dirty="0"/>
-              <a:t> is the regularization </a:t>
-            </a:r>
-            <a:r>
-              <a:rPr lang="en-US" dirty="0" err="1"/>
-              <a:t>coef</a:t>
-            </a:r>
-            <a:endParaRPr lang="el-GR" dirty="0"/>
-          </a:p>
-          <a:p>
-            <a:r>
-              <a:rPr lang="en-US" dirty="0"/>
-              <a:t>p is the L-norm number</a:t>
-            </a:r>
-          </a:p>
-        </p:txBody>
-      </p:sp>
-    </p:spTree>
-    <p:extLst>
-      <p:ext uri="{BB962C8B-B14F-4D97-AF65-F5344CB8AC3E}">
-        <p14:creationId xmlns:p14="http://schemas.microsoft.com/office/powerpoint/2010/main" val="780313209"/>
-      </p:ext>
-    </p:extLst>
-  </p:cSld>
-  <p:clrMapOvr>
-    <a:masterClrMapping/>
-  </p:clrMapOvr>
-</p:sld>
-</file>
-
-<file path=ppt/slides/slide8.xml><?xml version="1.0" encoding="utf-8"?>
-<p:sld xmlns:a="http://schemas.openxmlformats.org/drawingml/2006/main" xmlns:r="http://schemas.openxmlformats.org/officeDocument/2006/relationships" xmlns:p="http://schemas.openxmlformats.org/presentationml/2006/main">
-  <p:cSld>
-    <p:spTree>
-      <p:nvGrpSpPr>
-        <p:cNvPr id="1" name=""/>
-        <p:cNvGrpSpPr/>
-        <p:nvPr/>
-      </p:nvGrpSpPr>
-      <p:grpSpPr>
-        <a:xfrm>
-          <a:off x="0" y="0"/>
-          <a:ext cx="0" cy="0"/>
-          <a:chOff x="0" y="0"/>
-          <a:chExt cx="0" cy="0"/>
-        </a:xfrm>
-      </p:grpSpPr>
-      <p:sp>
-        <p:nvSpPr>
-          <p:cNvPr id="2" name="Title 1">
-            <a:extLst>
-              <a:ext uri="{FF2B5EF4-FFF2-40B4-BE49-F238E27FC236}">
-                <a16:creationId xmlns:a16="http://schemas.microsoft.com/office/drawing/2014/main" id="{03571D6B-F590-0447-A415-ED7831F0625C}"/>
-              </a:ext>
-            </a:extLst>
-          </p:cNvPr>
-          <p:cNvSpPr>
-            <a:spLocks noGrp="1"/>
-          </p:cNvSpPr>
-          <p:nvPr>
-            <p:ph type="title"/>
-          </p:nvPr>
-        </p:nvSpPr>
-        <p:spPr/>
-        <p:txBody>
-          <a:bodyPr/>
-          <a:lstStyle/>
-          <a:p>
-            <a:r>
-              <a:rPr lang="en-US" dirty="0"/>
-              <a:t>Ridge Regression</a:t>
-            </a:r>
-          </a:p>
-        </p:txBody>
-      </p:sp>
-      <p:sp>
-        <p:nvSpPr>
-          <p:cNvPr id="3" name="Content Placeholder 2">
-            <a:extLst>
-              <a:ext uri="{FF2B5EF4-FFF2-40B4-BE49-F238E27FC236}">
-                <a16:creationId xmlns:a16="http://schemas.microsoft.com/office/drawing/2014/main" id="{CB2EB37B-243D-5148-9B8A-CF4F2ABB8DB9}"/>
-              </a:ext>
-            </a:extLst>
-          </p:cNvPr>
-          <p:cNvSpPr>
-            <a:spLocks noGrp="1"/>
-          </p:cNvSpPr>
-          <p:nvPr>
-            <p:ph idx="1"/>
-          </p:nvPr>
-        </p:nvSpPr>
-        <p:spPr>
-          <a:xfrm>
-            <a:off x="838200" y="1825625"/>
-            <a:ext cx="3281737" cy="4421063"/>
-          </a:xfrm>
-        </p:spPr>
-        <p:txBody>
-          <a:bodyPr>
-            <a:normAutofit lnSpcReduction="10000"/>
-          </a:bodyPr>
-          <a:lstStyle/>
-          <a:p>
-            <a:r>
-              <a:rPr lang="en-US" dirty="0"/>
-              <a:t>OLS with L2 normalization</a:t>
-            </a:r>
-          </a:p>
-          <a:p>
-            <a:endParaRPr lang="en-US" dirty="0"/>
-          </a:p>
-          <a:p>
-            <a:r>
-              <a:rPr lang="en-US" dirty="0"/>
-              <a:t>Overcomes issues with correlated inputs x  (collinearities)</a:t>
-            </a:r>
-          </a:p>
-          <a:p>
-            <a:endParaRPr lang="en-US" dirty="0"/>
-          </a:p>
-          <a:p>
-            <a:r>
-              <a:rPr lang="en-US" dirty="0"/>
-              <a:t>Addresses Bias-Variance tradeoff</a:t>
-            </a:r>
-          </a:p>
-        </p:txBody>
-      </p:sp>
-      <p:pic>
-        <p:nvPicPr>
-          <p:cNvPr id="5" name="Picture 4">
-            <a:extLst>
-              <a:ext uri="{FF2B5EF4-FFF2-40B4-BE49-F238E27FC236}">
-                <a16:creationId xmlns:a16="http://schemas.microsoft.com/office/drawing/2014/main" id="{0A86D6C1-7824-944D-96C7-A9364663D007}"/>
-              </a:ext>
-            </a:extLst>
-          </p:cNvPr>
-          <p:cNvPicPr>
-            <a:picLocks noChangeAspect="1"/>
-          </p:cNvPicPr>
-          <p:nvPr/>
-        </p:nvPicPr>
-        <p:blipFill>
-          <a:blip r:embed="rId2"/>
-          <a:stretch>
-            <a:fillRect/>
-          </a:stretch>
-        </p:blipFill>
-        <p:spPr>
-          <a:xfrm>
-            <a:off x="7461076" y="41364"/>
-            <a:ext cx="4607634" cy="3298647"/>
-          </a:xfrm>
-          <a:prstGeom prst="rect">
-            <a:avLst/>
-          </a:prstGeom>
-        </p:spPr>
-      </p:pic>
-      <p:pic>
-        <p:nvPicPr>
-          <p:cNvPr id="7" name="Picture 6">
-            <a:extLst>
-              <a:ext uri="{FF2B5EF4-FFF2-40B4-BE49-F238E27FC236}">
-                <a16:creationId xmlns:a16="http://schemas.microsoft.com/office/drawing/2014/main" id="{AECB1315-95A9-F448-849A-13444A5B098A}"/>
-              </a:ext>
-            </a:extLst>
-          </p:cNvPr>
-          <p:cNvPicPr>
-            <a:picLocks noChangeAspect="1"/>
-          </p:cNvPicPr>
-          <p:nvPr/>
-        </p:nvPicPr>
-        <p:blipFill>
-          <a:blip r:embed="rId3"/>
-          <a:stretch>
-            <a:fillRect/>
-          </a:stretch>
-        </p:blipFill>
-        <p:spPr>
-          <a:xfrm>
-            <a:off x="3955128" y="1402422"/>
-            <a:ext cx="7011896" cy="5720661"/>
-          </a:xfrm>
-          <a:prstGeom prst="rect">
-            <a:avLst/>
-          </a:prstGeom>
-        </p:spPr>
-      </p:pic>
-    </p:spTree>
-    <p:extLst>
-      <p:ext uri="{BB962C8B-B14F-4D97-AF65-F5344CB8AC3E}">
-        <p14:creationId xmlns:p14="http://schemas.microsoft.com/office/powerpoint/2010/main" val="1468358828"/>
-      </p:ext>
-    </p:extLst>
-  </p:cSld>
-  <p:clrMapOvr>
-    <a:masterClrMapping/>
-  </p:clrMapOvr>
-</p:sld>
-</file>
-
-<file path=ppt/slides/slide9.xml><?xml version="1.0" encoding="utf-8"?>
-<p:sld xmlns:a="http://schemas.openxmlformats.org/drawingml/2006/main" xmlns:r="http://schemas.openxmlformats.org/officeDocument/2006/relationships" xmlns:p="http://schemas.openxmlformats.org/presentationml/2006/main">
-  <p:cSld>
-    <p:spTree>
-      <p:nvGrpSpPr>
-        <p:cNvPr id="1" name=""/>
-        <p:cNvGrpSpPr/>
-        <p:nvPr/>
-      </p:nvGrpSpPr>
-      <p:grpSpPr>
-        <a:xfrm>
-          <a:off x="0" y="0"/>
-          <a:ext cx="0" cy="0"/>
-          <a:chOff x="0" y="0"/>
-          <a:chExt cx="0" cy="0"/>
-        </a:xfrm>
-      </p:grpSpPr>
-      <p:sp>
-        <p:nvSpPr>
-          <p:cNvPr id="2" name="Title 1">
-            <a:extLst>
-              <a:ext uri="{FF2B5EF4-FFF2-40B4-BE49-F238E27FC236}">
-                <a16:creationId xmlns:a16="http://schemas.microsoft.com/office/drawing/2014/main" id="{22991F42-367B-B948-AAED-2F0212B0F655}"/>
-              </a:ext>
-            </a:extLst>
-          </p:cNvPr>
-          <p:cNvSpPr>
-            <a:spLocks noGrp="1"/>
-          </p:cNvSpPr>
-          <p:nvPr>
-            <p:ph type="title"/>
-          </p:nvPr>
-        </p:nvSpPr>
-        <p:spPr/>
-        <p:txBody>
-          <a:bodyPr/>
-          <a:lstStyle/>
-          <a:p>
-            <a:r>
-              <a:rPr lang="en-US" dirty="0"/>
-              <a:t>LASSO</a:t>
-            </a:r>
-          </a:p>
-        </p:txBody>
-      </p:sp>
-      <p:sp>
-        <p:nvSpPr>
-          <p:cNvPr id="4" name="Content Placeholder 2">
-            <a:extLst>
-              <a:ext uri="{FF2B5EF4-FFF2-40B4-BE49-F238E27FC236}">
-                <a16:creationId xmlns:a16="http://schemas.microsoft.com/office/drawing/2014/main" id="{0D3998DF-3119-D345-BA00-18C933F03DFA}"/>
-              </a:ext>
-            </a:extLst>
-          </p:cNvPr>
-          <p:cNvSpPr txBox="1">
-            <a:spLocks/>
-          </p:cNvSpPr>
-          <p:nvPr/>
-        </p:nvSpPr>
-        <p:spPr>
-          <a:xfrm>
-            <a:off x="838200" y="1825625"/>
-            <a:ext cx="3281737" cy="4421063"/>
-          </a:xfrm>
-          <a:prstGeom prst="rect">
-            <a:avLst/>
-          </a:prstGeom>
-        </p:spPr>
         <p:txBody>
           <a:bodyPr vert="horz" lIns="91440" tIns="45720" rIns="91440" bIns="45720" rtlCol="0">
-            <a:normAutofit fontScale="85000" lnSpcReduction="20000"/>
+            <a:normAutofit/>
           </a:bodyPr>
           <a:lstStyle>
             <a:lvl1pPr marL="228600" indent="-228600" algn="l" defTabSz="914400" rtl="0" eaLnBrk="1" latinLnBrk="0" hangingPunct="1">
@@ -7881,9 +6331,12 @@
             </a:lvl9pPr>
           </a:lstStyle>
           <a:p>
+            <a:endParaRPr lang="en-US" dirty="0"/>
+          </a:p>
+          <a:p>
             <a:r>
               <a:rPr lang="en-US" dirty="0"/>
-              <a:t>Least absolute shrinkage &amp; selection operator</a:t>
+              <a:t>IID - Independent and identically distributed</a:t>
             </a:r>
           </a:p>
           <a:p>
@@ -7892,35 +6345,2730 @@
           <a:p>
             <a:r>
               <a:rPr lang="en-US" dirty="0"/>
-              <a:t>OLS with L1 normalization</a:t>
-            </a:r>
-          </a:p>
-          <a:p>
+              <a:t>Normally distributed data</a:t>
+            </a:r>
+          </a:p>
+          <a:p>
+            <a:pPr marL="0" indent="0">
+              <a:buNone/>
+            </a:pPr>
             <a:endParaRPr lang="en-US" dirty="0"/>
           </a:p>
           <a:p>
-            <a:r>
-              <a:rPr lang="en-US" dirty="0"/>
-              <a:t>Tends to collapse coefficients to zero</a:t>
-            </a:r>
-          </a:p>
-          <a:p>
             <a:endParaRPr lang="en-US" dirty="0"/>
-          </a:p>
-          <a:p>
-            <a:r>
-              <a:rPr lang="en-US" dirty="0"/>
-              <a:t>Will select one feature when predictors are correlated </a:t>
-            </a:r>
           </a:p>
         </p:txBody>
       </p:sp>
       <p:pic>
         <p:nvPicPr>
-          <p:cNvPr id="8" name="Picture 7">
-            <a:extLst>
-              <a:ext uri="{FF2B5EF4-FFF2-40B4-BE49-F238E27FC236}">
-                <a16:creationId xmlns:a16="http://schemas.microsoft.com/office/drawing/2014/main" id="{E757A10E-9575-BB4B-843E-29BF32BD175B}"/>
+          <p:cNvPr id="6" name="Picture 5">
+            <a:extLst>
+              <a:ext uri="{FF2B5EF4-FFF2-40B4-BE49-F238E27FC236}">
+                <a16:creationId xmlns:a16="http://schemas.microsoft.com/office/drawing/2014/main" id="{0FBDA770-3F3D-1847-A948-20FC31ACE519}"/>
+              </a:ext>
+            </a:extLst>
+          </p:cNvPr>
+          <p:cNvPicPr>
+            <a:picLocks noChangeAspect="1"/>
+          </p:cNvPicPr>
+          <p:nvPr/>
+        </p:nvPicPr>
+        <p:blipFill>
+          <a:blip r:embed="rId3"/>
+          <a:stretch>
+            <a:fillRect/>
+          </a:stretch>
+        </p:blipFill>
+        <p:spPr>
+          <a:xfrm>
+            <a:off x="3983424" y="1230086"/>
+            <a:ext cx="8208576" cy="4560320"/>
+          </a:xfrm>
+          <a:prstGeom prst="rect">
+            <a:avLst/>
+          </a:prstGeom>
+        </p:spPr>
+      </p:pic>
+    </p:spTree>
+    <p:extLst>
+      <p:ext uri="{BB962C8B-B14F-4D97-AF65-F5344CB8AC3E}">
+        <p14:creationId xmlns:p14="http://schemas.microsoft.com/office/powerpoint/2010/main" val="2208994086"/>
+      </p:ext>
+    </p:extLst>
+  </p:cSld>
+  <p:clrMapOvr>
+    <a:masterClrMapping/>
+  </p:clrMapOvr>
+</p:sld>
+</file>
+
+<file path=ppt/slides/slide15.xml><?xml version="1.0" encoding="utf-8"?>
+<p:sld xmlns:a="http://schemas.openxmlformats.org/drawingml/2006/main" xmlns:r="http://schemas.openxmlformats.org/officeDocument/2006/relationships" xmlns:p="http://schemas.openxmlformats.org/presentationml/2006/main">
+  <p:cSld>
+    <p:spTree>
+      <p:nvGrpSpPr>
+        <p:cNvPr id="1" name=""/>
+        <p:cNvGrpSpPr/>
+        <p:nvPr/>
+      </p:nvGrpSpPr>
+      <p:grpSpPr>
+        <a:xfrm>
+          <a:off x="0" y="0"/>
+          <a:ext cx="0" cy="0"/>
+          <a:chOff x="0" y="0"/>
+          <a:chExt cx="0" cy="0"/>
+        </a:xfrm>
+      </p:grpSpPr>
+      <p:sp>
+        <p:nvSpPr>
+          <p:cNvPr id="2" name="Title 1">
+            <a:extLst>
+              <a:ext uri="{FF2B5EF4-FFF2-40B4-BE49-F238E27FC236}">
+                <a16:creationId xmlns:a16="http://schemas.microsoft.com/office/drawing/2014/main" id="{B755664F-C07C-CF4D-802A-582A0917A0A0}"/>
+              </a:ext>
+            </a:extLst>
+          </p:cNvPr>
+          <p:cNvSpPr>
+            <a:spLocks noGrp="1"/>
+          </p:cNvSpPr>
+          <p:nvPr>
+            <p:ph type="title"/>
+          </p:nvPr>
+        </p:nvSpPr>
+        <p:spPr/>
+        <p:txBody>
+          <a:bodyPr/>
+          <a:lstStyle/>
+          <a:p>
+            <a:r>
+              <a:rPr lang="en-US" dirty="0"/>
+              <a:t>Prerequisites – Model assumptions</a:t>
+            </a:r>
+          </a:p>
+        </p:txBody>
+      </p:sp>
+      <p:sp>
+        <p:nvSpPr>
+          <p:cNvPr id="5" name="Content Placeholder 2">
+            <a:extLst>
+              <a:ext uri="{FF2B5EF4-FFF2-40B4-BE49-F238E27FC236}">
+                <a16:creationId xmlns:a16="http://schemas.microsoft.com/office/drawing/2014/main" id="{037CC564-ACA2-104F-B96C-D09F18EC8C4A}"/>
+              </a:ext>
+            </a:extLst>
+          </p:cNvPr>
+          <p:cNvSpPr txBox="1">
+            <a:spLocks/>
+          </p:cNvSpPr>
+          <p:nvPr/>
+        </p:nvSpPr>
+        <p:spPr>
+          <a:xfrm>
+            <a:off x="838200" y="1825625"/>
+            <a:ext cx="3281737" cy="4421063"/>
+          </a:xfrm>
+          <a:prstGeom prst="rect">
+            <a:avLst/>
+          </a:prstGeom>
+        </p:spPr>
+        <p:txBody>
+          <a:bodyPr vert="horz" lIns="91440" tIns="45720" rIns="91440" bIns="45720" rtlCol="0">
+            <a:normAutofit fontScale="92500" lnSpcReduction="10000"/>
+          </a:bodyPr>
+          <a:lstStyle>
+            <a:lvl1pPr marL="228600" indent="-228600" algn="l" defTabSz="914400" rtl="0" eaLnBrk="1" latinLnBrk="0" hangingPunct="1">
+              <a:lnSpc>
+                <a:spcPct val="90000"/>
+              </a:lnSpc>
+              <a:spcBef>
+                <a:spcPts val="1000"/>
+              </a:spcBef>
+              <a:buFont typeface="Arial" panose="020B0604020202020204" pitchFamily="34" charset="0"/>
+              <a:buChar char="•"/>
+              <a:defRPr sz="2800" kern="1200">
+                <a:solidFill>
+                  <a:schemeClr val="tx1"/>
+                </a:solidFill>
+                <a:latin typeface="+mn-lt"/>
+                <a:ea typeface="+mn-ea"/>
+                <a:cs typeface="+mn-cs"/>
+              </a:defRPr>
+            </a:lvl1pPr>
+            <a:lvl2pPr marL="685800" indent="-228600" algn="l" defTabSz="914400" rtl="0" eaLnBrk="1" latinLnBrk="0" hangingPunct="1">
+              <a:lnSpc>
+                <a:spcPct val="90000"/>
+              </a:lnSpc>
+              <a:spcBef>
+                <a:spcPts val="500"/>
+              </a:spcBef>
+              <a:buFont typeface="Arial" panose="020B0604020202020204" pitchFamily="34" charset="0"/>
+              <a:buChar char="•"/>
+              <a:defRPr sz="2400" kern="1200">
+                <a:solidFill>
+                  <a:schemeClr val="tx1"/>
+                </a:solidFill>
+                <a:latin typeface="+mn-lt"/>
+                <a:ea typeface="+mn-ea"/>
+                <a:cs typeface="+mn-cs"/>
+              </a:defRPr>
+            </a:lvl2pPr>
+            <a:lvl3pPr marL="1143000" indent="-228600" algn="l" defTabSz="914400" rtl="0" eaLnBrk="1" latinLnBrk="0" hangingPunct="1">
+              <a:lnSpc>
+                <a:spcPct val="90000"/>
+              </a:lnSpc>
+              <a:spcBef>
+                <a:spcPts val="500"/>
+              </a:spcBef>
+              <a:buFont typeface="Arial" panose="020B0604020202020204" pitchFamily="34" charset="0"/>
+              <a:buChar char="•"/>
+              <a:defRPr sz="2000" kern="1200">
+                <a:solidFill>
+                  <a:schemeClr val="tx1"/>
+                </a:solidFill>
+                <a:latin typeface="+mn-lt"/>
+                <a:ea typeface="+mn-ea"/>
+                <a:cs typeface="+mn-cs"/>
+              </a:defRPr>
+            </a:lvl3pPr>
+            <a:lvl4pPr marL="1600200" indent="-228600" algn="l" defTabSz="914400" rtl="0" eaLnBrk="1" latinLnBrk="0" hangingPunct="1">
+              <a:lnSpc>
+                <a:spcPct val="90000"/>
+              </a:lnSpc>
+              <a:spcBef>
+                <a:spcPts val="500"/>
+              </a:spcBef>
+              <a:buFont typeface="Arial" panose="020B0604020202020204" pitchFamily="34" charset="0"/>
+              <a:buChar char="•"/>
+              <a:defRPr sz="1800" kern="1200">
+                <a:solidFill>
+                  <a:schemeClr val="tx1"/>
+                </a:solidFill>
+                <a:latin typeface="+mn-lt"/>
+                <a:ea typeface="+mn-ea"/>
+                <a:cs typeface="+mn-cs"/>
+              </a:defRPr>
+            </a:lvl4pPr>
+            <a:lvl5pPr marL="2057400" indent="-228600" algn="l" defTabSz="914400" rtl="0" eaLnBrk="1" latinLnBrk="0" hangingPunct="1">
+              <a:lnSpc>
+                <a:spcPct val="90000"/>
+              </a:lnSpc>
+              <a:spcBef>
+                <a:spcPts val="500"/>
+              </a:spcBef>
+              <a:buFont typeface="Arial" panose="020B0604020202020204" pitchFamily="34" charset="0"/>
+              <a:buChar char="•"/>
+              <a:defRPr sz="1800" kern="1200">
+                <a:solidFill>
+                  <a:schemeClr val="tx1"/>
+                </a:solidFill>
+                <a:latin typeface="+mn-lt"/>
+                <a:ea typeface="+mn-ea"/>
+                <a:cs typeface="+mn-cs"/>
+              </a:defRPr>
+            </a:lvl5pPr>
+            <a:lvl6pPr marL="2514600" indent="-228600" algn="l" defTabSz="914400" rtl="0" eaLnBrk="1" latinLnBrk="0" hangingPunct="1">
+              <a:lnSpc>
+                <a:spcPct val="90000"/>
+              </a:lnSpc>
+              <a:spcBef>
+                <a:spcPts val="500"/>
+              </a:spcBef>
+              <a:buFont typeface="Arial" panose="020B0604020202020204" pitchFamily="34" charset="0"/>
+              <a:buChar char="•"/>
+              <a:defRPr sz="1800" kern="1200">
+                <a:solidFill>
+                  <a:schemeClr val="tx1"/>
+                </a:solidFill>
+                <a:latin typeface="+mn-lt"/>
+                <a:ea typeface="+mn-ea"/>
+                <a:cs typeface="+mn-cs"/>
+              </a:defRPr>
+            </a:lvl6pPr>
+            <a:lvl7pPr marL="2971800" indent="-228600" algn="l" defTabSz="914400" rtl="0" eaLnBrk="1" latinLnBrk="0" hangingPunct="1">
+              <a:lnSpc>
+                <a:spcPct val="90000"/>
+              </a:lnSpc>
+              <a:spcBef>
+                <a:spcPts val="500"/>
+              </a:spcBef>
+              <a:buFont typeface="Arial" panose="020B0604020202020204" pitchFamily="34" charset="0"/>
+              <a:buChar char="•"/>
+              <a:defRPr sz="1800" kern="1200">
+                <a:solidFill>
+                  <a:schemeClr val="tx1"/>
+                </a:solidFill>
+                <a:latin typeface="+mn-lt"/>
+                <a:ea typeface="+mn-ea"/>
+                <a:cs typeface="+mn-cs"/>
+              </a:defRPr>
+            </a:lvl7pPr>
+            <a:lvl8pPr marL="3429000" indent="-228600" algn="l" defTabSz="914400" rtl="0" eaLnBrk="1" latinLnBrk="0" hangingPunct="1">
+              <a:lnSpc>
+                <a:spcPct val="90000"/>
+              </a:lnSpc>
+              <a:spcBef>
+                <a:spcPts val="500"/>
+              </a:spcBef>
+              <a:buFont typeface="Arial" panose="020B0604020202020204" pitchFamily="34" charset="0"/>
+              <a:buChar char="•"/>
+              <a:defRPr sz="1800" kern="1200">
+                <a:solidFill>
+                  <a:schemeClr val="tx1"/>
+                </a:solidFill>
+                <a:latin typeface="+mn-lt"/>
+                <a:ea typeface="+mn-ea"/>
+                <a:cs typeface="+mn-cs"/>
+              </a:defRPr>
+            </a:lvl8pPr>
+            <a:lvl9pPr marL="3886200" indent="-228600" algn="l" defTabSz="914400" rtl="0" eaLnBrk="1" latinLnBrk="0" hangingPunct="1">
+              <a:lnSpc>
+                <a:spcPct val="90000"/>
+              </a:lnSpc>
+              <a:spcBef>
+                <a:spcPts val="500"/>
+              </a:spcBef>
+              <a:buFont typeface="Arial" panose="020B0604020202020204" pitchFamily="34" charset="0"/>
+              <a:buChar char="•"/>
+              <a:defRPr sz="1800" kern="1200">
+                <a:solidFill>
+                  <a:schemeClr val="tx1"/>
+                </a:solidFill>
+                <a:latin typeface="+mn-lt"/>
+                <a:ea typeface="+mn-ea"/>
+                <a:cs typeface="+mn-cs"/>
+              </a:defRPr>
+            </a:lvl9pPr>
+          </a:lstStyle>
+          <a:p>
+            <a:pPr marL="0" indent="0">
+              <a:buNone/>
+            </a:pPr>
+            <a:r>
+              <a:rPr lang="en-US" u="sng" dirty="0"/>
+              <a:t>Homoscedasticity</a:t>
+            </a:r>
+          </a:p>
+          <a:p>
+            <a:r>
+              <a:rPr lang="en-US" dirty="0"/>
+              <a:t>Residual error is equal for full range of inputs</a:t>
+            </a:r>
+          </a:p>
+          <a:p>
+            <a:endParaRPr lang="en-US" dirty="0"/>
+          </a:p>
+          <a:p>
+            <a:r>
+              <a:rPr lang="en-US" dirty="0"/>
+              <a:t>Heteroscedasticity</a:t>
+            </a:r>
+            <a:r>
+              <a:rPr lang="en-US" u="sng" dirty="0"/>
+              <a:t> i</a:t>
+            </a:r>
+            <a:r>
+              <a:rPr lang="en-US" dirty="0"/>
+              <a:t>mplies a breakdown of linear assumption</a:t>
+            </a:r>
+          </a:p>
+          <a:p>
+            <a:endParaRPr lang="en-US" dirty="0"/>
+          </a:p>
+          <a:p>
+            <a:r>
+              <a:rPr lang="en-US" dirty="0"/>
+              <a:t>Use to justify using a non-linear model.</a:t>
+            </a:r>
+          </a:p>
+        </p:txBody>
+      </p:sp>
+      <p:pic>
+        <p:nvPicPr>
+          <p:cNvPr id="7" name="Picture 6">
+            <a:extLst>
+              <a:ext uri="{FF2B5EF4-FFF2-40B4-BE49-F238E27FC236}">
+                <a16:creationId xmlns:a16="http://schemas.microsoft.com/office/drawing/2014/main" id="{AA09FCCB-EA76-A24C-A38F-9E0B1BDD13F1}"/>
+              </a:ext>
+            </a:extLst>
+          </p:cNvPr>
+          <p:cNvPicPr>
+            <a:picLocks noChangeAspect="1"/>
+          </p:cNvPicPr>
+          <p:nvPr/>
+        </p:nvPicPr>
+        <p:blipFill>
+          <a:blip r:embed="rId3"/>
+          <a:stretch>
+            <a:fillRect/>
+          </a:stretch>
+        </p:blipFill>
+        <p:spPr>
+          <a:xfrm>
+            <a:off x="3810000" y="1484085"/>
+            <a:ext cx="8596993" cy="5180862"/>
+          </a:xfrm>
+          <a:prstGeom prst="rect">
+            <a:avLst/>
+          </a:prstGeom>
+        </p:spPr>
+      </p:pic>
+    </p:spTree>
+    <p:extLst>
+      <p:ext uri="{BB962C8B-B14F-4D97-AF65-F5344CB8AC3E}">
+        <p14:creationId xmlns:p14="http://schemas.microsoft.com/office/powerpoint/2010/main" val="2621288786"/>
+      </p:ext>
+    </p:extLst>
+  </p:cSld>
+  <p:clrMapOvr>
+    <a:masterClrMapping/>
+  </p:clrMapOvr>
+</p:sld>
+</file>
+
+<file path=ppt/slides/slide2.xml><?xml version="1.0" encoding="utf-8"?>
+<p:sld xmlns:a="http://schemas.openxmlformats.org/drawingml/2006/main" xmlns:r="http://schemas.openxmlformats.org/officeDocument/2006/relationships" xmlns:p="http://schemas.openxmlformats.org/presentationml/2006/main">
+  <p:cSld>
+    <p:bg>
+      <p:bgPr>
+        <a:solidFill>
+          <a:schemeClr val="bg1"/>
+        </a:solidFill>
+        <a:effectLst/>
+      </p:bgPr>
+    </p:bg>
+    <p:spTree>
+      <p:nvGrpSpPr>
+        <p:cNvPr id="1" name=""/>
+        <p:cNvGrpSpPr/>
+        <p:nvPr/>
+      </p:nvGrpSpPr>
+      <p:grpSpPr>
+        <a:xfrm>
+          <a:off x="0" y="0"/>
+          <a:ext cx="0" cy="0"/>
+          <a:chOff x="0" y="0"/>
+          <a:chExt cx="0" cy="0"/>
+        </a:xfrm>
+      </p:grpSpPr>
+      <p:sp useBgFill="1">
+        <p:nvSpPr>
+          <p:cNvPr id="8" name="Rectangle 7">
+            <a:extLst>
+              <a:ext uri="{FF2B5EF4-FFF2-40B4-BE49-F238E27FC236}">
+                <a16:creationId xmlns:a16="http://schemas.microsoft.com/office/drawing/2014/main" id="{09588DA8-065E-4F6F-8EFD-43104AB2E0CF}"/>
+              </a:ext>
+              <a:ext uri="{C183D7F6-B498-43B3-948B-1728B52AA6E4}">
+                <adec:decorative xmlns:adec="http://schemas.microsoft.com/office/drawing/2017/decorative" val="1"/>
+              </a:ext>
+            </a:extLst>
+          </p:cNvPr>
+          <p:cNvSpPr>
+            <a:spLocks noGrp="1" noRot="1" noChangeAspect="1" noMove="1" noResize="1" noEditPoints="1" noAdjustHandles="1" noChangeArrowheads="1" noChangeShapeType="1" noTextEdit="1"/>
+          </p:cNvSpPr>
+          <p:nvPr>
+            <p:extLst>
+              <p:ext uri="{386F3935-93C4-4BCD-93E2-E3B085C9AB24}">
+                <p16:designElem xmlns:p16="http://schemas.microsoft.com/office/powerpoint/2015/main" val="1"/>
+              </p:ext>
+            </p:extLst>
+          </p:nvPr>
+        </p:nvSpPr>
+        <p:spPr>
+          <a:xfrm>
+            <a:off x="0" y="0"/>
+            <a:ext cx="12192000" cy="6858000"/>
+          </a:xfrm>
+          <a:prstGeom prst="rect">
+            <a:avLst/>
+          </a:prstGeom>
+          <a:ln w="12700" cap="flat" cmpd="sng" algn="ctr">
+            <a:noFill/>
+            <a:prstDash val="solid"/>
+            <a:miter lim="800000"/>
+          </a:ln>
+          <a:effectLst/>
+          <a:extLst>
+            <a:ext uri="{91240B29-F687-4F45-9708-019B960494DF}">
+              <a14:hiddenLine xmlns:a14="http://schemas.microsoft.com/office/drawing/2010/main" w="12700" cap="flat" cmpd="sng" algn="ctr">
+                <a:solidFill>
+                  <a:schemeClr val="accent1">
+                    <a:shade val="50000"/>
+                  </a:schemeClr>
+                </a:solidFill>
+                <a:prstDash val="solid"/>
+                <a:miter lim="800000"/>
+              </a14:hiddenLine>
+            </a:ext>
+          </a:extLst>
+        </p:spPr>
+        <p:style>
+          <a:lnRef idx="2">
+            <a:schemeClr val="accent1">
+              <a:shade val="50000"/>
+            </a:schemeClr>
+          </a:lnRef>
+          <a:fillRef idx="1">
+            <a:schemeClr val="accent1"/>
+          </a:fillRef>
+          <a:effectRef idx="0">
+            <a:schemeClr val="accent1"/>
+          </a:effectRef>
+          <a:fontRef idx="minor">
+            <a:schemeClr val="lt1"/>
+          </a:fontRef>
+        </p:style>
+        <p:txBody>
+          <a:bodyPr rtlCol="0" anchor="ctr"/>
+          <a:lstStyle/>
+          <a:p>
+            <a:pPr algn="ctr"/>
+            <a:endParaRPr lang="en-US"/>
+          </a:p>
+        </p:txBody>
+      </p:sp>
+      <p:sp useBgFill="1">
+        <p:nvSpPr>
+          <p:cNvPr id="10" name="Rectangle 9">
+            <a:extLst>
+              <a:ext uri="{FF2B5EF4-FFF2-40B4-BE49-F238E27FC236}">
+                <a16:creationId xmlns:a16="http://schemas.microsoft.com/office/drawing/2014/main" id="{C4285719-470E-454C-AF62-8323075F1F5B}"/>
+              </a:ext>
+              <a:ext uri="{C183D7F6-B498-43B3-948B-1728B52AA6E4}">
+                <adec:decorative xmlns:adec="http://schemas.microsoft.com/office/drawing/2017/decorative" val="1"/>
+              </a:ext>
+            </a:extLst>
+          </p:cNvPr>
+          <p:cNvSpPr>
+            <a:spLocks noGrp="1" noRot="1" noChangeAspect="1" noMove="1" noResize="1" noEditPoints="1" noAdjustHandles="1" noChangeArrowheads="1" noChangeShapeType="1" noTextEdit="1"/>
+          </p:cNvSpPr>
+          <p:nvPr>
+            <p:extLst>
+              <p:ext uri="{386F3935-93C4-4BCD-93E2-E3B085C9AB24}">
+                <p16:designElem xmlns:p16="http://schemas.microsoft.com/office/powerpoint/2015/main" val="1"/>
+              </p:ext>
+            </p:extLst>
+          </p:nvPr>
+        </p:nvSpPr>
+        <p:spPr>
+          <a:xfrm>
+            <a:off x="0" y="0"/>
+            <a:ext cx="12188952" cy="6858000"/>
+          </a:xfrm>
+          <a:prstGeom prst="rect">
+            <a:avLst/>
+          </a:prstGeom>
+          <a:ln w="12700" cap="flat" cmpd="sng" algn="ctr">
+            <a:noFill/>
+            <a:prstDash val="solid"/>
+            <a:miter lim="800000"/>
+          </a:ln>
+          <a:effectLst/>
+          <a:extLst>
+            <a:ext uri="{91240B29-F687-4F45-9708-019B960494DF}">
+              <a14:hiddenLine xmlns:a14="http://schemas.microsoft.com/office/drawing/2010/main" w="12700" cap="flat" cmpd="sng" algn="ctr">
+                <a:solidFill>
+                  <a:schemeClr val="accent1">
+                    <a:shade val="50000"/>
+                  </a:schemeClr>
+                </a:solidFill>
+                <a:prstDash val="solid"/>
+                <a:miter lim="800000"/>
+              </a14:hiddenLine>
+            </a:ext>
+          </a:extLst>
+        </p:spPr>
+        <p:style>
+          <a:lnRef idx="2">
+            <a:schemeClr val="accent1">
+              <a:shade val="50000"/>
+            </a:schemeClr>
+          </a:lnRef>
+          <a:fillRef idx="1">
+            <a:schemeClr val="accent1"/>
+          </a:fillRef>
+          <a:effectRef idx="0">
+            <a:schemeClr val="accent1"/>
+          </a:effectRef>
+          <a:fontRef idx="minor">
+            <a:schemeClr val="lt1"/>
+          </a:fontRef>
+        </p:style>
+        <p:txBody>
+          <a:bodyPr rtlCol="0" anchor="ctr"/>
+          <a:lstStyle/>
+          <a:p>
+            <a:pPr algn="ctr"/>
+            <a:endParaRPr lang="en-US"/>
+          </a:p>
+        </p:txBody>
+      </p:sp>
+      <p:sp>
+        <p:nvSpPr>
+          <p:cNvPr id="12" name="Rectangle 11">
+            <a:extLst>
+              <a:ext uri="{FF2B5EF4-FFF2-40B4-BE49-F238E27FC236}">
+                <a16:creationId xmlns:a16="http://schemas.microsoft.com/office/drawing/2014/main" id="{CD9FE4EF-C4D8-49A0-B2FF-81D8DB7D8A24}"/>
+              </a:ext>
+              <a:ext uri="{C183D7F6-B498-43B3-948B-1728B52AA6E4}">
+                <adec:decorative xmlns:adec="http://schemas.microsoft.com/office/drawing/2017/decorative" val="1"/>
+              </a:ext>
+            </a:extLst>
+          </p:cNvPr>
+          <p:cNvSpPr>
+            <a:spLocks noGrp="1" noRot="1" noChangeAspect="1" noMove="1" noResize="1" noEditPoints="1" noAdjustHandles="1" noChangeArrowheads="1" noChangeShapeType="1" noTextEdit="1"/>
+          </p:cNvSpPr>
+          <p:nvPr>
+            <p:extLst>
+              <p:ext uri="{386F3935-93C4-4BCD-93E2-E3B085C9AB24}">
+                <p16:designElem xmlns:p16="http://schemas.microsoft.com/office/powerpoint/2015/main" val="1"/>
+              </p:ext>
+            </p:extLst>
+          </p:nvPr>
+        </p:nvSpPr>
+        <p:spPr>
+          <a:xfrm rot="5400000" flipH="1">
+            <a:off x="-1410084" y="1410082"/>
+            <a:ext cx="6858000" cy="4037836"/>
+          </a:xfrm>
+          <a:prstGeom prst="rect">
+            <a:avLst/>
+          </a:prstGeom>
+          <a:gradFill>
+            <a:gsLst>
+              <a:gs pos="8000">
+                <a:srgbClr val="000000"/>
+              </a:gs>
+              <a:gs pos="100000">
+                <a:schemeClr val="accent1">
+                  <a:lumMod val="75000"/>
+                </a:schemeClr>
+              </a:gs>
+            </a:gsLst>
+            <a:lin ang="3000000" scaled="0"/>
+          </a:gradFill>
+          <a:ln>
+            <a:noFill/>
+          </a:ln>
+        </p:spPr>
+        <p:style>
+          <a:lnRef idx="2">
+            <a:schemeClr val="accent1">
+              <a:shade val="50000"/>
+            </a:schemeClr>
+          </a:lnRef>
+          <a:fillRef idx="1">
+            <a:schemeClr val="accent1"/>
+          </a:fillRef>
+          <a:effectRef idx="0">
+            <a:schemeClr val="accent1"/>
+          </a:effectRef>
+          <a:fontRef idx="minor">
+            <a:schemeClr val="lt1"/>
+          </a:fontRef>
+        </p:style>
+        <p:txBody>
+          <a:bodyPr rtlCol="0" anchor="ctr"/>
+          <a:lstStyle/>
+          <a:p>
+            <a:pPr algn="ctr"/>
+            <a:endParaRPr lang="en-US"/>
+          </a:p>
+        </p:txBody>
+      </p:sp>
+      <p:sp>
+        <p:nvSpPr>
+          <p:cNvPr id="14" name="Rectangle 13">
+            <a:extLst>
+              <a:ext uri="{FF2B5EF4-FFF2-40B4-BE49-F238E27FC236}">
+                <a16:creationId xmlns:a16="http://schemas.microsoft.com/office/drawing/2014/main" id="{4300840D-0A0B-4512-BACA-B439D5B9C57C}"/>
+              </a:ext>
+              <a:ext uri="{C183D7F6-B498-43B3-948B-1728B52AA6E4}">
+                <adec:decorative xmlns:adec="http://schemas.microsoft.com/office/drawing/2017/decorative" val="1"/>
+              </a:ext>
+            </a:extLst>
+          </p:cNvPr>
+          <p:cNvSpPr>
+            <a:spLocks noGrp="1" noRot="1" noChangeAspect="1" noMove="1" noResize="1" noEditPoints="1" noAdjustHandles="1" noChangeArrowheads="1" noChangeShapeType="1" noTextEdit="1"/>
+          </p:cNvSpPr>
+          <p:nvPr>
+            <p:extLst>
+              <p:ext uri="{386F3935-93C4-4BCD-93E2-E3B085C9AB24}">
+                <p16:designElem xmlns:p16="http://schemas.microsoft.com/office/powerpoint/2015/main" val="1"/>
+              </p:ext>
+            </p:extLst>
+          </p:nvPr>
+        </p:nvSpPr>
+        <p:spPr>
+          <a:xfrm rot="5400000" flipH="1">
+            <a:off x="-1410085" y="1420219"/>
+            <a:ext cx="6857999" cy="4037839"/>
+          </a:xfrm>
+          <a:prstGeom prst="rect">
+            <a:avLst/>
+          </a:prstGeom>
+          <a:gradFill>
+            <a:gsLst>
+              <a:gs pos="0">
+                <a:srgbClr val="000000">
+                  <a:alpha val="0"/>
+                </a:srgbClr>
+              </a:gs>
+              <a:gs pos="99000">
+                <a:schemeClr val="accent1">
+                  <a:alpha val="46000"/>
+                </a:schemeClr>
+              </a:gs>
+            </a:gsLst>
+            <a:lin ang="1800000" scaled="0"/>
+          </a:gradFill>
+          <a:ln>
+            <a:noFill/>
+          </a:ln>
+        </p:spPr>
+        <p:style>
+          <a:lnRef idx="2">
+            <a:schemeClr val="accent1">
+              <a:shade val="50000"/>
+            </a:schemeClr>
+          </a:lnRef>
+          <a:fillRef idx="1">
+            <a:schemeClr val="accent1"/>
+          </a:fillRef>
+          <a:effectRef idx="0">
+            <a:schemeClr val="accent1"/>
+          </a:effectRef>
+          <a:fontRef idx="minor">
+            <a:schemeClr val="lt1"/>
+          </a:fontRef>
+        </p:style>
+        <p:txBody>
+          <a:bodyPr rtlCol="0" anchor="ctr"/>
+          <a:lstStyle/>
+          <a:p>
+            <a:pPr algn="ctr"/>
+            <a:endParaRPr lang="en-US"/>
+          </a:p>
+        </p:txBody>
+      </p:sp>
+      <p:sp>
+        <p:nvSpPr>
+          <p:cNvPr id="16" name="Rectangle 15">
+            <a:extLst>
+              <a:ext uri="{FF2B5EF4-FFF2-40B4-BE49-F238E27FC236}">
+                <a16:creationId xmlns:a16="http://schemas.microsoft.com/office/drawing/2014/main" id="{D2B78728-A580-49A7-84F9-6EF6F583ADE0}"/>
+              </a:ext>
+              <a:ext uri="{C183D7F6-B498-43B3-948B-1728B52AA6E4}">
+                <adec:decorative xmlns:adec="http://schemas.microsoft.com/office/drawing/2017/decorative" val="1"/>
+              </a:ext>
+            </a:extLst>
+          </p:cNvPr>
+          <p:cNvSpPr>
+            <a:spLocks noGrp="1" noRot="1" noChangeAspect="1" noMove="1" noResize="1" noEditPoints="1" noAdjustHandles="1" noChangeArrowheads="1" noChangeShapeType="1" noTextEdit="1"/>
+          </p:cNvSpPr>
+          <p:nvPr>
+            <p:extLst>
+              <p:ext uri="{386F3935-93C4-4BCD-93E2-E3B085C9AB24}">
+                <p16:designElem xmlns:p16="http://schemas.microsoft.com/office/powerpoint/2015/main" val="1"/>
+              </p:ext>
+            </p:extLst>
+          </p:nvPr>
+        </p:nvSpPr>
+        <p:spPr>
+          <a:xfrm rot="5400000" flipH="1">
+            <a:off x="767923" y="3588085"/>
+            <a:ext cx="2501979" cy="4037841"/>
+          </a:xfrm>
+          <a:prstGeom prst="rect">
+            <a:avLst/>
+          </a:prstGeom>
+          <a:gradFill>
+            <a:gsLst>
+              <a:gs pos="2000">
+                <a:schemeClr val="accent1">
+                  <a:alpha val="29000"/>
+                </a:schemeClr>
+              </a:gs>
+              <a:gs pos="100000">
+                <a:srgbClr val="000000">
+                  <a:alpha val="30000"/>
+                </a:srgbClr>
+              </a:gs>
+            </a:gsLst>
+            <a:lin ang="7800000" scaled="0"/>
+          </a:gradFill>
+          <a:ln>
+            <a:noFill/>
+          </a:ln>
+        </p:spPr>
+        <p:style>
+          <a:lnRef idx="2">
+            <a:schemeClr val="accent1">
+              <a:shade val="50000"/>
+            </a:schemeClr>
+          </a:lnRef>
+          <a:fillRef idx="1">
+            <a:schemeClr val="accent1"/>
+          </a:fillRef>
+          <a:effectRef idx="0">
+            <a:schemeClr val="accent1"/>
+          </a:effectRef>
+          <a:fontRef idx="minor">
+            <a:schemeClr val="lt1"/>
+          </a:fontRef>
+        </p:style>
+        <p:txBody>
+          <a:bodyPr rtlCol="0" anchor="ctr"/>
+          <a:lstStyle/>
+          <a:p>
+            <a:pPr algn="ctr"/>
+            <a:endParaRPr lang="en-US" dirty="0"/>
+          </a:p>
+        </p:txBody>
+      </p:sp>
+      <p:sp>
+        <p:nvSpPr>
+          <p:cNvPr id="18" name="Freeform: Shape 17">
+            <a:extLst>
+              <a:ext uri="{FF2B5EF4-FFF2-40B4-BE49-F238E27FC236}">
+                <a16:creationId xmlns:a16="http://schemas.microsoft.com/office/drawing/2014/main" id="{38FAA1A1-D861-433F-88FA-1E9D6FD31D11}"/>
+              </a:ext>
+              <a:ext uri="{C183D7F6-B498-43B3-948B-1728B52AA6E4}">
+                <adec:decorative xmlns:adec="http://schemas.microsoft.com/office/drawing/2017/decorative" val="1"/>
+              </a:ext>
+            </a:extLst>
+          </p:cNvPr>
+          <p:cNvSpPr>
+            <a:spLocks noGrp="1" noRot="1" noChangeAspect="1" noMove="1" noResize="1" noEditPoints="1" noAdjustHandles="1" noChangeArrowheads="1" noChangeShapeType="1" noTextEdit="1"/>
+          </p:cNvSpPr>
+          <p:nvPr>
+            <p:extLst>
+              <p:ext uri="{386F3935-93C4-4BCD-93E2-E3B085C9AB24}">
+                <p16:designElem xmlns:p16="http://schemas.microsoft.com/office/powerpoint/2015/main" val="1"/>
+              </p:ext>
+            </p:extLst>
+          </p:nvPr>
+        </p:nvSpPr>
+        <p:spPr>
+          <a:xfrm rot="20635413">
+            <a:off x="-501737" y="969718"/>
+            <a:ext cx="3900357" cy="4178958"/>
+          </a:xfrm>
+          <a:custGeom>
+            <a:avLst/>
+            <a:gdLst>
+              <a:gd name="connsiteX0" fmla="*/ 2432225 w 3900357"/>
+              <a:gd name="connsiteY0" fmla="*/ 93939 h 4178958"/>
+              <a:gd name="connsiteX1" fmla="*/ 3900357 w 3900357"/>
+              <a:gd name="connsiteY1" fmla="*/ 2089479 h 4178958"/>
+              <a:gd name="connsiteX2" fmla="*/ 1810878 w 3900357"/>
+              <a:gd name="connsiteY2" fmla="*/ 4178958 h 4178958"/>
+              <a:gd name="connsiteX3" fmla="*/ 78249 w 3900357"/>
+              <a:gd name="connsiteY3" fmla="*/ 3257727 h 4178958"/>
+              <a:gd name="connsiteX4" fmla="*/ 0 w 3900357"/>
+              <a:gd name="connsiteY4" fmla="*/ 3128923 h 4178958"/>
+              <a:gd name="connsiteX5" fmla="*/ 831324 w 3900357"/>
+              <a:gd name="connsiteY5" fmla="*/ 244281 h 4178958"/>
+              <a:gd name="connsiteX6" fmla="*/ 997559 w 3900357"/>
+              <a:gd name="connsiteY6" fmla="*/ 164202 h 4178958"/>
+              <a:gd name="connsiteX7" fmla="*/ 1810878 w 3900357"/>
+              <a:gd name="connsiteY7" fmla="*/ 0 h 4178958"/>
+              <a:gd name="connsiteX8" fmla="*/ 2432225 w 3900357"/>
+              <a:gd name="connsiteY8" fmla="*/ 93939 h 4178958"/>
+            </a:gdLst>
+            <a:ahLst/>
+            <a:cxnLst>
+              <a:cxn ang="0">
+                <a:pos x="connsiteX0" y="connsiteY0"/>
+              </a:cxn>
+              <a:cxn ang="0">
+                <a:pos x="connsiteX1" y="connsiteY1"/>
+              </a:cxn>
+              <a:cxn ang="0">
+                <a:pos x="connsiteX2" y="connsiteY2"/>
+              </a:cxn>
+              <a:cxn ang="0">
+                <a:pos x="connsiteX3" y="connsiteY3"/>
+              </a:cxn>
+              <a:cxn ang="0">
+                <a:pos x="connsiteX4" y="connsiteY4"/>
+              </a:cxn>
+              <a:cxn ang="0">
+                <a:pos x="connsiteX5" y="connsiteY5"/>
+              </a:cxn>
+              <a:cxn ang="0">
+                <a:pos x="connsiteX6" y="connsiteY6"/>
+              </a:cxn>
+              <a:cxn ang="0">
+                <a:pos x="connsiteX7" y="connsiteY7"/>
+              </a:cxn>
+              <a:cxn ang="0">
+                <a:pos x="connsiteX8" y="connsiteY8"/>
+              </a:cxn>
+            </a:cxnLst>
+            <a:rect l="l" t="t" r="r" b="b"/>
+            <a:pathLst>
+              <a:path w="3900357" h="4178958">
+                <a:moveTo>
+                  <a:pt x="2432225" y="93939"/>
+                </a:moveTo>
+                <a:cubicBezTo>
+                  <a:pt x="3282786" y="358491"/>
+                  <a:pt x="3900357" y="1151865"/>
+                  <a:pt x="3900357" y="2089479"/>
+                </a:cubicBezTo>
+                <a:cubicBezTo>
+                  <a:pt x="3900357" y="3243466"/>
+                  <a:pt x="2964865" y="4178958"/>
+                  <a:pt x="1810878" y="4178958"/>
+                </a:cubicBezTo>
+                <a:cubicBezTo>
+                  <a:pt x="1089636" y="4178958"/>
+                  <a:pt x="453744" y="3813531"/>
+                  <a:pt x="78249" y="3257727"/>
+                </a:cubicBezTo>
+                <a:lnTo>
+                  <a:pt x="0" y="3128923"/>
+                </a:lnTo>
+                <a:lnTo>
+                  <a:pt x="831324" y="244281"/>
+                </a:lnTo>
+                <a:lnTo>
+                  <a:pt x="997559" y="164202"/>
+                </a:lnTo>
+                <a:cubicBezTo>
+                  <a:pt x="1247540" y="58468"/>
+                  <a:pt x="1522381" y="0"/>
+                  <a:pt x="1810878" y="0"/>
+                </a:cubicBezTo>
+                <a:cubicBezTo>
+                  <a:pt x="2027251" y="0"/>
+                  <a:pt x="2235942" y="32888"/>
+                  <a:pt x="2432225" y="93939"/>
+                </a:cubicBezTo>
+                <a:close/>
+              </a:path>
+            </a:pathLst>
+          </a:custGeom>
+          <a:gradFill>
+            <a:gsLst>
+              <a:gs pos="29000">
+                <a:srgbClr val="000000">
+                  <a:alpha val="0"/>
+                </a:srgbClr>
+              </a:gs>
+              <a:gs pos="100000">
+                <a:schemeClr val="accent1">
+                  <a:alpha val="43000"/>
+                </a:schemeClr>
+              </a:gs>
+            </a:gsLst>
+            <a:lin ang="1800000" scaled="0"/>
+          </a:gradFill>
+          <a:ln>
+            <a:noFill/>
+          </a:ln>
+        </p:spPr>
+        <p:style>
+          <a:lnRef idx="2">
+            <a:schemeClr val="accent1">
+              <a:shade val="50000"/>
+            </a:schemeClr>
+          </a:lnRef>
+          <a:fillRef idx="1">
+            <a:schemeClr val="accent1"/>
+          </a:fillRef>
+          <a:effectRef idx="0">
+            <a:schemeClr val="accent1"/>
+          </a:effectRef>
+          <a:fontRef idx="minor">
+            <a:schemeClr val="lt1"/>
+          </a:fontRef>
+        </p:style>
+        <p:txBody>
+          <a:bodyPr wrap="square" rtlCol="0" anchor="ctr">
+            <a:noAutofit/>
+          </a:bodyPr>
+          <a:lstStyle/>
+          <a:p>
+            <a:pPr algn="ctr"/>
+            <a:endParaRPr lang="en-US" dirty="0"/>
+          </a:p>
+        </p:txBody>
+      </p:sp>
+      <p:sp>
+        <p:nvSpPr>
+          <p:cNvPr id="20" name="Rectangle 19">
+            <a:extLst>
+              <a:ext uri="{FF2B5EF4-FFF2-40B4-BE49-F238E27FC236}">
+                <a16:creationId xmlns:a16="http://schemas.microsoft.com/office/drawing/2014/main" id="{8D71EDA1-87BF-4D5D-AB79-F346FD19278A}"/>
+              </a:ext>
+              <a:ext uri="{C183D7F6-B498-43B3-948B-1728B52AA6E4}">
+                <adec:decorative xmlns:adec="http://schemas.microsoft.com/office/drawing/2017/decorative" val="1"/>
+              </a:ext>
+            </a:extLst>
+          </p:cNvPr>
+          <p:cNvSpPr>
+            <a:spLocks noGrp="1" noRot="1" noChangeAspect="1" noMove="1" noResize="1" noEditPoints="1" noAdjustHandles="1" noChangeArrowheads="1" noChangeShapeType="1" noTextEdit="1"/>
+          </p:cNvSpPr>
+          <p:nvPr>
+            <p:extLst>
+              <p:ext uri="{386F3935-93C4-4BCD-93E2-E3B085C9AB24}">
+                <p16:designElem xmlns:p16="http://schemas.microsoft.com/office/powerpoint/2015/main" val="1"/>
+              </p:ext>
+            </p:extLst>
+          </p:nvPr>
+        </p:nvSpPr>
+        <p:spPr>
+          <a:xfrm rot="5400000" flipH="1">
+            <a:off x="-1410093" y="1399943"/>
+            <a:ext cx="6858003" cy="4037835"/>
+          </a:xfrm>
+          <a:prstGeom prst="rect">
+            <a:avLst/>
+          </a:prstGeom>
+          <a:gradFill>
+            <a:gsLst>
+              <a:gs pos="0">
+                <a:srgbClr val="000000">
+                  <a:alpha val="0"/>
+                </a:srgbClr>
+              </a:gs>
+              <a:gs pos="99000">
+                <a:schemeClr val="accent1">
+                  <a:lumMod val="60000"/>
+                  <a:lumOff val="40000"/>
+                  <a:alpha val="11000"/>
+                </a:schemeClr>
+              </a:gs>
+            </a:gsLst>
+            <a:lin ang="7200000" scaled="0"/>
+          </a:gradFill>
+          <a:ln>
+            <a:noFill/>
+          </a:ln>
+        </p:spPr>
+        <p:style>
+          <a:lnRef idx="2">
+            <a:schemeClr val="accent1">
+              <a:shade val="50000"/>
+            </a:schemeClr>
+          </a:lnRef>
+          <a:fillRef idx="1">
+            <a:schemeClr val="accent1"/>
+          </a:fillRef>
+          <a:effectRef idx="0">
+            <a:schemeClr val="accent1"/>
+          </a:effectRef>
+          <a:fontRef idx="minor">
+            <a:schemeClr val="lt1"/>
+          </a:fontRef>
+        </p:style>
+        <p:txBody>
+          <a:bodyPr rtlCol="0" anchor="ctr"/>
+          <a:lstStyle/>
+          <a:p>
+            <a:pPr algn="ctr"/>
+            <a:endParaRPr lang="en-US"/>
+          </a:p>
+        </p:txBody>
+      </p:sp>
+      <p:sp>
+        <p:nvSpPr>
+          <p:cNvPr id="2" name="Title 1">
+            <a:extLst>
+              <a:ext uri="{FF2B5EF4-FFF2-40B4-BE49-F238E27FC236}">
+                <a16:creationId xmlns:a16="http://schemas.microsoft.com/office/drawing/2014/main" id="{8E02ED0F-BE4B-1D43-8929-39E3FA1EA04D}"/>
+              </a:ext>
+            </a:extLst>
+          </p:cNvPr>
+          <p:cNvSpPr>
+            <a:spLocks noGrp="1"/>
+          </p:cNvSpPr>
+          <p:nvPr>
+            <p:ph type="title"/>
+          </p:nvPr>
+        </p:nvSpPr>
+        <p:spPr>
+          <a:xfrm>
+            <a:off x="466722" y="586855"/>
+            <a:ext cx="3201366" cy="3387497"/>
+          </a:xfrm>
+        </p:spPr>
+        <p:txBody>
+          <a:bodyPr anchor="b">
+            <a:normAutofit/>
+          </a:bodyPr>
+          <a:lstStyle/>
+          <a:p>
+            <a:pPr algn="r"/>
+            <a:r>
+              <a:rPr lang="en-US" sz="4000">
+                <a:solidFill>
+                  <a:srgbClr val="FFFFFF"/>
+                </a:solidFill>
+              </a:rPr>
+              <a:t>Contact Info</a:t>
+            </a:r>
+          </a:p>
+        </p:txBody>
+      </p:sp>
+      <p:sp>
+        <p:nvSpPr>
+          <p:cNvPr id="3" name="Content Placeholder 2">
+            <a:extLst>
+              <a:ext uri="{FF2B5EF4-FFF2-40B4-BE49-F238E27FC236}">
+                <a16:creationId xmlns:a16="http://schemas.microsoft.com/office/drawing/2014/main" id="{A9105B17-4DD0-5642-891E-2B2EAC3D91E8}"/>
+              </a:ext>
+            </a:extLst>
+          </p:cNvPr>
+          <p:cNvSpPr>
+            <a:spLocks noGrp="1"/>
+          </p:cNvSpPr>
+          <p:nvPr>
+            <p:ph idx="1"/>
+          </p:nvPr>
+        </p:nvSpPr>
+        <p:spPr>
+          <a:xfrm>
+            <a:off x="4810259" y="649480"/>
+            <a:ext cx="6555347" cy="5546047"/>
+          </a:xfrm>
+        </p:spPr>
+        <p:txBody>
+          <a:bodyPr anchor="ctr">
+            <a:normAutofit/>
+          </a:bodyPr>
+          <a:lstStyle/>
+          <a:p>
+            <a:pPr marL="0" indent="0">
+              <a:buNone/>
+            </a:pPr>
+            <a:r>
+              <a:rPr lang="en-US" sz="2000"/>
+              <a:t>Daniel Montemayor Ph.D.</a:t>
+            </a:r>
+          </a:p>
+          <a:p>
+            <a:pPr marL="0" indent="0">
+              <a:buNone/>
+            </a:pPr>
+            <a:r>
+              <a:rPr lang="en-US" sz="2000"/>
+              <a:t>Assistant Professor / Research</a:t>
+            </a:r>
+          </a:p>
+          <a:p>
+            <a:pPr marL="0" indent="0">
+              <a:buNone/>
+            </a:pPr>
+            <a:r>
+              <a:rPr lang="en-US" sz="2000"/>
+              <a:t>Center for Renal Precision Medicine</a:t>
+            </a:r>
+          </a:p>
+          <a:p>
+            <a:pPr marL="0" indent="0">
+              <a:buNone/>
+            </a:pPr>
+            <a:r>
+              <a:rPr lang="en-US" sz="2000"/>
+              <a:t>Department of Medicine</a:t>
+            </a:r>
+          </a:p>
+          <a:p>
+            <a:pPr marL="0" indent="0">
+              <a:buNone/>
+            </a:pPr>
+            <a:r>
+              <a:rPr lang="en-US" sz="2000"/>
+              <a:t>UT Health San Antonio</a:t>
+            </a:r>
+          </a:p>
+          <a:p>
+            <a:pPr marL="0" indent="0">
+              <a:buNone/>
+            </a:pPr>
+            <a:endParaRPr lang="en-US" sz="2000" dirty="0"/>
+          </a:p>
+          <a:p>
+            <a:pPr marL="0" indent="0">
+              <a:buNone/>
+            </a:pPr>
+            <a:r>
+              <a:rPr lang="en-US" sz="2000" dirty="0">
+                <a:latin typeface="Arial" panose="020B0604020202020204" pitchFamily="34" charset="0"/>
+                <a:cs typeface="Arial" panose="020B0604020202020204" pitchFamily="34" charset="0"/>
+              </a:rPr>
+              <a:t>Email: </a:t>
+            </a:r>
+            <a:r>
+              <a:rPr lang="en-US" sz="2000" dirty="0">
+                <a:latin typeface="Arial" panose="020B0604020202020204" pitchFamily="34" charset="0"/>
+                <a:cs typeface="Arial" panose="020B0604020202020204" pitchFamily="34" charset="0"/>
+                <a:hlinkClick r:id="rId2"/>
+              </a:rPr>
+              <a:t>montemayord2@uthscsa.edu</a:t>
+            </a:r>
+            <a:endParaRPr lang="en-US" sz="2000" dirty="0">
+              <a:latin typeface="Arial" panose="020B0604020202020204" pitchFamily="34" charset="0"/>
+              <a:cs typeface="Arial" panose="020B0604020202020204" pitchFamily="34" charset="0"/>
+            </a:endParaRPr>
+          </a:p>
+          <a:p>
+            <a:pPr marL="0" indent="0">
+              <a:buNone/>
+            </a:pPr>
+            <a:r>
+              <a:rPr lang="en-US" sz="2000" dirty="0">
+                <a:latin typeface="Arial" panose="020B0604020202020204" pitchFamily="34" charset="0"/>
+                <a:cs typeface="Arial" panose="020B0604020202020204" pitchFamily="34" charset="0"/>
+              </a:rPr>
+              <a:t>Office hours: </a:t>
+            </a:r>
+            <a:r>
+              <a:rPr lang="en-US" sz="2000" b="1" dirty="0">
+                <a:latin typeface="Arial" panose="020B0604020202020204" pitchFamily="34" charset="0"/>
+                <a:ea typeface="Times New Roman" panose="02020603050405020304" pitchFamily="18" charset="0"/>
+                <a:cs typeface="Arial" panose="020B0604020202020204" pitchFamily="34" charset="0"/>
+              </a:rPr>
+              <a:t> </a:t>
+            </a:r>
+            <a:r>
+              <a:rPr lang="en-US" sz="2000" u="sng">
+                <a:latin typeface="Arial" panose="020B0604020202020204" pitchFamily="34" charset="0"/>
+                <a:ea typeface="Times New Roman" panose="02020603050405020304" pitchFamily="18" charset="0"/>
+                <a:cs typeface="Arial" panose="020B0604020202020204" pitchFamily="34" charset="0"/>
+                <a:hlinkClick r:id="rId3">
+                  <a:extLst>
+                    <a:ext uri="{A12FA001-AC4F-418D-AE19-62706E023703}">
+                      <ahyp:hlinkClr xmlns:ahyp="http://schemas.microsoft.com/office/drawing/2018/hyperlinkcolor" val="tx"/>
+                    </a:ext>
+                  </a:extLst>
+                </a:hlinkClick>
+              </a:rPr>
+              <a:t>https://calendly.com/daniel_montemayor/montemayor-office-hours</a:t>
+            </a:r>
+            <a:r>
+              <a:rPr lang="en-US" sz="2000" dirty="0">
+                <a:latin typeface="Arial" panose="020B0604020202020204" pitchFamily="34" charset="0"/>
+                <a:cs typeface="Arial" panose="020B0604020202020204" pitchFamily="34" charset="0"/>
+              </a:rPr>
+              <a:t> </a:t>
+            </a:r>
+          </a:p>
+        </p:txBody>
+      </p:sp>
+    </p:spTree>
+    <p:extLst>
+      <p:ext uri="{BB962C8B-B14F-4D97-AF65-F5344CB8AC3E}">
+        <p14:creationId xmlns:p14="http://schemas.microsoft.com/office/powerpoint/2010/main" val="784935358"/>
+      </p:ext>
+    </p:extLst>
+  </p:cSld>
+  <p:clrMapOvr>
+    <a:masterClrMapping/>
+  </p:clrMapOvr>
+</p:sld>
+</file>
+
+<file path=ppt/slides/slide3.xml><?xml version="1.0" encoding="utf-8"?>
+<p:sld xmlns:a="http://schemas.openxmlformats.org/drawingml/2006/main" xmlns:r="http://schemas.openxmlformats.org/officeDocument/2006/relationships" xmlns:p="http://schemas.openxmlformats.org/presentationml/2006/main">
+  <p:cSld>
+    <p:bg>
+      <p:bgPr>
+        <a:solidFill>
+          <a:schemeClr val="bg1"/>
+        </a:solidFill>
+        <a:effectLst/>
+      </p:bgPr>
+    </p:bg>
+    <p:spTree>
+      <p:nvGrpSpPr>
+        <p:cNvPr id="1" name=""/>
+        <p:cNvGrpSpPr/>
+        <p:nvPr/>
+      </p:nvGrpSpPr>
+      <p:grpSpPr>
+        <a:xfrm>
+          <a:off x="0" y="0"/>
+          <a:ext cx="0" cy="0"/>
+          <a:chOff x="0" y="0"/>
+          <a:chExt cx="0" cy="0"/>
+        </a:xfrm>
+      </p:grpSpPr>
+      <p:sp useBgFill="1">
+        <p:nvSpPr>
+          <p:cNvPr id="8" name="Rectangle 7">
+            <a:extLst>
+              <a:ext uri="{FF2B5EF4-FFF2-40B4-BE49-F238E27FC236}">
+                <a16:creationId xmlns:a16="http://schemas.microsoft.com/office/drawing/2014/main" id="{09588DA8-065E-4F6F-8EFD-43104AB2E0CF}"/>
+              </a:ext>
+              <a:ext uri="{C183D7F6-B498-43B3-948B-1728B52AA6E4}">
+                <adec:decorative xmlns:adec="http://schemas.microsoft.com/office/drawing/2017/decorative" val="1"/>
+              </a:ext>
+            </a:extLst>
+          </p:cNvPr>
+          <p:cNvSpPr>
+            <a:spLocks noGrp="1" noRot="1" noChangeAspect="1" noMove="1" noResize="1" noEditPoints="1" noAdjustHandles="1" noChangeArrowheads="1" noChangeShapeType="1" noTextEdit="1"/>
+          </p:cNvSpPr>
+          <p:nvPr>
+            <p:extLst>
+              <p:ext uri="{386F3935-93C4-4BCD-93E2-E3B085C9AB24}">
+                <p16:designElem xmlns:p16="http://schemas.microsoft.com/office/powerpoint/2015/main" val="1"/>
+              </p:ext>
+            </p:extLst>
+          </p:nvPr>
+        </p:nvSpPr>
+        <p:spPr>
+          <a:xfrm>
+            <a:off x="0" y="0"/>
+            <a:ext cx="12192000" cy="6858000"/>
+          </a:xfrm>
+          <a:prstGeom prst="rect">
+            <a:avLst/>
+          </a:prstGeom>
+          <a:ln w="12700" cap="flat" cmpd="sng" algn="ctr">
+            <a:noFill/>
+            <a:prstDash val="solid"/>
+            <a:miter lim="800000"/>
+          </a:ln>
+          <a:effectLst/>
+          <a:extLst>
+            <a:ext uri="{91240B29-F687-4F45-9708-019B960494DF}">
+              <a14:hiddenLine xmlns:a14="http://schemas.microsoft.com/office/drawing/2010/main" w="12700" cap="flat" cmpd="sng" algn="ctr">
+                <a:solidFill>
+                  <a:schemeClr val="accent1">
+                    <a:shade val="50000"/>
+                  </a:schemeClr>
+                </a:solidFill>
+                <a:prstDash val="solid"/>
+                <a:miter lim="800000"/>
+              </a14:hiddenLine>
+            </a:ext>
+          </a:extLst>
+        </p:spPr>
+        <p:style>
+          <a:lnRef idx="2">
+            <a:schemeClr val="accent1">
+              <a:shade val="50000"/>
+            </a:schemeClr>
+          </a:lnRef>
+          <a:fillRef idx="1">
+            <a:schemeClr val="accent1"/>
+          </a:fillRef>
+          <a:effectRef idx="0">
+            <a:schemeClr val="accent1"/>
+          </a:effectRef>
+          <a:fontRef idx="minor">
+            <a:schemeClr val="lt1"/>
+          </a:fontRef>
+        </p:style>
+        <p:txBody>
+          <a:bodyPr rtlCol="0" anchor="ctr"/>
+          <a:lstStyle/>
+          <a:p>
+            <a:pPr algn="ctr"/>
+            <a:endParaRPr lang="en-US"/>
+          </a:p>
+        </p:txBody>
+      </p:sp>
+      <p:sp useBgFill="1">
+        <p:nvSpPr>
+          <p:cNvPr id="10" name="Rectangle 9">
+            <a:extLst>
+              <a:ext uri="{FF2B5EF4-FFF2-40B4-BE49-F238E27FC236}">
+                <a16:creationId xmlns:a16="http://schemas.microsoft.com/office/drawing/2014/main" id="{C4285719-470E-454C-AF62-8323075F1F5B}"/>
+              </a:ext>
+              <a:ext uri="{C183D7F6-B498-43B3-948B-1728B52AA6E4}">
+                <adec:decorative xmlns:adec="http://schemas.microsoft.com/office/drawing/2017/decorative" val="1"/>
+              </a:ext>
+            </a:extLst>
+          </p:cNvPr>
+          <p:cNvSpPr>
+            <a:spLocks noGrp="1" noRot="1" noChangeAspect="1" noMove="1" noResize="1" noEditPoints="1" noAdjustHandles="1" noChangeArrowheads="1" noChangeShapeType="1" noTextEdit="1"/>
+          </p:cNvSpPr>
+          <p:nvPr>
+            <p:extLst>
+              <p:ext uri="{386F3935-93C4-4BCD-93E2-E3B085C9AB24}">
+                <p16:designElem xmlns:p16="http://schemas.microsoft.com/office/powerpoint/2015/main" val="1"/>
+              </p:ext>
+            </p:extLst>
+          </p:nvPr>
+        </p:nvSpPr>
+        <p:spPr>
+          <a:xfrm>
+            <a:off x="0" y="0"/>
+            <a:ext cx="12188952" cy="6858000"/>
+          </a:xfrm>
+          <a:prstGeom prst="rect">
+            <a:avLst/>
+          </a:prstGeom>
+          <a:ln w="12700" cap="flat" cmpd="sng" algn="ctr">
+            <a:noFill/>
+            <a:prstDash val="solid"/>
+            <a:miter lim="800000"/>
+          </a:ln>
+          <a:effectLst/>
+          <a:extLst>
+            <a:ext uri="{91240B29-F687-4F45-9708-019B960494DF}">
+              <a14:hiddenLine xmlns:a14="http://schemas.microsoft.com/office/drawing/2010/main" w="12700" cap="flat" cmpd="sng" algn="ctr">
+                <a:solidFill>
+                  <a:schemeClr val="accent1">
+                    <a:shade val="50000"/>
+                  </a:schemeClr>
+                </a:solidFill>
+                <a:prstDash val="solid"/>
+                <a:miter lim="800000"/>
+              </a14:hiddenLine>
+            </a:ext>
+          </a:extLst>
+        </p:spPr>
+        <p:style>
+          <a:lnRef idx="2">
+            <a:schemeClr val="accent1">
+              <a:shade val="50000"/>
+            </a:schemeClr>
+          </a:lnRef>
+          <a:fillRef idx="1">
+            <a:schemeClr val="accent1"/>
+          </a:fillRef>
+          <a:effectRef idx="0">
+            <a:schemeClr val="accent1"/>
+          </a:effectRef>
+          <a:fontRef idx="minor">
+            <a:schemeClr val="lt1"/>
+          </a:fontRef>
+        </p:style>
+        <p:txBody>
+          <a:bodyPr rtlCol="0" anchor="ctr"/>
+          <a:lstStyle/>
+          <a:p>
+            <a:pPr algn="ctr"/>
+            <a:endParaRPr lang="en-US"/>
+          </a:p>
+        </p:txBody>
+      </p:sp>
+      <p:sp>
+        <p:nvSpPr>
+          <p:cNvPr id="12" name="Rectangle 11">
+            <a:extLst>
+              <a:ext uri="{FF2B5EF4-FFF2-40B4-BE49-F238E27FC236}">
+                <a16:creationId xmlns:a16="http://schemas.microsoft.com/office/drawing/2014/main" id="{CD9FE4EF-C4D8-49A0-B2FF-81D8DB7D8A24}"/>
+              </a:ext>
+              <a:ext uri="{C183D7F6-B498-43B3-948B-1728B52AA6E4}">
+                <adec:decorative xmlns:adec="http://schemas.microsoft.com/office/drawing/2017/decorative" val="1"/>
+              </a:ext>
+            </a:extLst>
+          </p:cNvPr>
+          <p:cNvSpPr>
+            <a:spLocks noGrp="1" noRot="1" noChangeAspect="1" noMove="1" noResize="1" noEditPoints="1" noAdjustHandles="1" noChangeArrowheads="1" noChangeShapeType="1" noTextEdit="1"/>
+          </p:cNvSpPr>
+          <p:nvPr>
+            <p:extLst>
+              <p:ext uri="{386F3935-93C4-4BCD-93E2-E3B085C9AB24}">
+                <p16:designElem xmlns:p16="http://schemas.microsoft.com/office/powerpoint/2015/main" val="1"/>
+              </p:ext>
+            </p:extLst>
+          </p:nvPr>
+        </p:nvSpPr>
+        <p:spPr>
+          <a:xfrm rot="5400000" flipH="1">
+            <a:off x="-1410084" y="1410082"/>
+            <a:ext cx="6858000" cy="4037836"/>
+          </a:xfrm>
+          <a:prstGeom prst="rect">
+            <a:avLst/>
+          </a:prstGeom>
+          <a:gradFill>
+            <a:gsLst>
+              <a:gs pos="8000">
+                <a:srgbClr val="000000"/>
+              </a:gs>
+              <a:gs pos="100000">
+                <a:schemeClr val="accent1">
+                  <a:lumMod val="75000"/>
+                </a:schemeClr>
+              </a:gs>
+            </a:gsLst>
+            <a:lin ang="3000000" scaled="0"/>
+          </a:gradFill>
+          <a:ln>
+            <a:noFill/>
+          </a:ln>
+        </p:spPr>
+        <p:style>
+          <a:lnRef idx="2">
+            <a:schemeClr val="accent1">
+              <a:shade val="50000"/>
+            </a:schemeClr>
+          </a:lnRef>
+          <a:fillRef idx="1">
+            <a:schemeClr val="accent1"/>
+          </a:fillRef>
+          <a:effectRef idx="0">
+            <a:schemeClr val="accent1"/>
+          </a:effectRef>
+          <a:fontRef idx="minor">
+            <a:schemeClr val="lt1"/>
+          </a:fontRef>
+        </p:style>
+        <p:txBody>
+          <a:bodyPr rtlCol="0" anchor="ctr"/>
+          <a:lstStyle/>
+          <a:p>
+            <a:pPr algn="ctr"/>
+            <a:endParaRPr lang="en-US"/>
+          </a:p>
+        </p:txBody>
+      </p:sp>
+      <p:sp>
+        <p:nvSpPr>
+          <p:cNvPr id="14" name="Rectangle 13">
+            <a:extLst>
+              <a:ext uri="{FF2B5EF4-FFF2-40B4-BE49-F238E27FC236}">
+                <a16:creationId xmlns:a16="http://schemas.microsoft.com/office/drawing/2014/main" id="{4300840D-0A0B-4512-BACA-B439D5B9C57C}"/>
+              </a:ext>
+              <a:ext uri="{C183D7F6-B498-43B3-948B-1728B52AA6E4}">
+                <adec:decorative xmlns:adec="http://schemas.microsoft.com/office/drawing/2017/decorative" val="1"/>
+              </a:ext>
+            </a:extLst>
+          </p:cNvPr>
+          <p:cNvSpPr>
+            <a:spLocks noGrp="1" noRot="1" noChangeAspect="1" noMove="1" noResize="1" noEditPoints="1" noAdjustHandles="1" noChangeArrowheads="1" noChangeShapeType="1" noTextEdit="1"/>
+          </p:cNvSpPr>
+          <p:nvPr>
+            <p:extLst>
+              <p:ext uri="{386F3935-93C4-4BCD-93E2-E3B085C9AB24}">
+                <p16:designElem xmlns:p16="http://schemas.microsoft.com/office/powerpoint/2015/main" val="1"/>
+              </p:ext>
+            </p:extLst>
+          </p:nvPr>
+        </p:nvSpPr>
+        <p:spPr>
+          <a:xfrm rot="5400000" flipH="1">
+            <a:off x="-1410085" y="1420219"/>
+            <a:ext cx="6857999" cy="4037839"/>
+          </a:xfrm>
+          <a:prstGeom prst="rect">
+            <a:avLst/>
+          </a:prstGeom>
+          <a:gradFill>
+            <a:gsLst>
+              <a:gs pos="0">
+                <a:srgbClr val="000000">
+                  <a:alpha val="0"/>
+                </a:srgbClr>
+              </a:gs>
+              <a:gs pos="99000">
+                <a:schemeClr val="accent1">
+                  <a:alpha val="46000"/>
+                </a:schemeClr>
+              </a:gs>
+            </a:gsLst>
+            <a:lin ang="1800000" scaled="0"/>
+          </a:gradFill>
+          <a:ln>
+            <a:noFill/>
+          </a:ln>
+        </p:spPr>
+        <p:style>
+          <a:lnRef idx="2">
+            <a:schemeClr val="accent1">
+              <a:shade val="50000"/>
+            </a:schemeClr>
+          </a:lnRef>
+          <a:fillRef idx="1">
+            <a:schemeClr val="accent1"/>
+          </a:fillRef>
+          <a:effectRef idx="0">
+            <a:schemeClr val="accent1"/>
+          </a:effectRef>
+          <a:fontRef idx="minor">
+            <a:schemeClr val="lt1"/>
+          </a:fontRef>
+        </p:style>
+        <p:txBody>
+          <a:bodyPr rtlCol="0" anchor="ctr"/>
+          <a:lstStyle/>
+          <a:p>
+            <a:pPr algn="ctr"/>
+            <a:endParaRPr lang="en-US"/>
+          </a:p>
+        </p:txBody>
+      </p:sp>
+      <p:sp>
+        <p:nvSpPr>
+          <p:cNvPr id="16" name="Rectangle 15">
+            <a:extLst>
+              <a:ext uri="{FF2B5EF4-FFF2-40B4-BE49-F238E27FC236}">
+                <a16:creationId xmlns:a16="http://schemas.microsoft.com/office/drawing/2014/main" id="{D2B78728-A580-49A7-84F9-6EF6F583ADE0}"/>
+              </a:ext>
+              <a:ext uri="{C183D7F6-B498-43B3-948B-1728B52AA6E4}">
+                <adec:decorative xmlns:adec="http://schemas.microsoft.com/office/drawing/2017/decorative" val="1"/>
+              </a:ext>
+            </a:extLst>
+          </p:cNvPr>
+          <p:cNvSpPr>
+            <a:spLocks noGrp="1" noRot="1" noChangeAspect="1" noMove="1" noResize="1" noEditPoints="1" noAdjustHandles="1" noChangeArrowheads="1" noChangeShapeType="1" noTextEdit="1"/>
+          </p:cNvSpPr>
+          <p:nvPr>
+            <p:extLst>
+              <p:ext uri="{386F3935-93C4-4BCD-93E2-E3B085C9AB24}">
+                <p16:designElem xmlns:p16="http://schemas.microsoft.com/office/powerpoint/2015/main" val="1"/>
+              </p:ext>
+            </p:extLst>
+          </p:nvPr>
+        </p:nvSpPr>
+        <p:spPr>
+          <a:xfrm rot="5400000" flipH="1">
+            <a:off x="767923" y="3588085"/>
+            <a:ext cx="2501979" cy="4037841"/>
+          </a:xfrm>
+          <a:prstGeom prst="rect">
+            <a:avLst/>
+          </a:prstGeom>
+          <a:gradFill>
+            <a:gsLst>
+              <a:gs pos="2000">
+                <a:schemeClr val="accent1">
+                  <a:alpha val="29000"/>
+                </a:schemeClr>
+              </a:gs>
+              <a:gs pos="100000">
+                <a:srgbClr val="000000">
+                  <a:alpha val="30000"/>
+                </a:srgbClr>
+              </a:gs>
+            </a:gsLst>
+            <a:lin ang="7800000" scaled="0"/>
+          </a:gradFill>
+          <a:ln>
+            <a:noFill/>
+          </a:ln>
+        </p:spPr>
+        <p:style>
+          <a:lnRef idx="2">
+            <a:schemeClr val="accent1">
+              <a:shade val="50000"/>
+            </a:schemeClr>
+          </a:lnRef>
+          <a:fillRef idx="1">
+            <a:schemeClr val="accent1"/>
+          </a:fillRef>
+          <a:effectRef idx="0">
+            <a:schemeClr val="accent1"/>
+          </a:effectRef>
+          <a:fontRef idx="minor">
+            <a:schemeClr val="lt1"/>
+          </a:fontRef>
+        </p:style>
+        <p:txBody>
+          <a:bodyPr rtlCol="0" anchor="ctr"/>
+          <a:lstStyle/>
+          <a:p>
+            <a:pPr algn="ctr"/>
+            <a:endParaRPr lang="en-US" dirty="0"/>
+          </a:p>
+        </p:txBody>
+      </p:sp>
+      <p:sp>
+        <p:nvSpPr>
+          <p:cNvPr id="18" name="Freeform: Shape 17">
+            <a:extLst>
+              <a:ext uri="{FF2B5EF4-FFF2-40B4-BE49-F238E27FC236}">
+                <a16:creationId xmlns:a16="http://schemas.microsoft.com/office/drawing/2014/main" id="{38FAA1A1-D861-433F-88FA-1E9D6FD31D11}"/>
+              </a:ext>
+              <a:ext uri="{C183D7F6-B498-43B3-948B-1728B52AA6E4}">
+                <adec:decorative xmlns:adec="http://schemas.microsoft.com/office/drawing/2017/decorative" val="1"/>
+              </a:ext>
+            </a:extLst>
+          </p:cNvPr>
+          <p:cNvSpPr>
+            <a:spLocks noGrp="1" noRot="1" noChangeAspect="1" noMove="1" noResize="1" noEditPoints="1" noAdjustHandles="1" noChangeArrowheads="1" noChangeShapeType="1" noTextEdit="1"/>
+          </p:cNvSpPr>
+          <p:nvPr>
+            <p:extLst>
+              <p:ext uri="{386F3935-93C4-4BCD-93E2-E3B085C9AB24}">
+                <p16:designElem xmlns:p16="http://schemas.microsoft.com/office/powerpoint/2015/main" val="1"/>
+              </p:ext>
+            </p:extLst>
+          </p:nvPr>
+        </p:nvSpPr>
+        <p:spPr>
+          <a:xfrm rot="20635413">
+            <a:off x="-501737" y="969718"/>
+            <a:ext cx="3900357" cy="4178958"/>
+          </a:xfrm>
+          <a:custGeom>
+            <a:avLst/>
+            <a:gdLst>
+              <a:gd name="connsiteX0" fmla="*/ 2432225 w 3900357"/>
+              <a:gd name="connsiteY0" fmla="*/ 93939 h 4178958"/>
+              <a:gd name="connsiteX1" fmla="*/ 3900357 w 3900357"/>
+              <a:gd name="connsiteY1" fmla="*/ 2089479 h 4178958"/>
+              <a:gd name="connsiteX2" fmla="*/ 1810878 w 3900357"/>
+              <a:gd name="connsiteY2" fmla="*/ 4178958 h 4178958"/>
+              <a:gd name="connsiteX3" fmla="*/ 78249 w 3900357"/>
+              <a:gd name="connsiteY3" fmla="*/ 3257727 h 4178958"/>
+              <a:gd name="connsiteX4" fmla="*/ 0 w 3900357"/>
+              <a:gd name="connsiteY4" fmla="*/ 3128923 h 4178958"/>
+              <a:gd name="connsiteX5" fmla="*/ 831324 w 3900357"/>
+              <a:gd name="connsiteY5" fmla="*/ 244281 h 4178958"/>
+              <a:gd name="connsiteX6" fmla="*/ 997559 w 3900357"/>
+              <a:gd name="connsiteY6" fmla="*/ 164202 h 4178958"/>
+              <a:gd name="connsiteX7" fmla="*/ 1810878 w 3900357"/>
+              <a:gd name="connsiteY7" fmla="*/ 0 h 4178958"/>
+              <a:gd name="connsiteX8" fmla="*/ 2432225 w 3900357"/>
+              <a:gd name="connsiteY8" fmla="*/ 93939 h 4178958"/>
+            </a:gdLst>
+            <a:ahLst/>
+            <a:cxnLst>
+              <a:cxn ang="0">
+                <a:pos x="connsiteX0" y="connsiteY0"/>
+              </a:cxn>
+              <a:cxn ang="0">
+                <a:pos x="connsiteX1" y="connsiteY1"/>
+              </a:cxn>
+              <a:cxn ang="0">
+                <a:pos x="connsiteX2" y="connsiteY2"/>
+              </a:cxn>
+              <a:cxn ang="0">
+                <a:pos x="connsiteX3" y="connsiteY3"/>
+              </a:cxn>
+              <a:cxn ang="0">
+                <a:pos x="connsiteX4" y="connsiteY4"/>
+              </a:cxn>
+              <a:cxn ang="0">
+                <a:pos x="connsiteX5" y="connsiteY5"/>
+              </a:cxn>
+              <a:cxn ang="0">
+                <a:pos x="connsiteX6" y="connsiteY6"/>
+              </a:cxn>
+              <a:cxn ang="0">
+                <a:pos x="connsiteX7" y="connsiteY7"/>
+              </a:cxn>
+              <a:cxn ang="0">
+                <a:pos x="connsiteX8" y="connsiteY8"/>
+              </a:cxn>
+            </a:cxnLst>
+            <a:rect l="l" t="t" r="r" b="b"/>
+            <a:pathLst>
+              <a:path w="3900357" h="4178958">
+                <a:moveTo>
+                  <a:pt x="2432225" y="93939"/>
+                </a:moveTo>
+                <a:cubicBezTo>
+                  <a:pt x="3282786" y="358491"/>
+                  <a:pt x="3900357" y="1151865"/>
+                  <a:pt x="3900357" y="2089479"/>
+                </a:cubicBezTo>
+                <a:cubicBezTo>
+                  <a:pt x="3900357" y="3243466"/>
+                  <a:pt x="2964865" y="4178958"/>
+                  <a:pt x="1810878" y="4178958"/>
+                </a:cubicBezTo>
+                <a:cubicBezTo>
+                  <a:pt x="1089636" y="4178958"/>
+                  <a:pt x="453744" y="3813531"/>
+                  <a:pt x="78249" y="3257727"/>
+                </a:cubicBezTo>
+                <a:lnTo>
+                  <a:pt x="0" y="3128923"/>
+                </a:lnTo>
+                <a:lnTo>
+                  <a:pt x="831324" y="244281"/>
+                </a:lnTo>
+                <a:lnTo>
+                  <a:pt x="997559" y="164202"/>
+                </a:lnTo>
+                <a:cubicBezTo>
+                  <a:pt x="1247540" y="58468"/>
+                  <a:pt x="1522381" y="0"/>
+                  <a:pt x="1810878" y="0"/>
+                </a:cubicBezTo>
+                <a:cubicBezTo>
+                  <a:pt x="2027251" y="0"/>
+                  <a:pt x="2235942" y="32888"/>
+                  <a:pt x="2432225" y="93939"/>
+                </a:cubicBezTo>
+                <a:close/>
+              </a:path>
+            </a:pathLst>
+          </a:custGeom>
+          <a:gradFill>
+            <a:gsLst>
+              <a:gs pos="29000">
+                <a:srgbClr val="000000">
+                  <a:alpha val="0"/>
+                </a:srgbClr>
+              </a:gs>
+              <a:gs pos="100000">
+                <a:schemeClr val="accent1">
+                  <a:alpha val="43000"/>
+                </a:schemeClr>
+              </a:gs>
+            </a:gsLst>
+            <a:lin ang="1800000" scaled="0"/>
+          </a:gradFill>
+          <a:ln>
+            <a:noFill/>
+          </a:ln>
+        </p:spPr>
+        <p:style>
+          <a:lnRef idx="2">
+            <a:schemeClr val="accent1">
+              <a:shade val="50000"/>
+            </a:schemeClr>
+          </a:lnRef>
+          <a:fillRef idx="1">
+            <a:schemeClr val="accent1"/>
+          </a:fillRef>
+          <a:effectRef idx="0">
+            <a:schemeClr val="accent1"/>
+          </a:effectRef>
+          <a:fontRef idx="minor">
+            <a:schemeClr val="lt1"/>
+          </a:fontRef>
+        </p:style>
+        <p:txBody>
+          <a:bodyPr wrap="square" rtlCol="0" anchor="ctr">
+            <a:noAutofit/>
+          </a:bodyPr>
+          <a:lstStyle/>
+          <a:p>
+            <a:pPr algn="ctr"/>
+            <a:endParaRPr lang="en-US" dirty="0"/>
+          </a:p>
+        </p:txBody>
+      </p:sp>
+      <p:sp>
+        <p:nvSpPr>
+          <p:cNvPr id="20" name="Rectangle 19">
+            <a:extLst>
+              <a:ext uri="{FF2B5EF4-FFF2-40B4-BE49-F238E27FC236}">
+                <a16:creationId xmlns:a16="http://schemas.microsoft.com/office/drawing/2014/main" id="{8D71EDA1-87BF-4D5D-AB79-F346FD19278A}"/>
+              </a:ext>
+              <a:ext uri="{C183D7F6-B498-43B3-948B-1728B52AA6E4}">
+                <adec:decorative xmlns:adec="http://schemas.microsoft.com/office/drawing/2017/decorative" val="1"/>
+              </a:ext>
+            </a:extLst>
+          </p:cNvPr>
+          <p:cNvSpPr>
+            <a:spLocks noGrp="1" noRot="1" noChangeAspect="1" noMove="1" noResize="1" noEditPoints="1" noAdjustHandles="1" noChangeArrowheads="1" noChangeShapeType="1" noTextEdit="1"/>
+          </p:cNvSpPr>
+          <p:nvPr>
+            <p:extLst>
+              <p:ext uri="{386F3935-93C4-4BCD-93E2-E3B085C9AB24}">
+                <p16:designElem xmlns:p16="http://schemas.microsoft.com/office/powerpoint/2015/main" val="1"/>
+              </p:ext>
+            </p:extLst>
+          </p:nvPr>
+        </p:nvSpPr>
+        <p:spPr>
+          <a:xfrm rot="5400000" flipH="1">
+            <a:off x="-1410093" y="1399943"/>
+            <a:ext cx="6858003" cy="4037835"/>
+          </a:xfrm>
+          <a:prstGeom prst="rect">
+            <a:avLst/>
+          </a:prstGeom>
+          <a:gradFill>
+            <a:gsLst>
+              <a:gs pos="0">
+                <a:srgbClr val="000000">
+                  <a:alpha val="0"/>
+                </a:srgbClr>
+              </a:gs>
+              <a:gs pos="99000">
+                <a:schemeClr val="accent1">
+                  <a:lumMod val="60000"/>
+                  <a:lumOff val="40000"/>
+                  <a:alpha val="11000"/>
+                </a:schemeClr>
+              </a:gs>
+            </a:gsLst>
+            <a:lin ang="7200000" scaled="0"/>
+          </a:gradFill>
+          <a:ln>
+            <a:noFill/>
+          </a:ln>
+        </p:spPr>
+        <p:style>
+          <a:lnRef idx="2">
+            <a:schemeClr val="accent1">
+              <a:shade val="50000"/>
+            </a:schemeClr>
+          </a:lnRef>
+          <a:fillRef idx="1">
+            <a:schemeClr val="accent1"/>
+          </a:fillRef>
+          <a:effectRef idx="0">
+            <a:schemeClr val="accent1"/>
+          </a:effectRef>
+          <a:fontRef idx="minor">
+            <a:schemeClr val="lt1"/>
+          </a:fontRef>
+        </p:style>
+        <p:txBody>
+          <a:bodyPr rtlCol="0" anchor="ctr"/>
+          <a:lstStyle/>
+          <a:p>
+            <a:pPr algn="ctr"/>
+            <a:endParaRPr lang="en-US"/>
+          </a:p>
+        </p:txBody>
+      </p:sp>
+      <p:sp>
+        <p:nvSpPr>
+          <p:cNvPr id="2" name="Title 1">
+            <a:extLst>
+              <a:ext uri="{FF2B5EF4-FFF2-40B4-BE49-F238E27FC236}">
+                <a16:creationId xmlns:a16="http://schemas.microsoft.com/office/drawing/2014/main" id="{DBD66BFE-722E-AD40-9EC8-C76692D07218}"/>
+              </a:ext>
+            </a:extLst>
+          </p:cNvPr>
+          <p:cNvSpPr>
+            <a:spLocks noGrp="1"/>
+          </p:cNvSpPr>
+          <p:nvPr>
+            <p:ph type="title"/>
+          </p:nvPr>
+        </p:nvSpPr>
+        <p:spPr>
+          <a:xfrm>
+            <a:off x="466722" y="586855"/>
+            <a:ext cx="3201366" cy="3387497"/>
+          </a:xfrm>
+        </p:spPr>
+        <p:txBody>
+          <a:bodyPr anchor="b">
+            <a:normAutofit/>
+          </a:bodyPr>
+          <a:lstStyle/>
+          <a:p>
+            <a:pPr algn="r"/>
+            <a:r>
+              <a:rPr lang="en-US" sz="4000">
+                <a:solidFill>
+                  <a:srgbClr val="FFFFFF"/>
+                </a:solidFill>
+              </a:rPr>
+              <a:t>Part II : Overview</a:t>
+            </a:r>
+          </a:p>
+        </p:txBody>
+      </p:sp>
+      <p:sp>
+        <p:nvSpPr>
+          <p:cNvPr id="3" name="Content Placeholder 2">
+            <a:extLst>
+              <a:ext uri="{FF2B5EF4-FFF2-40B4-BE49-F238E27FC236}">
+                <a16:creationId xmlns:a16="http://schemas.microsoft.com/office/drawing/2014/main" id="{C7B9A115-CC85-E047-A412-9607D17502CD}"/>
+              </a:ext>
+            </a:extLst>
+          </p:cNvPr>
+          <p:cNvSpPr>
+            <a:spLocks noGrp="1"/>
+          </p:cNvSpPr>
+          <p:nvPr>
+            <p:ph idx="1"/>
+          </p:nvPr>
+        </p:nvSpPr>
+        <p:spPr>
+          <a:xfrm>
+            <a:off x="4810259" y="649480"/>
+            <a:ext cx="6555347" cy="5546047"/>
+          </a:xfrm>
+        </p:spPr>
+        <p:txBody>
+          <a:bodyPr anchor="ctr">
+            <a:normAutofit/>
+          </a:bodyPr>
+          <a:lstStyle/>
+          <a:p>
+            <a:pPr>
+              <a:buFont typeface="Wingdings" pitchFamily="2" charset="2"/>
+              <a:buChar char="v"/>
+            </a:pPr>
+            <a:r>
+              <a:rPr lang="en-US" sz="2000" dirty="0"/>
+              <a:t> Getting to know your data </a:t>
+            </a:r>
+          </a:p>
+          <a:p>
+            <a:pPr marL="457200" lvl="1" indent="0">
+              <a:spcAft>
+                <a:spcPts val="600"/>
+              </a:spcAft>
+              <a:buNone/>
+            </a:pPr>
+            <a:r>
+              <a:rPr lang="en-US" sz="2000" dirty="0"/>
+              <a:t>Formatting | Visualization | Partitioning | Normalization | Integrity</a:t>
+            </a:r>
+          </a:p>
+          <a:p>
+            <a:pPr>
+              <a:buFont typeface="Wingdings" pitchFamily="2" charset="2"/>
+              <a:buChar char="v"/>
+            </a:pPr>
+            <a:r>
+              <a:rPr lang="en-US" sz="2000" dirty="0"/>
+              <a:t> Feature Selection</a:t>
+            </a:r>
+          </a:p>
+          <a:p>
+            <a:pPr marL="457200" lvl="1" indent="0">
+              <a:spcAft>
+                <a:spcPts val="600"/>
+              </a:spcAft>
+              <a:buNone/>
+            </a:pPr>
+            <a:r>
+              <a:rPr lang="en-US" sz="2000" dirty="0"/>
+              <a:t>Parsimony | Dimension Reduction |  Supervised and Unsupervised Methods</a:t>
+            </a:r>
+          </a:p>
+          <a:p>
+            <a:pPr>
+              <a:buFont typeface="Wingdings" pitchFamily="2" charset="2"/>
+              <a:buChar char="v"/>
+            </a:pPr>
+            <a:r>
+              <a:rPr lang="en-US" sz="2000" dirty="0"/>
+              <a:t> Classification Models</a:t>
+            </a:r>
+          </a:p>
+          <a:p>
+            <a:pPr marL="457200" lvl="1" indent="0">
+              <a:spcAft>
+                <a:spcPts val="600"/>
+              </a:spcAft>
+              <a:buNone/>
+            </a:pPr>
+            <a:r>
+              <a:rPr lang="en-US" sz="2000" dirty="0"/>
+              <a:t>Cross-Entropy and other Error Metrics | Random Forest | Logistic Regression</a:t>
+            </a:r>
+          </a:p>
+          <a:p>
+            <a:pPr>
+              <a:buFont typeface="Wingdings" pitchFamily="2" charset="2"/>
+              <a:buChar char="v"/>
+            </a:pPr>
+            <a:r>
+              <a:rPr lang="en-US" sz="2000" dirty="0"/>
+              <a:t> Regression Models</a:t>
+            </a:r>
+          </a:p>
+          <a:p>
+            <a:pPr marL="457200" lvl="1" indent="0">
+              <a:spcAft>
+                <a:spcPts val="600"/>
+              </a:spcAft>
+              <a:buNone/>
+            </a:pPr>
+            <a:r>
+              <a:rPr lang="en-US" sz="2000" dirty="0"/>
+              <a:t>Linear Regression | Regularization | LASSO | Elastic-Net</a:t>
+            </a:r>
+          </a:p>
+          <a:p>
+            <a:pPr>
+              <a:buFont typeface="Wingdings" pitchFamily="2" charset="2"/>
+              <a:buChar char="v"/>
+            </a:pPr>
+            <a:r>
+              <a:rPr lang="en-US" sz="2000" dirty="0"/>
+              <a:t> End-to-End ML Workflow – Leukemia Project </a:t>
+            </a:r>
+            <a:r>
+              <a:rPr lang="en-US" sz="2000" b="1" dirty="0"/>
+              <a:t>(two weeks)</a:t>
+            </a:r>
+          </a:p>
+          <a:p>
+            <a:pPr>
+              <a:buFont typeface="Wingdings" pitchFamily="2" charset="2"/>
+              <a:buChar char="v"/>
+            </a:pPr>
+            <a:r>
+              <a:rPr lang="en-US" sz="2000" dirty="0"/>
+              <a:t> Convolutional Neural Networks – MRI Brain Tumor Project</a:t>
+            </a:r>
+          </a:p>
+          <a:p>
+            <a:pPr>
+              <a:buFont typeface="Wingdings" pitchFamily="2" charset="2"/>
+              <a:buChar char="v"/>
+            </a:pPr>
+            <a:r>
+              <a:rPr lang="en-US" sz="2000" dirty="0"/>
+              <a:t> Adv. Topics – Sequence. Models | Encoders |GANs | Reinforcement Learning</a:t>
+            </a:r>
+          </a:p>
+        </p:txBody>
+      </p:sp>
+      <p:sp>
+        <p:nvSpPr>
+          <p:cNvPr id="4" name="Rectangle 3">
+            <a:extLst>
+              <a:ext uri="{FF2B5EF4-FFF2-40B4-BE49-F238E27FC236}">
+                <a16:creationId xmlns:a16="http://schemas.microsoft.com/office/drawing/2014/main" id="{F1E01CD0-A057-9444-9E0D-5318820AB8A2}"/>
+              </a:ext>
+            </a:extLst>
+          </p:cNvPr>
+          <p:cNvSpPr/>
+          <p:nvPr/>
+        </p:nvSpPr>
+        <p:spPr>
+          <a:xfrm>
+            <a:off x="4615688" y="3864209"/>
+            <a:ext cx="6721687" cy="815448"/>
+          </a:xfrm>
+          <a:prstGeom prst="rect">
+            <a:avLst/>
+          </a:prstGeom>
+          <a:noFill/>
+          <a:ln w="38100">
+            <a:solidFill>
+              <a:srgbClr val="FF0000"/>
+            </a:solidFill>
+          </a:ln>
+        </p:spPr>
+        <p:style>
+          <a:lnRef idx="2">
+            <a:schemeClr val="accent1">
+              <a:shade val="50000"/>
+            </a:schemeClr>
+          </a:lnRef>
+          <a:fillRef idx="1">
+            <a:schemeClr val="accent1"/>
+          </a:fillRef>
+          <a:effectRef idx="0">
+            <a:schemeClr val="accent1"/>
+          </a:effectRef>
+          <a:fontRef idx="minor">
+            <a:schemeClr val="lt1"/>
+          </a:fontRef>
+        </p:style>
+        <p:txBody>
+          <a:bodyPr rtlCol="0" anchor="ctr"/>
+          <a:lstStyle/>
+          <a:p>
+            <a:pPr algn="ctr"/>
+            <a:endParaRPr lang="en-US"/>
+          </a:p>
+        </p:txBody>
+      </p:sp>
+    </p:spTree>
+    <p:extLst>
+      <p:ext uri="{BB962C8B-B14F-4D97-AF65-F5344CB8AC3E}">
+        <p14:creationId xmlns:p14="http://schemas.microsoft.com/office/powerpoint/2010/main" val="3373991"/>
+      </p:ext>
+    </p:extLst>
+  </p:cSld>
+  <p:clrMapOvr>
+    <a:masterClrMapping/>
+  </p:clrMapOvr>
+</p:sld>
+</file>
+
+<file path=ppt/slides/slide4.xml><?xml version="1.0" encoding="utf-8"?>
+<p:sld xmlns:a="http://schemas.openxmlformats.org/drawingml/2006/main" xmlns:r="http://schemas.openxmlformats.org/officeDocument/2006/relationships" xmlns:p="http://schemas.openxmlformats.org/presentationml/2006/main">
+  <p:cSld>
+    <p:spTree>
+      <p:nvGrpSpPr>
+        <p:cNvPr id="1" name=""/>
+        <p:cNvGrpSpPr/>
+        <p:nvPr/>
+      </p:nvGrpSpPr>
+      <p:grpSpPr>
+        <a:xfrm>
+          <a:off x="0" y="0"/>
+          <a:ext cx="0" cy="0"/>
+          <a:chOff x="0" y="0"/>
+          <a:chExt cx="0" cy="0"/>
+        </a:xfrm>
+      </p:grpSpPr>
+      <p:sp>
+        <p:nvSpPr>
+          <p:cNvPr id="2" name="Title 1">
+            <a:extLst>
+              <a:ext uri="{FF2B5EF4-FFF2-40B4-BE49-F238E27FC236}">
+                <a16:creationId xmlns:a16="http://schemas.microsoft.com/office/drawing/2014/main" id="{8CC98108-44DB-A649-ABCA-C265C9D2BF1F}"/>
+              </a:ext>
+            </a:extLst>
+          </p:cNvPr>
+          <p:cNvSpPr>
+            <a:spLocks noGrp="1"/>
+          </p:cNvSpPr>
+          <p:nvPr>
+            <p:ph type="title"/>
+          </p:nvPr>
+        </p:nvSpPr>
+        <p:spPr/>
+        <p:txBody>
+          <a:bodyPr/>
+          <a:lstStyle/>
+          <a:p>
+            <a:r>
+              <a:rPr lang="en-US" dirty="0"/>
+              <a:t>What is Regression</a:t>
+            </a:r>
+          </a:p>
+        </p:txBody>
+      </p:sp>
+      <p:sp>
+        <p:nvSpPr>
+          <p:cNvPr id="3" name="Content Placeholder 2">
+            <a:extLst>
+              <a:ext uri="{FF2B5EF4-FFF2-40B4-BE49-F238E27FC236}">
+                <a16:creationId xmlns:a16="http://schemas.microsoft.com/office/drawing/2014/main" id="{1861F30C-45DC-FD46-AACD-3F4F734FB3BD}"/>
+              </a:ext>
+            </a:extLst>
+          </p:cNvPr>
+          <p:cNvSpPr>
+            <a:spLocks noGrp="1"/>
+          </p:cNvSpPr>
+          <p:nvPr>
+            <p:ph idx="1"/>
+          </p:nvPr>
+        </p:nvSpPr>
+        <p:spPr>
+          <a:xfrm>
+            <a:off x="554804" y="1825625"/>
+            <a:ext cx="6390526" cy="4482708"/>
+          </a:xfrm>
+        </p:spPr>
+        <p:txBody>
+          <a:bodyPr>
+            <a:normAutofit/>
+          </a:bodyPr>
+          <a:lstStyle/>
+          <a:p>
+            <a:r>
+              <a:rPr lang="en-US" dirty="0"/>
+              <a:t>Assumes a linear relationship between input (x) and a continuous output y(x)</a:t>
+            </a:r>
+          </a:p>
+          <a:p>
+            <a:endParaRPr lang="en-US" dirty="0"/>
+          </a:p>
+          <a:p>
+            <a:r>
+              <a:rPr lang="en-US" dirty="0"/>
+              <a:t>Simple vs multiple linear regression Base Algorithm – Ordinary Least Squares (OLS)</a:t>
+            </a:r>
+          </a:p>
+          <a:p>
+            <a:endParaRPr lang="en-US" dirty="0"/>
+          </a:p>
+          <a:p>
+            <a:r>
+              <a:rPr lang="en-US" dirty="0"/>
+              <a:t>Task is to assign a scaling factor (</a:t>
+            </a:r>
+            <a:r>
+              <a:rPr lang="el-GR" dirty="0"/>
+              <a:t>β</a:t>
+            </a:r>
+            <a:r>
+              <a:rPr lang="en-US" dirty="0"/>
+              <a:t>) for each predictor that minimizes some kind of error metric.</a:t>
+            </a:r>
+          </a:p>
+          <a:p>
+            <a:pPr marL="0" indent="0">
+              <a:buNone/>
+            </a:pPr>
+            <a:endParaRPr lang="en-US" dirty="0"/>
+          </a:p>
+        </p:txBody>
+      </p:sp>
+      <p:pic>
+        <p:nvPicPr>
+          <p:cNvPr id="5" name="Picture 4">
+            <a:extLst>
+              <a:ext uri="{FF2B5EF4-FFF2-40B4-BE49-F238E27FC236}">
+                <a16:creationId xmlns:a16="http://schemas.microsoft.com/office/drawing/2014/main" id="{96F55D50-5C44-4549-BBC3-E5BAC04497DB}"/>
+              </a:ext>
+            </a:extLst>
+          </p:cNvPr>
+          <p:cNvPicPr>
+            <a:picLocks noChangeAspect="1"/>
+          </p:cNvPicPr>
+          <p:nvPr/>
+        </p:nvPicPr>
+        <p:blipFill>
+          <a:blip r:embed="rId3"/>
+          <a:stretch>
+            <a:fillRect/>
+          </a:stretch>
+        </p:blipFill>
+        <p:spPr>
+          <a:xfrm>
+            <a:off x="6945330" y="0"/>
+            <a:ext cx="4705265" cy="6858000"/>
+          </a:xfrm>
+          <a:prstGeom prst="rect">
+            <a:avLst/>
+          </a:prstGeom>
+        </p:spPr>
+      </p:pic>
+    </p:spTree>
+    <p:extLst>
+      <p:ext uri="{BB962C8B-B14F-4D97-AF65-F5344CB8AC3E}">
+        <p14:creationId xmlns:p14="http://schemas.microsoft.com/office/powerpoint/2010/main" val="407241649"/>
+      </p:ext>
+    </p:extLst>
+  </p:cSld>
+  <p:clrMapOvr>
+    <a:masterClrMapping/>
+  </p:clrMapOvr>
+</p:sld>
+</file>
+
+<file path=ppt/slides/slide5.xml><?xml version="1.0" encoding="utf-8"?>
+<p:sld xmlns:a="http://schemas.openxmlformats.org/drawingml/2006/main" xmlns:r="http://schemas.openxmlformats.org/officeDocument/2006/relationships" xmlns:p="http://schemas.openxmlformats.org/presentationml/2006/main">
+  <p:cSld>
+    <p:spTree>
+      <p:nvGrpSpPr>
+        <p:cNvPr id="1" name=""/>
+        <p:cNvGrpSpPr/>
+        <p:nvPr/>
+      </p:nvGrpSpPr>
+      <p:grpSpPr>
+        <a:xfrm>
+          <a:off x="0" y="0"/>
+          <a:ext cx="0" cy="0"/>
+          <a:chOff x="0" y="0"/>
+          <a:chExt cx="0" cy="0"/>
+        </a:xfrm>
+      </p:grpSpPr>
+      <p:sp>
+        <p:nvSpPr>
+          <p:cNvPr id="2" name="Title 1">
+            <a:extLst>
+              <a:ext uri="{FF2B5EF4-FFF2-40B4-BE49-F238E27FC236}">
+                <a16:creationId xmlns:a16="http://schemas.microsoft.com/office/drawing/2014/main" id="{8CC98108-44DB-A649-ABCA-C265C9D2BF1F}"/>
+              </a:ext>
+            </a:extLst>
+          </p:cNvPr>
+          <p:cNvSpPr>
+            <a:spLocks noGrp="1"/>
+          </p:cNvSpPr>
+          <p:nvPr>
+            <p:ph type="title"/>
+          </p:nvPr>
+        </p:nvSpPr>
+        <p:spPr/>
+        <p:txBody>
+          <a:bodyPr/>
+          <a:lstStyle/>
+          <a:p>
+            <a:r>
+              <a:rPr lang="en-US" dirty="0"/>
+              <a:t>What is Regression</a:t>
+            </a:r>
+          </a:p>
+        </p:txBody>
+      </p:sp>
+      <p:sp>
+        <p:nvSpPr>
+          <p:cNvPr id="3" name="Content Placeholder 2">
+            <a:extLst>
+              <a:ext uri="{FF2B5EF4-FFF2-40B4-BE49-F238E27FC236}">
+                <a16:creationId xmlns:a16="http://schemas.microsoft.com/office/drawing/2014/main" id="{1861F30C-45DC-FD46-AACD-3F4F734FB3BD}"/>
+              </a:ext>
+            </a:extLst>
+          </p:cNvPr>
+          <p:cNvSpPr>
+            <a:spLocks noGrp="1"/>
+          </p:cNvSpPr>
+          <p:nvPr>
+            <p:ph idx="1"/>
+          </p:nvPr>
+        </p:nvSpPr>
+        <p:spPr>
+          <a:xfrm>
+            <a:off x="554804" y="1825625"/>
+            <a:ext cx="6390526" cy="4482708"/>
+          </a:xfrm>
+        </p:spPr>
+        <p:txBody>
+          <a:bodyPr>
+            <a:normAutofit/>
+          </a:bodyPr>
+          <a:lstStyle/>
+          <a:p>
+            <a:r>
+              <a:rPr lang="en-US" dirty="0"/>
+              <a:t>Assumes a linear relationship between input (x) and a continuous output y(x)</a:t>
+            </a:r>
+          </a:p>
+          <a:p>
+            <a:endParaRPr lang="en-US" dirty="0"/>
+          </a:p>
+          <a:p>
+            <a:r>
+              <a:rPr lang="en-US" dirty="0"/>
+              <a:t>Simple vs multiple linear regression Base Algorithm – Ordinary Least Squares (OLS)</a:t>
+            </a:r>
+          </a:p>
+          <a:p>
+            <a:endParaRPr lang="en-US" dirty="0"/>
+          </a:p>
+          <a:p>
+            <a:r>
+              <a:rPr lang="en-US" dirty="0"/>
+              <a:t>Task is to assign a scaling factor (</a:t>
+            </a:r>
+            <a:r>
+              <a:rPr lang="el-GR" dirty="0"/>
+              <a:t>β</a:t>
+            </a:r>
+            <a:r>
+              <a:rPr lang="en-US" dirty="0"/>
+              <a:t>) for each predictor that minimizes some kind of error metric.</a:t>
+            </a:r>
+          </a:p>
+          <a:p>
+            <a:pPr marL="0" indent="0">
+              <a:buNone/>
+            </a:pPr>
+            <a:endParaRPr lang="en-US" dirty="0"/>
+          </a:p>
+        </p:txBody>
+      </p:sp>
+      <p:pic>
+        <p:nvPicPr>
+          <p:cNvPr id="7" name="Picture 6">
+            <a:extLst>
+              <a:ext uri="{FF2B5EF4-FFF2-40B4-BE49-F238E27FC236}">
+                <a16:creationId xmlns:a16="http://schemas.microsoft.com/office/drawing/2014/main" id="{6A66B1B4-BFEA-B344-93E4-FEFA6E0AF95C}"/>
+              </a:ext>
+            </a:extLst>
+          </p:cNvPr>
+          <p:cNvPicPr>
+            <a:picLocks noChangeAspect="1"/>
+          </p:cNvPicPr>
+          <p:nvPr/>
+        </p:nvPicPr>
+        <p:blipFill>
+          <a:blip r:embed="rId3"/>
+          <a:stretch>
+            <a:fillRect/>
+          </a:stretch>
+        </p:blipFill>
+        <p:spPr>
+          <a:xfrm>
+            <a:off x="6945330" y="0"/>
+            <a:ext cx="5166565" cy="6858000"/>
+          </a:xfrm>
+          <a:prstGeom prst="rect">
+            <a:avLst/>
+          </a:prstGeom>
+        </p:spPr>
+      </p:pic>
+    </p:spTree>
+    <p:extLst>
+      <p:ext uri="{BB962C8B-B14F-4D97-AF65-F5344CB8AC3E}">
+        <p14:creationId xmlns:p14="http://schemas.microsoft.com/office/powerpoint/2010/main" val="510782346"/>
+      </p:ext>
+    </p:extLst>
+  </p:cSld>
+  <p:clrMapOvr>
+    <a:masterClrMapping/>
+  </p:clrMapOvr>
+</p:sld>
+</file>
+
+<file path=ppt/slides/slide6.xml><?xml version="1.0" encoding="utf-8"?>
+<p:sld xmlns:a="http://schemas.openxmlformats.org/drawingml/2006/main" xmlns:r="http://schemas.openxmlformats.org/officeDocument/2006/relationships" xmlns:p="http://schemas.openxmlformats.org/presentationml/2006/main">
+  <p:cSld>
+    <p:spTree>
+      <p:nvGrpSpPr>
+        <p:cNvPr id="1" name=""/>
+        <p:cNvGrpSpPr/>
+        <p:nvPr/>
+      </p:nvGrpSpPr>
+      <p:grpSpPr>
+        <a:xfrm>
+          <a:off x="0" y="0"/>
+          <a:ext cx="0" cy="0"/>
+          <a:chOff x="0" y="0"/>
+          <a:chExt cx="0" cy="0"/>
+        </a:xfrm>
+      </p:grpSpPr>
+      <p:sp>
+        <p:nvSpPr>
+          <p:cNvPr id="2" name="Title 1">
+            <a:extLst>
+              <a:ext uri="{FF2B5EF4-FFF2-40B4-BE49-F238E27FC236}">
+                <a16:creationId xmlns:a16="http://schemas.microsoft.com/office/drawing/2014/main" id="{04C2D2AD-1050-3E41-B9C8-81D982AE1D16}"/>
+              </a:ext>
+            </a:extLst>
+          </p:cNvPr>
+          <p:cNvSpPr>
+            <a:spLocks noGrp="1"/>
+          </p:cNvSpPr>
+          <p:nvPr>
+            <p:ph type="title"/>
+          </p:nvPr>
+        </p:nvSpPr>
+        <p:spPr/>
+        <p:txBody>
+          <a:bodyPr/>
+          <a:lstStyle/>
+          <a:p>
+            <a:r>
+              <a:rPr lang="en-US" dirty="0"/>
+              <a:t>Ordinary Least Squares</a:t>
+            </a:r>
+          </a:p>
+        </p:txBody>
+      </p:sp>
+      <p:sp>
+        <p:nvSpPr>
+          <p:cNvPr id="3" name="Content Placeholder 2">
+            <a:extLst>
+              <a:ext uri="{FF2B5EF4-FFF2-40B4-BE49-F238E27FC236}">
+                <a16:creationId xmlns:a16="http://schemas.microsoft.com/office/drawing/2014/main" id="{ADB3F44F-8C50-3C40-8083-8CD25E8B8045}"/>
+              </a:ext>
+            </a:extLst>
+          </p:cNvPr>
+          <p:cNvSpPr>
+            <a:spLocks noGrp="1"/>
+          </p:cNvSpPr>
+          <p:nvPr>
+            <p:ph idx="1"/>
+          </p:nvPr>
+        </p:nvSpPr>
+        <p:spPr>
+          <a:xfrm>
+            <a:off x="838200" y="1825625"/>
+            <a:ext cx="2963238" cy="4351338"/>
+          </a:xfrm>
+        </p:spPr>
+        <p:txBody>
+          <a:bodyPr>
+            <a:normAutofit lnSpcReduction="10000"/>
+          </a:bodyPr>
+          <a:lstStyle/>
+          <a:p>
+            <a:r>
+              <a:rPr lang="en-US" dirty="0"/>
+              <a:t>Minimize sum of squared residuals</a:t>
+            </a:r>
+          </a:p>
+          <a:p>
+            <a:endParaRPr lang="en-US" dirty="0"/>
+          </a:p>
+          <a:p>
+            <a:endParaRPr lang="en-US" dirty="0"/>
+          </a:p>
+          <a:p>
+            <a:endParaRPr lang="en-US" dirty="0"/>
+          </a:p>
+          <a:p>
+            <a:r>
+              <a:rPr lang="en-US" dirty="0"/>
+              <a:t>Returns the feature weights that minimize the error via linear algebra</a:t>
+            </a:r>
+          </a:p>
+        </p:txBody>
+      </p:sp>
+      <p:pic>
+        <p:nvPicPr>
+          <p:cNvPr id="5" name="Picture 4">
+            <a:extLst>
+              <a:ext uri="{FF2B5EF4-FFF2-40B4-BE49-F238E27FC236}">
+                <a16:creationId xmlns:a16="http://schemas.microsoft.com/office/drawing/2014/main" id="{0003123C-4EDA-4D46-9CC5-3AA8396148B3}"/>
+              </a:ext>
+            </a:extLst>
+          </p:cNvPr>
+          <p:cNvPicPr>
+            <a:picLocks noChangeAspect="1"/>
+          </p:cNvPicPr>
+          <p:nvPr/>
+        </p:nvPicPr>
+        <p:blipFill>
+          <a:blip r:embed="rId3"/>
+          <a:stretch>
+            <a:fillRect/>
+          </a:stretch>
+        </p:blipFill>
+        <p:spPr>
+          <a:xfrm>
+            <a:off x="4818580" y="1269447"/>
+            <a:ext cx="6832314" cy="5149478"/>
+          </a:xfrm>
+          <a:prstGeom prst="rect">
+            <a:avLst/>
+          </a:prstGeom>
+        </p:spPr>
+      </p:pic>
+      <p:pic>
+        <p:nvPicPr>
+          <p:cNvPr id="7" name="Picture 6">
+            <a:extLst>
+              <a:ext uri="{FF2B5EF4-FFF2-40B4-BE49-F238E27FC236}">
+                <a16:creationId xmlns:a16="http://schemas.microsoft.com/office/drawing/2014/main" id="{7C0A6983-348B-C74E-8E9D-6D0A81F07EB5}"/>
+              </a:ext>
+            </a:extLst>
+          </p:cNvPr>
+          <p:cNvPicPr>
+            <a:picLocks noChangeAspect="1"/>
+          </p:cNvPicPr>
+          <p:nvPr/>
+        </p:nvPicPr>
+        <p:blipFill>
+          <a:blip r:embed="rId4"/>
+          <a:stretch>
+            <a:fillRect/>
+          </a:stretch>
+        </p:blipFill>
+        <p:spPr>
+          <a:xfrm>
+            <a:off x="925818" y="2905839"/>
+            <a:ext cx="4026754" cy="1046322"/>
+          </a:xfrm>
+          <a:prstGeom prst="rect">
+            <a:avLst/>
+          </a:prstGeom>
+        </p:spPr>
+      </p:pic>
+    </p:spTree>
+    <p:extLst>
+      <p:ext uri="{BB962C8B-B14F-4D97-AF65-F5344CB8AC3E}">
+        <p14:creationId xmlns:p14="http://schemas.microsoft.com/office/powerpoint/2010/main" val="1782645455"/>
+      </p:ext>
+    </p:extLst>
+  </p:cSld>
+  <p:clrMapOvr>
+    <a:masterClrMapping/>
+  </p:clrMapOvr>
+  <mc:AlternateContent xmlns:mc="http://schemas.openxmlformats.org/markup-compatibility/2006" xmlns:p14="http://schemas.microsoft.com/office/powerpoint/2010/main">
+    <mc:Choice Requires="p14">
+      <p:transition spd="slow" p14:dur="2000" advClick="0"/>
+    </mc:Choice>
+    <mc:Fallback xmlns="">
+      <p:transition spd="slow" advClick="0"/>
+    </mc:Fallback>
+  </mc:AlternateContent>
+</p:sld>
+</file>
+
+<file path=ppt/slides/slide7.xml><?xml version="1.0" encoding="utf-8"?>
+<p:sld xmlns:a="http://schemas.openxmlformats.org/drawingml/2006/main" xmlns:r="http://schemas.openxmlformats.org/officeDocument/2006/relationships" xmlns:p="http://schemas.openxmlformats.org/presentationml/2006/main">
+  <p:cSld>
+    <p:spTree>
+      <p:nvGrpSpPr>
+        <p:cNvPr id="1" name=""/>
+        <p:cNvGrpSpPr/>
+        <p:nvPr/>
+      </p:nvGrpSpPr>
+      <p:grpSpPr>
+        <a:xfrm>
+          <a:off x="0" y="0"/>
+          <a:ext cx="0" cy="0"/>
+          <a:chOff x="0" y="0"/>
+          <a:chExt cx="0" cy="0"/>
+        </a:xfrm>
+      </p:grpSpPr>
+      <p:sp>
+        <p:nvSpPr>
+          <p:cNvPr id="2" name="Title 1">
+            <a:extLst>
+              <a:ext uri="{FF2B5EF4-FFF2-40B4-BE49-F238E27FC236}">
+                <a16:creationId xmlns:a16="http://schemas.microsoft.com/office/drawing/2014/main" id="{03571D6B-F590-0447-A415-ED7831F0625C}"/>
+              </a:ext>
+            </a:extLst>
+          </p:cNvPr>
+          <p:cNvSpPr>
+            <a:spLocks noGrp="1"/>
+          </p:cNvSpPr>
+          <p:nvPr>
+            <p:ph type="title"/>
+          </p:nvPr>
+        </p:nvSpPr>
+        <p:spPr/>
+        <p:txBody>
+          <a:bodyPr/>
+          <a:lstStyle/>
+          <a:p>
+            <a:r>
+              <a:rPr lang="en-US" dirty="0"/>
+              <a:t>Why Regularization</a:t>
+            </a:r>
+          </a:p>
+        </p:txBody>
+      </p:sp>
+      <p:sp>
+        <p:nvSpPr>
+          <p:cNvPr id="8" name="Content Placeholder 2">
+            <a:extLst>
+              <a:ext uri="{FF2B5EF4-FFF2-40B4-BE49-F238E27FC236}">
+                <a16:creationId xmlns:a16="http://schemas.microsoft.com/office/drawing/2014/main" id="{8599CBE5-48B2-6F4A-B721-5A57A8AAFD61}"/>
+              </a:ext>
+            </a:extLst>
+          </p:cNvPr>
+          <p:cNvSpPr>
+            <a:spLocks noGrp="1"/>
+          </p:cNvSpPr>
+          <p:nvPr>
+            <p:ph idx="1"/>
+          </p:nvPr>
+        </p:nvSpPr>
+        <p:spPr>
+          <a:xfrm>
+            <a:off x="838200" y="1825625"/>
+            <a:ext cx="4329701" cy="4667250"/>
+          </a:xfrm>
+        </p:spPr>
+        <p:txBody>
+          <a:bodyPr>
+            <a:normAutofit/>
+          </a:bodyPr>
+          <a:lstStyle/>
+          <a:p>
+            <a:r>
+              <a:rPr lang="en-US" dirty="0"/>
+              <a:t>Bias-Variance tradeoff</a:t>
+            </a:r>
+          </a:p>
+          <a:p>
+            <a:endParaRPr lang="en-US" dirty="0"/>
+          </a:p>
+          <a:p>
+            <a:r>
+              <a:rPr lang="en-US" dirty="0"/>
+              <a:t>OLS will give you the lowest error - low bias</a:t>
+            </a:r>
+          </a:p>
+          <a:p>
+            <a:endParaRPr lang="en-US" dirty="0"/>
+          </a:p>
+          <a:p>
+            <a:r>
+              <a:rPr lang="en-US" dirty="0"/>
+              <a:t>Uninformative features have unbounded weights since they do not influence model performance </a:t>
+            </a:r>
+          </a:p>
+          <a:p>
+            <a:pPr marL="0" indent="0">
+              <a:buNone/>
+            </a:pPr>
+            <a:endParaRPr lang="en-US" dirty="0"/>
+          </a:p>
+        </p:txBody>
+      </p:sp>
+      <p:pic>
+        <p:nvPicPr>
+          <p:cNvPr id="10" name="Picture 9">
+            <a:extLst>
+              <a:ext uri="{FF2B5EF4-FFF2-40B4-BE49-F238E27FC236}">
+                <a16:creationId xmlns:a16="http://schemas.microsoft.com/office/drawing/2014/main" id="{4B2B8033-C704-2946-9423-E957563C958B}"/>
               </a:ext>
             </a:extLst>
           </p:cNvPr>
@@ -7937,8 +9085,8 @@
         </p:blipFill>
         <p:spPr>
           <a:xfrm>
-            <a:off x="4009860" y="0"/>
-            <a:ext cx="8405232" cy="6858000"/>
+            <a:off x="4274457" y="920750"/>
+            <a:ext cx="8128000" cy="5016500"/>
           </a:xfrm>
           <a:prstGeom prst="rect">
             <a:avLst/>
@@ -7948,7 +9096,353 @@
     </p:spTree>
     <p:extLst>
       <p:ext uri="{BB962C8B-B14F-4D97-AF65-F5344CB8AC3E}">
-        <p14:creationId xmlns:p14="http://schemas.microsoft.com/office/powerpoint/2010/main" val="1834582708"/>
+        <p14:creationId xmlns:p14="http://schemas.microsoft.com/office/powerpoint/2010/main" val="4164503841"/>
+      </p:ext>
+    </p:extLst>
+  </p:cSld>
+  <p:clrMapOvr>
+    <a:masterClrMapping/>
+  </p:clrMapOvr>
+</p:sld>
+</file>
+
+<file path=ppt/slides/slide8.xml><?xml version="1.0" encoding="utf-8"?>
+<p:sld xmlns:a="http://schemas.openxmlformats.org/drawingml/2006/main" xmlns:r="http://schemas.openxmlformats.org/officeDocument/2006/relationships" xmlns:p="http://schemas.openxmlformats.org/presentationml/2006/main">
+  <p:cSld>
+    <p:spTree>
+      <p:nvGrpSpPr>
+        <p:cNvPr id="1" name=""/>
+        <p:cNvGrpSpPr/>
+        <p:nvPr/>
+      </p:nvGrpSpPr>
+      <p:grpSpPr>
+        <a:xfrm>
+          <a:off x="0" y="0"/>
+          <a:ext cx="0" cy="0"/>
+          <a:chOff x="0" y="0"/>
+          <a:chExt cx="0" cy="0"/>
+        </a:xfrm>
+      </p:grpSpPr>
+      <p:pic>
+        <p:nvPicPr>
+          <p:cNvPr id="5" name="Picture 4">
+            <a:extLst>
+              <a:ext uri="{FF2B5EF4-FFF2-40B4-BE49-F238E27FC236}">
+                <a16:creationId xmlns:a16="http://schemas.microsoft.com/office/drawing/2014/main" id="{C525E65E-5420-EE4C-BE2F-7DA9BEB668F4}"/>
+              </a:ext>
+            </a:extLst>
+          </p:cNvPr>
+          <p:cNvPicPr>
+            <a:picLocks noChangeAspect="1"/>
+          </p:cNvPicPr>
+          <p:nvPr/>
+        </p:nvPicPr>
+        <p:blipFill>
+          <a:blip r:embed="rId3"/>
+          <a:stretch>
+            <a:fillRect/>
+          </a:stretch>
+        </p:blipFill>
+        <p:spPr>
+          <a:xfrm>
+            <a:off x="4631733" y="2283431"/>
+            <a:ext cx="7560267" cy="4541178"/>
+          </a:xfrm>
+          <a:prstGeom prst="rect">
+            <a:avLst/>
+          </a:prstGeom>
+        </p:spPr>
+      </p:pic>
+      <p:sp>
+        <p:nvSpPr>
+          <p:cNvPr id="2" name="Title 1">
+            <a:extLst>
+              <a:ext uri="{FF2B5EF4-FFF2-40B4-BE49-F238E27FC236}">
+                <a16:creationId xmlns:a16="http://schemas.microsoft.com/office/drawing/2014/main" id="{D91B2FAD-3089-8E4E-8085-BA06EBB7DC01}"/>
+              </a:ext>
+            </a:extLst>
+          </p:cNvPr>
+          <p:cNvSpPr>
+            <a:spLocks noGrp="1"/>
+          </p:cNvSpPr>
+          <p:nvPr>
+            <p:ph type="title"/>
+          </p:nvPr>
+        </p:nvSpPr>
+        <p:spPr/>
+        <p:txBody>
+          <a:bodyPr/>
+          <a:lstStyle/>
+          <a:p>
+            <a:r>
+              <a:rPr lang="en-US" dirty="0"/>
+              <a:t>Gradient Decent with regularization</a:t>
+            </a:r>
+          </a:p>
+        </p:txBody>
+      </p:sp>
+      <p:sp>
+        <p:nvSpPr>
+          <p:cNvPr id="3" name="Content Placeholder 2">
+            <a:extLst>
+              <a:ext uri="{FF2B5EF4-FFF2-40B4-BE49-F238E27FC236}">
+                <a16:creationId xmlns:a16="http://schemas.microsoft.com/office/drawing/2014/main" id="{445CA731-9DC5-5443-A1D0-7D106EDE7ABA}"/>
+              </a:ext>
+            </a:extLst>
+          </p:cNvPr>
+          <p:cNvSpPr>
+            <a:spLocks noGrp="1"/>
+          </p:cNvSpPr>
+          <p:nvPr>
+            <p:ph idx="1"/>
+          </p:nvPr>
+        </p:nvSpPr>
+        <p:spPr>
+          <a:xfrm>
+            <a:off x="838200" y="1825625"/>
+            <a:ext cx="4329701" cy="4667250"/>
+          </a:xfrm>
+        </p:spPr>
+        <p:txBody>
+          <a:bodyPr>
+            <a:normAutofit fontScale="92500" lnSpcReduction="10000"/>
+          </a:bodyPr>
+          <a:lstStyle/>
+          <a:p>
+            <a:r>
+              <a:rPr lang="en-US" dirty="0"/>
+              <a:t>Iteratively minimize Error (SSR) from a random initial configuration</a:t>
+            </a:r>
+          </a:p>
+          <a:p>
+            <a:endParaRPr lang="en-US" dirty="0"/>
+          </a:p>
+          <a:p>
+            <a:r>
+              <a:rPr lang="el-GR" dirty="0"/>
+              <a:t>α </a:t>
+            </a:r>
+            <a:r>
+              <a:rPr lang="en-US" dirty="0"/>
+              <a:t>is the learning rate</a:t>
+            </a:r>
+            <a:endParaRPr lang="el-GR" dirty="0"/>
+          </a:p>
+          <a:p>
+            <a:r>
+              <a:rPr lang="el-GR" dirty="0"/>
+              <a:t>λ</a:t>
+            </a:r>
+            <a:r>
+              <a:rPr lang="en-US" dirty="0"/>
+              <a:t> is the regularization strength</a:t>
+            </a:r>
+            <a:endParaRPr lang="el-GR" dirty="0"/>
+          </a:p>
+          <a:p>
+            <a:r>
+              <a:rPr lang="en-US" dirty="0"/>
+              <a:t>p is the L-norm number</a:t>
+            </a:r>
+          </a:p>
+          <a:p>
+            <a:endParaRPr lang="en-US" dirty="0"/>
+          </a:p>
+          <a:p>
+            <a:r>
+              <a:rPr lang="en-US" dirty="0"/>
+              <a:t>Weights converge where slope and regularization terms balance</a:t>
+            </a:r>
+          </a:p>
+        </p:txBody>
+      </p:sp>
+    </p:spTree>
+    <p:extLst>
+      <p:ext uri="{BB962C8B-B14F-4D97-AF65-F5344CB8AC3E}">
+        <p14:creationId xmlns:p14="http://schemas.microsoft.com/office/powerpoint/2010/main" val="780313209"/>
+      </p:ext>
+    </p:extLst>
+  </p:cSld>
+  <p:clrMapOvr>
+    <a:masterClrMapping/>
+  </p:clrMapOvr>
+</p:sld>
+</file>
+
+<file path=ppt/slides/slide9.xml><?xml version="1.0" encoding="utf-8"?>
+<p:sld xmlns:a="http://schemas.openxmlformats.org/drawingml/2006/main" xmlns:r="http://schemas.openxmlformats.org/officeDocument/2006/relationships" xmlns:p="http://schemas.openxmlformats.org/presentationml/2006/main">
+  <p:cSld>
+    <p:spTree>
+      <p:nvGrpSpPr>
+        <p:cNvPr id="1" name=""/>
+        <p:cNvGrpSpPr/>
+        <p:nvPr/>
+      </p:nvGrpSpPr>
+      <p:grpSpPr>
+        <a:xfrm>
+          <a:off x="0" y="0"/>
+          <a:ext cx="0" cy="0"/>
+          <a:chOff x="0" y="0"/>
+          <a:chExt cx="0" cy="0"/>
+        </a:xfrm>
+      </p:grpSpPr>
+      <p:sp>
+        <p:nvSpPr>
+          <p:cNvPr id="2" name="Title 1">
+            <a:extLst>
+              <a:ext uri="{FF2B5EF4-FFF2-40B4-BE49-F238E27FC236}">
+                <a16:creationId xmlns:a16="http://schemas.microsoft.com/office/drawing/2014/main" id="{40A3A371-2C21-6542-92DE-70243B4E9A01}"/>
+              </a:ext>
+            </a:extLst>
+          </p:cNvPr>
+          <p:cNvSpPr>
+            <a:spLocks noGrp="1"/>
+          </p:cNvSpPr>
+          <p:nvPr>
+            <p:ph type="title"/>
+          </p:nvPr>
+        </p:nvSpPr>
+        <p:spPr/>
+        <p:txBody>
+          <a:bodyPr/>
+          <a:lstStyle/>
+          <a:p>
+            <a:r>
+              <a:rPr lang="en-US" dirty="0"/>
+              <a:t>L2 - Normalization</a:t>
+            </a:r>
+          </a:p>
+        </p:txBody>
+      </p:sp>
+      <p:sp>
+        <p:nvSpPr>
+          <p:cNvPr id="3" name="Content Placeholder 2">
+            <a:extLst>
+              <a:ext uri="{FF2B5EF4-FFF2-40B4-BE49-F238E27FC236}">
+                <a16:creationId xmlns:a16="http://schemas.microsoft.com/office/drawing/2014/main" id="{C33C2A0A-5413-D54A-A14A-6F4B3FCE1C15}"/>
+              </a:ext>
+            </a:extLst>
+          </p:cNvPr>
+          <p:cNvSpPr>
+            <a:spLocks noGrp="1"/>
+          </p:cNvSpPr>
+          <p:nvPr>
+            <p:ph idx="1"/>
+          </p:nvPr>
+        </p:nvSpPr>
+        <p:spPr>
+          <a:xfrm>
+            <a:off x="373351" y="1924615"/>
+            <a:ext cx="10515600" cy="4861374"/>
+          </a:xfrm>
+        </p:spPr>
+        <p:txBody>
+          <a:bodyPr>
+            <a:normAutofit/>
+          </a:bodyPr>
+          <a:lstStyle/>
+          <a:p>
+            <a:r>
+              <a:rPr lang="en-US" dirty="0"/>
+              <a:t>From P normalization</a:t>
+            </a:r>
+          </a:p>
+          <a:p>
+            <a:endParaRPr lang="en-US" dirty="0"/>
+          </a:p>
+          <a:p>
+            <a:endParaRPr lang="en-US" dirty="0"/>
+          </a:p>
+          <a:p>
+            <a:endParaRPr lang="en-US" dirty="0"/>
+          </a:p>
+          <a:p>
+            <a:r>
+              <a:rPr lang="en-US" dirty="0"/>
+              <a:t>Where L2 (aka Euclidean normalization) is when p=2.</a:t>
+            </a:r>
+          </a:p>
+          <a:p>
+            <a:endParaRPr lang="en-US" dirty="0"/>
+          </a:p>
+          <a:p>
+            <a:r>
+              <a:rPr lang="en-US" dirty="0"/>
+              <a:t>L1 normalization is when p=1</a:t>
+            </a:r>
+          </a:p>
+          <a:p>
+            <a:r>
+              <a:rPr lang="en-US" dirty="0"/>
+              <a:t>(Less common) - L0 is special case that counts number of nonzero x’s</a:t>
+            </a:r>
+          </a:p>
+        </p:txBody>
+      </p:sp>
+      <p:pic>
+        <p:nvPicPr>
+          <p:cNvPr id="6" name="Picture 5">
+            <a:extLst>
+              <a:ext uri="{FF2B5EF4-FFF2-40B4-BE49-F238E27FC236}">
+                <a16:creationId xmlns:a16="http://schemas.microsoft.com/office/drawing/2014/main" id="{F0D0CD10-3C0B-C747-825C-BAF698B3408F}"/>
+              </a:ext>
+            </a:extLst>
+          </p:cNvPr>
+          <p:cNvPicPr>
+            <a:picLocks noChangeAspect="1"/>
+          </p:cNvPicPr>
+          <p:nvPr/>
+        </p:nvPicPr>
+        <p:blipFill>
+          <a:blip r:embed="rId3"/>
+          <a:stretch>
+            <a:fillRect/>
+          </a:stretch>
+        </p:blipFill>
+        <p:spPr>
+          <a:xfrm>
+            <a:off x="8153400" y="2977352"/>
+            <a:ext cx="4038600" cy="2755900"/>
+          </a:xfrm>
+          <a:prstGeom prst="rect">
+            <a:avLst/>
+          </a:prstGeom>
+        </p:spPr>
+      </p:pic>
+      <p:pic>
+        <p:nvPicPr>
+          <p:cNvPr id="8" name="Picture 7">
+            <a:extLst>
+              <a:ext uri="{FF2B5EF4-FFF2-40B4-BE49-F238E27FC236}">
+                <a16:creationId xmlns:a16="http://schemas.microsoft.com/office/drawing/2014/main" id="{B3C6C0D0-3140-3949-B8DE-22AD539CFE72}"/>
+              </a:ext>
+            </a:extLst>
+          </p:cNvPr>
+          <p:cNvPicPr>
+            <a:picLocks noChangeAspect="1"/>
+          </p:cNvPicPr>
+          <p:nvPr/>
+        </p:nvPicPr>
+        <p:blipFill>
+          <a:blip r:embed="rId4"/>
+          <a:stretch>
+            <a:fillRect/>
+          </a:stretch>
+        </p:blipFill>
+        <p:spPr>
+          <a:xfrm>
+            <a:off x="3822308" y="1363018"/>
+            <a:ext cx="4547384" cy="2381652"/>
+          </a:xfrm>
+          <a:prstGeom prst="rect">
+            <a:avLst/>
+          </a:prstGeom>
+        </p:spPr>
+      </p:pic>
+    </p:spTree>
+    <p:extLst>
+      <p:ext uri="{BB962C8B-B14F-4D97-AF65-F5344CB8AC3E}">
+        <p14:creationId xmlns:p14="http://schemas.microsoft.com/office/powerpoint/2010/main" val="1640922554"/>
       </p:ext>
     </p:extLst>
   </p:cSld>
